--- a/Research.pptx
+++ b/Research.pptx
@@ -1,42 +1,39 @@
 
 <file path=ppt/presentation.xml><?xml version="1.0" encoding="utf-8"?>
-<p:presentation xmlns:a="http://schemas.openxmlformats.org/drawingml/2006/main" xmlns:r="http://schemas.openxmlformats.org/officeDocument/2006/relationships" xmlns:p="http://schemas.openxmlformats.org/presentationml/2006/main" strictFirstAndLastChars="0" embedTrueTypeFonts="1" saveSubsetFonts="1" autoCompressPictures="0">
+<p:presentation xmlns:a="http://schemas.openxmlformats.org/drawingml/2006/main" xmlns:r="http://schemas.openxmlformats.org/officeDocument/2006/relationships" xmlns:mc="http://schemas.openxmlformats.org/markup-compatibility/2006" xmlns:mv="urn:schemas-microsoft-com:mac:vml" xmlns:p="http://schemas.openxmlformats.org/presentationml/2006/main" xmlns:c="http://schemas.openxmlformats.org/drawingml/2006/chart" xmlns:dgm="http://schemas.openxmlformats.org/drawingml/2006/diagram" xmlns:o="urn:schemas-microsoft-com:office:office" xmlns:v="urn:schemas-microsoft-com:vml" xmlns:pvml="urn:schemas-microsoft-com:office:powerpoint" xmlns:com="http://schemas.openxmlformats.org/drawingml/2006/compatibility" xmlns:p14="http://schemas.microsoft.com/office/powerpoint/2010/main" xmlns:p15="http://schemas.microsoft.com/office/powerpoint/2012/main" xmlns:ahyp="http://schemas.microsoft.com/office/drawing/2018/hyperlinkcolor" autoCompressPictures="0" embedTrueTypeFonts="1" strictFirstAndLastChars="0" saveSubsetFonts="1">
   <p:sldMasterIdLst>
-    <p:sldMasterId id="2147483659" r:id="rId1"/>
+    <p:sldMasterId id="2147483659" r:id="rId5"/>
   </p:sldMasterIdLst>
   <p:notesMasterIdLst>
-    <p:notesMasterId r:id="rId13"/>
+    <p:notesMasterId r:id="rId6"/>
   </p:notesMasterIdLst>
   <p:sldIdLst>
-    <p:sldId id="256" r:id="rId2"/>
-    <p:sldId id="257" r:id="rId3"/>
-    <p:sldId id="258" r:id="rId4"/>
-    <p:sldId id="259" r:id="rId5"/>
-    <p:sldId id="260" r:id="rId6"/>
-    <p:sldId id="261" r:id="rId7"/>
-    <p:sldId id="262" r:id="rId8"/>
-    <p:sldId id="263" r:id="rId9"/>
-    <p:sldId id="264" r:id="rId10"/>
-    <p:sldId id="265" r:id="rId11"/>
-    <p:sldId id="266" r:id="rId12"/>
+    <p:sldId id="256" r:id="rId7"/>
+    <p:sldId id="257" r:id="rId8"/>
+    <p:sldId id="258" r:id="rId9"/>
+    <p:sldId id="259" r:id="rId10"/>
+    <p:sldId id="260" r:id="rId11"/>
+    <p:sldId id="261" r:id="rId12"/>
+    <p:sldId id="262" r:id="rId13"/>
+    <p:sldId id="263" r:id="rId14"/>
+    <p:sldId id="264" r:id="rId15"/>
+    <p:sldId id="265" r:id="rId16"/>
+    <p:sldId id="266" r:id="rId17"/>
+    <p:sldId id="267" r:id="rId18"/>
   </p:sldIdLst>
-  <p:sldSz cx="9144000" cy="5143500" type="screen16x9"/>
+  <p:sldSz cy="5143500" cx="9144000"/>
   <p:notesSz cx="6858000" cy="9144000"/>
   <p:embeddedFontLst>
     <p:embeddedFont>
-      <p:font typeface="Raleway" panose="020B0604020202020204" pitchFamily="2" charset="-52"/>
-      <p:regular r:id="rId14"/>
-      <p:bold r:id="rId15"/>
-      <p:italic r:id="rId16"/>
-      <p:boldItalic r:id="rId17"/>
-    </p:embeddedFont>
-    <p:embeddedFont>
-      <p:font typeface="Source Sans Pro" panose="020B0503030403020204" pitchFamily="34" charset="0"/>
-      <p:regular r:id="rId18"/>
+      <p:font typeface="Raleway"/>
+      <p:regular r:id="rId19"/>
+      <p:bold r:id="rId20"/>
+      <p:italic r:id="rId21"/>
+      <p:boldItalic r:id="rId22"/>
     </p:embeddedFont>
   </p:embeddedFontLst>
   <p:defaultTextStyle>
-    <a:defPPr marR="0" lvl="0" algn="l" rtl="0">
+    <a:defPPr lvl="0" marR="0" rtl="0" algn="l">
       <a:lnSpc>
         <a:spcPct val="100000"/>
       </a:lnSpc>
@@ -47,7 +44,7 @@
         <a:spcPts val="0"/>
       </a:spcAft>
     </a:defPPr>
-    <a:lvl1pPr marR="0" lvl="0" algn="l" rtl="0">
+    <a:lvl1pPr lvl="0" marR="0" rtl="0" algn="l">
       <a:lnSpc>
         <a:spcPct val="100000"/>
       </a:lnSpc>
@@ -61,7 +58,7 @@
         <a:srgbClr val="000000"/>
       </a:buClr>
       <a:buFont typeface="Arial"/>
-      <a:defRPr sz="1400" b="0" i="0" u="none" strike="noStrike" cap="none">
+      <a:defRPr b="0" i="0" sz="1400" u="none" cap="none" strike="noStrike">
         <a:solidFill>
           <a:srgbClr val="000000"/>
         </a:solidFill>
@@ -71,7 +68,7 @@
         <a:sym typeface="Arial"/>
       </a:defRPr>
     </a:lvl1pPr>
-    <a:lvl2pPr marR="0" lvl="1" algn="l" rtl="0">
+    <a:lvl2pPr lvl="1" marR="0" rtl="0" algn="l">
       <a:lnSpc>
         <a:spcPct val="100000"/>
       </a:lnSpc>
@@ -85,7 +82,7 @@
         <a:srgbClr val="000000"/>
       </a:buClr>
       <a:buFont typeface="Arial"/>
-      <a:defRPr sz="1400" b="0" i="0" u="none" strike="noStrike" cap="none">
+      <a:defRPr b="0" i="0" sz="1400" u="none" cap="none" strike="noStrike">
         <a:solidFill>
           <a:srgbClr val="000000"/>
         </a:solidFill>
@@ -95,7 +92,7 @@
         <a:sym typeface="Arial"/>
       </a:defRPr>
     </a:lvl2pPr>
-    <a:lvl3pPr marR="0" lvl="2" algn="l" rtl="0">
+    <a:lvl3pPr lvl="2" marR="0" rtl="0" algn="l">
       <a:lnSpc>
         <a:spcPct val="100000"/>
       </a:lnSpc>
@@ -109,7 +106,7 @@
         <a:srgbClr val="000000"/>
       </a:buClr>
       <a:buFont typeface="Arial"/>
-      <a:defRPr sz="1400" b="0" i="0" u="none" strike="noStrike" cap="none">
+      <a:defRPr b="0" i="0" sz="1400" u="none" cap="none" strike="noStrike">
         <a:solidFill>
           <a:srgbClr val="000000"/>
         </a:solidFill>
@@ -119,7 +116,7 @@
         <a:sym typeface="Arial"/>
       </a:defRPr>
     </a:lvl3pPr>
-    <a:lvl4pPr marR="0" lvl="3" algn="l" rtl="0">
+    <a:lvl4pPr lvl="3" marR="0" rtl="0" algn="l">
       <a:lnSpc>
         <a:spcPct val="100000"/>
       </a:lnSpc>
@@ -133,7 +130,7 @@
         <a:srgbClr val="000000"/>
       </a:buClr>
       <a:buFont typeface="Arial"/>
-      <a:defRPr sz="1400" b="0" i="0" u="none" strike="noStrike" cap="none">
+      <a:defRPr b="0" i="0" sz="1400" u="none" cap="none" strike="noStrike">
         <a:solidFill>
           <a:srgbClr val="000000"/>
         </a:solidFill>
@@ -143,7 +140,7 @@
         <a:sym typeface="Arial"/>
       </a:defRPr>
     </a:lvl4pPr>
-    <a:lvl5pPr marR="0" lvl="4" algn="l" rtl="0">
+    <a:lvl5pPr lvl="4" marR="0" rtl="0" algn="l">
       <a:lnSpc>
         <a:spcPct val="100000"/>
       </a:lnSpc>
@@ -157,7 +154,7 @@
         <a:srgbClr val="000000"/>
       </a:buClr>
       <a:buFont typeface="Arial"/>
-      <a:defRPr sz="1400" b="0" i="0" u="none" strike="noStrike" cap="none">
+      <a:defRPr b="0" i="0" sz="1400" u="none" cap="none" strike="noStrike">
         <a:solidFill>
           <a:srgbClr val="000000"/>
         </a:solidFill>
@@ -167,7 +164,7 @@
         <a:sym typeface="Arial"/>
       </a:defRPr>
     </a:lvl5pPr>
-    <a:lvl6pPr marR="0" lvl="5" algn="l" rtl="0">
+    <a:lvl6pPr lvl="5" marR="0" rtl="0" algn="l">
       <a:lnSpc>
         <a:spcPct val="100000"/>
       </a:lnSpc>
@@ -181,7 +178,7 @@
         <a:srgbClr val="000000"/>
       </a:buClr>
       <a:buFont typeface="Arial"/>
-      <a:defRPr sz="1400" b="0" i="0" u="none" strike="noStrike" cap="none">
+      <a:defRPr b="0" i="0" sz="1400" u="none" cap="none" strike="noStrike">
         <a:solidFill>
           <a:srgbClr val="000000"/>
         </a:solidFill>
@@ -191,7 +188,7 @@
         <a:sym typeface="Arial"/>
       </a:defRPr>
     </a:lvl6pPr>
-    <a:lvl7pPr marR="0" lvl="6" algn="l" rtl="0">
+    <a:lvl7pPr lvl="6" marR="0" rtl="0" algn="l">
       <a:lnSpc>
         <a:spcPct val="100000"/>
       </a:lnSpc>
@@ -205,7 +202,7 @@
         <a:srgbClr val="000000"/>
       </a:buClr>
       <a:buFont typeface="Arial"/>
-      <a:defRPr sz="1400" b="0" i="0" u="none" strike="noStrike" cap="none">
+      <a:defRPr b="0" i="0" sz="1400" u="none" cap="none" strike="noStrike">
         <a:solidFill>
           <a:srgbClr val="000000"/>
         </a:solidFill>
@@ -215,7 +212,7 @@
         <a:sym typeface="Arial"/>
       </a:defRPr>
     </a:lvl7pPr>
-    <a:lvl8pPr marR="0" lvl="7" algn="l" rtl="0">
+    <a:lvl8pPr lvl="7" marR="0" rtl="0" algn="l">
       <a:lnSpc>
         <a:spcPct val="100000"/>
       </a:lnSpc>
@@ -229,7 +226,7 @@
         <a:srgbClr val="000000"/>
       </a:buClr>
       <a:buFont typeface="Arial"/>
-      <a:defRPr sz="1400" b="0" i="0" u="none" strike="noStrike" cap="none">
+      <a:defRPr b="0" i="0" sz="1400" u="none" cap="none" strike="noStrike">
         <a:solidFill>
           <a:srgbClr val="000000"/>
         </a:solidFill>
@@ -239,7 +236,7 @@
         <a:sym typeface="Arial"/>
       </a:defRPr>
     </a:lvl8pPr>
-    <a:lvl9pPr marR="0" lvl="8" algn="l" rtl="0">
+    <a:lvl9pPr lvl="8" marR="0" rtl="0" algn="l">
       <a:lnSpc>
         <a:spcPct val="100000"/>
       </a:lnSpc>
@@ -253,7 +250,7 @@
         <a:srgbClr val="000000"/>
       </a:buClr>
       <a:buFont typeface="Arial"/>
-      <a:defRPr sz="1400" b="0" i="0" u="none" strike="noStrike" cap="none">
+      <a:defRPr b="0" i="0" sz="1400" u="none" cap="none" strike="noStrike">
         <a:solidFill>
           <a:srgbClr val="000000"/>
         </a:solidFill>
@@ -266,7 +263,7 @@
   </p:defaultTextStyle>
   <p:extLst>
     <p:ext uri="{EFAFB233-063F-42B5-8137-9DF3F51BA10A}">
-      <p15:sldGuideLst xmlns:p15="http://schemas.microsoft.com/office/powerpoint/2012/main">
+      <p15:sldGuideLst>
         <p15:guide id="1" orient="horz" pos="1620">
           <p15:clr>
             <a:srgbClr val="747775"/>
@@ -284,16 +281,11 @@
 </file>
 
 <file path=ppt/notesMasters/notesMaster1.xml><?xml version="1.0" encoding="utf-8"?>
-<p:notesMaster xmlns:a="http://schemas.openxmlformats.org/drawingml/2006/main" xmlns:r="http://schemas.openxmlformats.org/officeDocument/2006/relationships" xmlns:p="http://schemas.openxmlformats.org/presentationml/2006/main">
+<p:notesMaster xmlns:a="http://schemas.openxmlformats.org/drawingml/2006/main" xmlns:r="http://schemas.openxmlformats.org/officeDocument/2006/relationships" xmlns:mc="http://schemas.openxmlformats.org/markup-compatibility/2006" xmlns:mv="urn:schemas-microsoft-com:mac:vml" xmlns:p="http://schemas.openxmlformats.org/presentationml/2006/main" xmlns:c="http://schemas.openxmlformats.org/drawingml/2006/chart" xmlns:dgm="http://schemas.openxmlformats.org/drawingml/2006/diagram" xmlns:o="urn:schemas-microsoft-com:office:office" xmlns:v="urn:schemas-microsoft-com:vml" xmlns:pvml="urn:schemas-microsoft-com:office:powerpoint" xmlns:com="http://schemas.openxmlformats.org/drawingml/2006/compatibility" xmlns:p14="http://schemas.microsoft.com/office/powerpoint/2010/main" xmlns:p15="http://schemas.microsoft.com/office/powerpoint/2012/main" xmlns:ahyp="http://schemas.microsoft.com/office/drawing/2018/hyperlinkcolor">
   <p:cSld>
-    <p:bg>
-      <p:bgRef idx="1001">
-        <a:schemeClr val="bg1"/>
-      </p:bgRef>
-    </p:bg>
     <p:spTree>
       <p:nvGrpSpPr>
-        <p:cNvPr id="1" name="Shape 2"/>
+        <p:cNvPr id="2" name="Shape 2"/>
         <p:cNvGrpSpPr/>
         <p:nvPr/>
       </p:nvGrpSpPr>
@@ -308,11 +300,9 @@
       <p:sp>
         <p:nvSpPr>
           <p:cNvPr id="3" name="Google Shape;3;n"/>
-          <p:cNvSpPr>
-            <a:spLocks noGrp="1" noRot="1" noChangeAspect="1"/>
-          </p:cNvSpPr>
+          <p:cNvSpPr/>
           <p:nvPr>
-            <p:ph type="sldImg" idx="2"/>
+            <p:ph idx="2" type="sldImg"/>
           </p:nvPr>
         </p:nvSpPr>
         <p:spPr>
@@ -321,13 +311,9 @@
             <a:ext cx="6096075" cy="3429000"/>
           </a:xfrm>
           <a:custGeom>
-            <a:avLst/>
-            <a:gdLst/>
-            <a:ahLst/>
-            <a:cxnLst/>
-            <a:rect l="l" t="t" r="r" b="b"/>
+            <a:rect b="b" l="l" r="r" t="t"/>
             <a:pathLst>
-              <a:path w="120000" h="120000" extrusionOk="0">
+              <a:path extrusionOk="0" h="120000" w="120000">
                 <a:moveTo>
                   <a:pt x="0" y="0"/>
                 </a:moveTo>
@@ -345,25 +331,23 @@
             </a:pathLst>
           </a:custGeom>
           <a:noFill/>
-          <a:ln w="9525" cap="flat" cmpd="sng">
+          <a:ln cap="flat" cmpd="sng" w="9525">
             <a:solidFill>
               <a:srgbClr val="000000"/>
             </a:solidFill>
             <a:prstDash val="solid"/>
             <a:round/>
-            <a:headEnd type="none" w="sm" len="sm"/>
-            <a:tailEnd type="none" w="sm" len="sm"/>
+            <a:headEnd len="sm" w="sm" type="none"/>
+            <a:tailEnd len="sm" w="sm" type="none"/>
           </a:ln>
         </p:spPr>
       </p:sp>
       <p:sp>
         <p:nvSpPr>
           <p:cNvPr id="4" name="Google Shape;4;n"/>
-          <p:cNvSpPr txBox="1">
-            <a:spLocks noGrp="1"/>
-          </p:cNvSpPr>
+          <p:cNvSpPr txBox="1"/>
           <p:nvPr>
-            <p:ph type="body" idx="1"/>
+            <p:ph idx="1" type="body"/>
           </p:nvPr>
         </p:nvSpPr>
         <p:spPr>
@@ -380,11 +364,11 @@
           </a:ln>
         </p:spPr>
         <p:txBody>
-          <a:bodyPr spcFirstLastPara="1" wrap="square" lIns="91425" tIns="91425" rIns="91425" bIns="91425" anchor="t" anchorCtr="0">
+          <a:bodyPr anchorCtr="0" anchor="t" bIns="91425" lIns="91425" spcFirstLastPara="1" rIns="91425" wrap="square" tIns="91425">
             <a:noAutofit/>
           </a:bodyPr>
           <a:lstStyle>
-            <a:lvl1pPr marL="457200" lvl="0" indent="-298450">
+            <a:lvl1pPr indent="-298450" lvl="0" marL="457200">
               <a:spcBef>
                 <a:spcPts val="0"/>
               </a:spcBef>
@@ -395,7 +379,7 @@
               <a:buChar char="●"/>
               <a:defRPr sz="1100"/>
             </a:lvl1pPr>
-            <a:lvl2pPr marL="914400" lvl="1" indent="-298450">
+            <a:lvl2pPr indent="-298450" lvl="1" marL="914400">
               <a:spcBef>
                 <a:spcPts val="0"/>
               </a:spcBef>
@@ -406,7 +390,7 @@
               <a:buChar char="○"/>
               <a:defRPr sz="1100"/>
             </a:lvl2pPr>
-            <a:lvl3pPr marL="1371600" lvl="2" indent="-298450">
+            <a:lvl3pPr indent="-298450" lvl="2" marL="1371600">
               <a:spcBef>
                 <a:spcPts val="0"/>
               </a:spcBef>
@@ -417,7 +401,7 @@
               <a:buChar char="■"/>
               <a:defRPr sz="1100"/>
             </a:lvl3pPr>
-            <a:lvl4pPr marL="1828800" lvl="3" indent="-298450">
+            <a:lvl4pPr indent="-298450" lvl="3" marL="1828800">
               <a:spcBef>
                 <a:spcPts val="0"/>
               </a:spcBef>
@@ -428,7 +412,7 @@
               <a:buChar char="●"/>
               <a:defRPr sz="1100"/>
             </a:lvl4pPr>
-            <a:lvl5pPr marL="2286000" lvl="4" indent="-298450">
+            <a:lvl5pPr indent="-298450" lvl="4" marL="2286000">
               <a:spcBef>
                 <a:spcPts val="0"/>
               </a:spcBef>
@@ -439,7 +423,7 @@
               <a:buChar char="○"/>
               <a:defRPr sz="1100"/>
             </a:lvl5pPr>
-            <a:lvl6pPr marL="2743200" lvl="5" indent="-298450">
+            <a:lvl6pPr indent="-298450" lvl="5" marL="2743200">
               <a:spcBef>
                 <a:spcPts val="0"/>
               </a:spcBef>
@@ -450,7 +434,7 @@
               <a:buChar char="■"/>
               <a:defRPr sz="1100"/>
             </a:lvl6pPr>
-            <a:lvl7pPr marL="3200400" lvl="6" indent="-298450">
+            <a:lvl7pPr indent="-298450" lvl="6" marL="3200400">
               <a:spcBef>
                 <a:spcPts val="0"/>
               </a:spcBef>
@@ -461,7 +445,7 @@
               <a:buChar char="●"/>
               <a:defRPr sz="1100"/>
             </a:lvl7pPr>
-            <a:lvl8pPr marL="3657600" lvl="7" indent="-298450">
+            <a:lvl8pPr indent="-298450" lvl="7" marL="3657600">
               <a:spcBef>
                 <a:spcPts val="0"/>
               </a:spcBef>
@@ -472,7 +456,7 @@
               <a:buChar char="○"/>
               <a:defRPr sz="1100"/>
             </a:lvl8pPr>
-            <a:lvl9pPr marL="4114800" lvl="8" indent="-298450">
+            <a:lvl9pPr indent="-298450" lvl="8" marL="4114800">
               <a:spcBef>
                 <a:spcPts val="0"/>
               </a:spcBef>
@@ -484,16 +468,14 @@
               <a:defRPr sz="1100"/>
             </a:lvl9pPr>
           </a:lstStyle>
-          <a:p>
-            <a:endParaRPr/>
-          </a:p>
+          <a:p/>
         </p:txBody>
       </p:sp>
     </p:spTree>
   </p:cSld>
-  <p:clrMap bg1="lt1" tx1="dk1" bg2="dk2" tx2="lt2" accent1="accent1" accent2="accent2" accent3="accent3" accent4="accent4" accent5="accent5" accent6="accent6" hlink="hlink" folHlink="folHlink"/>
+  <p:clrMap accent1="accent1" accent2="accent2" accent3="accent3" accent4="accent4" accent5="accent5" accent6="accent6" bg1="lt1" bg2="dk2" tx1="dk1" tx2="lt2" folHlink="folHlink" hlink="hlink"/>
   <p:notesStyle>
-    <a:defPPr marR="0" lvl="0" algn="l" rtl="0">
+    <a:defPPr lvl="0" marR="0" rtl="0" algn="l">
       <a:lnSpc>
         <a:spcPct val="100000"/>
       </a:lnSpc>
@@ -504,7 +486,7 @@
         <a:spcPts val="0"/>
       </a:spcAft>
     </a:defPPr>
-    <a:lvl1pPr marR="0" lvl="0" algn="l" rtl="0">
+    <a:lvl1pPr lvl="0" marR="0" rtl="0" algn="l">
       <a:lnSpc>
         <a:spcPct val="100000"/>
       </a:lnSpc>
@@ -518,7 +500,7 @@
         <a:srgbClr val="000000"/>
       </a:buClr>
       <a:buFont typeface="Arial"/>
-      <a:defRPr sz="1400" b="0" i="0" u="none" strike="noStrike" cap="none">
+      <a:defRPr b="0" i="0" sz="1400" u="none" cap="none" strike="noStrike">
         <a:solidFill>
           <a:srgbClr val="000000"/>
         </a:solidFill>
@@ -528,7 +510,7 @@
         <a:sym typeface="Arial"/>
       </a:defRPr>
     </a:lvl1pPr>
-    <a:lvl2pPr marR="0" lvl="1" algn="l" rtl="0">
+    <a:lvl2pPr lvl="1" marR="0" rtl="0" algn="l">
       <a:lnSpc>
         <a:spcPct val="100000"/>
       </a:lnSpc>
@@ -542,7 +524,7 @@
         <a:srgbClr val="000000"/>
       </a:buClr>
       <a:buFont typeface="Arial"/>
-      <a:defRPr sz="1400" b="0" i="0" u="none" strike="noStrike" cap="none">
+      <a:defRPr b="0" i="0" sz="1400" u="none" cap="none" strike="noStrike">
         <a:solidFill>
           <a:srgbClr val="000000"/>
         </a:solidFill>
@@ -552,7 +534,7 @@
         <a:sym typeface="Arial"/>
       </a:defRPr>
     </a:lvl2pPr>
-    <a:lvl3pPr marR="0" lvl="2" algn="l" rtl="0">
+    <a:lvl3pPr lvl="2" marR="0" rtl="0" algn="l">
       <a:lnSpc>
         <a:spcPct val="100000"/>
       </a:lnSpc>
@@ -566,7 +548,7 @@
         <a:srgbClr val="000000"/>
       </a:buClr>
       <a:buFont typeface="Arial"/>
-      <a:defRPr sz="1400" b="0" i="0" u="none" strike="noStrike" cap="none">
+      <a:defRPr b="0" i="0" sz="1400" u="none" cap="none" strike="noStrike">
         <a:solidFill>
           <a:srgbClr val="000000"/>
         </a:solidFill>
@@ -576,7 +558,7 @@
         <a:sym typeface="Arial"/>
       </a:defRPr>
     </a:lvl3pPr>
-    <a:lvl4pPr marR="0" lvl="3" algn="l" rtl="0">
+    <a:lvl4pPr lvl="3" marR="0" rtl="0" algn="l">
       <a:lnSpc>
         <a:spcPct val="100000"/>
       </a:lnSpc>
@@ -590,7 +572,7 @@
         <a:srgbClr val="000000"/>
       </a:buClr>
       <a:buFont typeface="Arial"/>
-      <a:defRPr sz="1400" b="0" i="0" u="none" strike="noStrike" cap="none">
+      <a:defRPr b="0" i="0" sz="1400" u="none" cap="none" strike="noStrike">
         <a:solidFill>
           <a:srgbClr val="000000"/>
         </a:solidFill>
@@ -600,7 +582,7 @@
         <a:sym typeface="Arial"/>
       </a:defRPr>
     </a:lvl4pPr>
-    <a:lvl5pPr marR="0" lvl="4" algn="l" rtl="0">
+    <a:lvl5pPr lvl="4" marR="0" rtl="0" algn="l">
       <a:lnSpc>
         <a:spcPct val="100000"/>
       </a:lnSpc>
@@ -614,7 +596,7 @@
         <a:srgbClr val="000000"/>
       </a:buClr>
       <a:buFont typeface="Arial"/>
-      <a:defRPr sz="1400" b="0" i="0" u="none" strike="noStrike" cap="none">
+      <a:defRPr b="0" i="0" sz="1400" u="none" cap="none" strike="noStrike">
         <a:solidFill>
           <a:srgbClr val="000000"/>
         </a:solidFill>
@@ -624,7 +606,7 @@
         <a:sym typeface="Arial"/>
       </a:defRPr>
     </a:lvl5pPr>
-    <a:lvl6pPr marR="0" lvl="5" algn="l" rtl="0">
+    <a:lvl6pPr lvl="5" marR="0" rtl="0" algn="l">
       <a:lnSpc>
         <a:spcPct val="100000"/>
       </a:lnSpc>
@@ -638,7 +620,7 @@
         <a:srgbClr val="000000"/>
       </a:buClr>
       <a:buFont typeface="Arial"/>
-      <a:defRPr sz="1400" b="0" i="0" u="none" strike="noStrike" cap="none">
+      <a:defRPr b="0" i="0" sz="1400" u="none" cap="none" strike="noStrike">
         <a:solidFill>
           <a:srgbClr val="000000"/>
         </a:solidFill>
@@ -648,7 +630,7 @@
         <a:sym typeface="Arial"/>
       </a:defRPr>
     </a:lvl6pPr>
-    <a:lvl7pPr marR="0" lvl="6" algn="l" rtl="0">
+    <a:lvl7pPr lvl="6" marR="0" rtl="0" algn="l">
       <a:lnSpc>
         <a:spcPct val="100000"/>
       </a:lnSpc>
@@ -662,7 +644,7 @@
         <a:srgbClr val="000000"/>
       </a:buClr>
       <a:buFont typeface="Arial"/>
-      <a:defRPr sz="1400" b="0" i="0" u="none" strike="noStrike" cap="none">
+      <a:defRPr b="0" i="0" sz="1400" u="none" cap="none" strike="noStrike">
         <a:solidFill>
           <a:srgbClr val="000000"/>
         </a:solidFill>
@@ -672,7 +654,7 @@
         <a:sym typeface="Arial"/>
       </a:defRPr>
     </a:lvl7pPr>
-    <a:lvl8pPr marR="0" lvl="7" algn="l" rtl="0">
+    <a:lvl8pPr lvl="7" marR="0" rtl="0" algn="l">
       <a:lnSpc>
         <a:spcPct val="100000"/>
       </a:lnSpc>
@@ -686,7 +668,7 @@
         <a:srgbClr val="000000"/>
       </a:buClr>
       <a:buFont typeface="Arial"/>
-      <a:defRPr sz="1400" b="0" i="0" u="none" strike="noStrike" cap="none">
+      <a:defRPr b="0" i="0" sz="1400" u="none" cap="none" strike="noStrike">
         <a:solidFill>
           <a:srgbClr val="000000"/>
         </a:solidFill>
@@ -696,7 +678,7 @@
         <a:sym typeface="Arial"/>
       </a:defRPr>
     </a:lvl8pPr>
-    <a:lvl9pPr marR="0" lvl="8" algn="l" rtl="0">
+    <a:lvl9pPr lvl="8" marR="0" rtl="0" algn="l">
       <a:lnSpc>
         <a:spcPct val="100000"/>
       </a:lnSpc>
@@ -710,7 +692,7 @@
         <a:srgbClr val="000000"/>
       </a:buClr>
       <a:buFont typeface="Arial"/>
-      <a:defRPr sz="1400" b="0" i="0" u="none" strike="noStrike" cap="none">
+      <a:defRPr b="0" i="0" sz="1400" u="none" cap="none" strike="noStrike">
         <a:solidFill>
           <a:srgbClr val="000000"/>
         </a:solidFill>
@@ -725,11 +707,11 @@
 </file>
 
 <file path=ppt/notesSlides/notesSlide1.xml><?xml version="1.0" encoding="utf-8"?>
-<p:notes xmlns:a="http://schemas.openxmlformats.org/drawingml/2006/main" xmlns:r="http://schemas.openxmlformats.org/officeDocument/2006/relationships" xmlns:p="http://schemas.openxmlformats.org/presentationml/2006/main" showMasterSp="0" showMasterPhAnim="0">
+<p:notes xmlns:a="http://schemas.openxmlformats.org/drawingml/2006/main" xmlns:r="http://schemas.openxmlformats.org/officeDocument/2006/relationships" xmlns:mc="http://schemas.openxmlformats.org/markup-compatibility/2006" xmlns:mv="urn:schemas-microsoft-com:mac:vml" xmlns:p="http://schemas.openxmlformats.org/presentationml/2006/main" xmlns:c="http://schemas.openxmlformats.org/drawingml/2006/chart" xmlns:dgm="http://schemas.openxmlformats.org/drawingml/2006/diagram" xmlns:o="urn:schemas-microsoft-com:office:office" xmlns:v="urn:schemas-microsoft-com:vml" xmlns:pvml="urn:schemas-microsoft-com:office:powerpoint" xmlns:com="http://schemas.openxmlformats.org/drawingml/2006/compatibility" xmlns:p14="http://schemas.microsoft.com/office/powerpoint/2010/main" xmlns:p15="http://schemas.microsoft.com/office/powerpoint/2012/main" xmlns:ahyp="http://schemas.microsoft.com/office/drawing/2018/hyperlinkcolor" showMasterPhAnim="0" showMasterSp="0">
   <p:cSld>
     <p:spTree>
       <p:nvGrpSpPr>
-        <p:cNvPr id="1" name="Shape 54"/>
+        <p:cNvPr id="54" name="Shape 54"/>
         <p:cNvGrpSpPr/>
         <p:nvPr/>
       </p:nvGrpSpPr>
@@ -744,11 +726,9 @@
       <p:sp>
         <p:nvSpPr>
           <p:cNvPr id="55" name="Google Shape;55;p:notes"/>
-          <p:cNvSpPr>
-            <a:spLocks noGrp="1" noRot="1" noChangeAspect="1"/>
-          </p:cNvSpPr>
+          <p:cNvSpPr/>
           <p:nvPr>
-            <p:ph type="sldImg" idx="2"/>
+            <p:ph idx="2" type="sldImg"/>
           </p:nvPr>
         </p:nvSpPr>
         <p:spPr>
@@ -757,13 +737,9 @@
             <a:ext cx="6096075" cy="3429000"/>
           </a:xfrm>
           <a:custGeom>
-            <a:avLst/>
-            <a:gdLst/>
-            <a:ahLst/>
-            <a:cxnLst/>
-            <a:rect l="l" t="t" r="r" b="b"/>
+            <a:rect b="b" l="l" r="r" t="t"/>
             <a:pathLst>
-              <a:path w="120000" h="120000" extrusionOk="0">
+              <a:path extrusionOk="0" h="120000" w="120000">
                 <a:moveTo>
                   <a:pt x="0" y="0"/>
                 </a:moveTo>
@@ -785,11 +761,9 @@
       <p:sp>
         <p:nvSpPr>
           <p:cNvPr id="56" name="Google Shape;56;p:notes"/>
-          <p:cNvSpPr txBox="1">
-            <a:spLocks noGrp="1"/>
-          </p:cNvSpPr>
+          <p:cNvSpPr txBox="1"/>
           <p:nvPr>
-            <p:ph type="body" idx="1"/>
+            <p:ph idx="1" type="body"/>
           </p:nvPr>
         </p:nvSpPr>
         <p:spPr>
@@ -802,12 +776,12 @@
           </a:prstGeom>
         </p:spPr>
         <p:txBody>
-          <a:bodyPr spcFirstLastPara="1" wrap="square" lIns="91425" tIns="91425" rIns="91425" bIns="91425" anchor="t" anchorCtr="0">
+          <a:bodyPr anchorCtr="0" anchor="t" bIns="91425" lIns="91425" spcFirstLastPara="1" rIns="91425" wrap="square" tIns="91425">
             <a:noAutofit/>
           </a:bodyPr>
           <a:lstStyle/>
           <a:p>
-            <a:pPr marL="0" lvl="0" indent="0" algn="l" rtl="0">
+            <a:pPr indent="0" lvl="0" marL="0" rtl="0" algn="l">
               <a:spcBef>
                 <a:spcPts val="0"/>
               </a:spcBef>
@@ -816,6 +790,9 @@
               </a:spcAft>
               <a:buNone/>
             </a:pPr>
+            <a:r>
+              <a:t/>
+            </a:r>
             <a:endParaRPr/>
           </a:p>
         </p:txBody>
@@ -829,11 +806,11 @@
 </file>
 
 <file path=ppt/notesSlides/notesSlide10.xml><?xml version="1.0" encoding="utf-8"?>
-<p:notes xmlns:a="http://schemas.openxmlformats.org/drawingml/2006/main" xmlns:r="http://schemas.openxmlformats.org/officeDocument/2006/relationships" xmlns:p="http://schemas.openxmlformats.org/presentationml/2006/main" showMasterSp="0" showMasterPhAnim="0">
+<p:notes xmlns:a="http://schemas.openxmlformats.org/drawingml/2006/main" xmlns:r="http://schemas.openxmlformats.org/officeDocument/2006/relationships" xmlns:mc="http://schemas.openxmlformats.org/markup-compatibility/2006" xmlns:mv="urn:schemas-microsoft-com:mac:vml" xmlns:p="http://schemas.openxmlformats.org/presentationml/2006/main" xmlns:c="http://schemas.openxmlformats.org/drawingml/2006/chart" xmlns:dgm="http://schemas.openxmlformats.org/drawingml/2006/diagram" xmlns:o="urn:schemas-microsoft-com:office:office" xmlns:v="urn:schemas-microsoft-com:vml" xmlns:pvml="urn:schemas-microsoft-com:office:powerpoint" xmlns:com="http://schemas.openxmlformats.org/drawingml/2006/compatibility" xmlns:p14="http://schemas.microsoft.com/office/powerpoint/2010/main" xmlns:p15="http://schemas.microsoft.com/office/powerpoint/2012/main" xmlns:ahyp="http://schemas.microsoft.com/office/drawing/2018/hyperlinkcolor" showMasterPhAnim="0" showMasterSp="0">
   <p:cSld>
     <p:spTree>
       <p:nvGrpSpPr>
-        <p:cNvPr id="1" name="Shape 104"/>
+        <p:cNvPr id="104" name="Shape 104"/>
         <p:cNvGrpSpPr/>
         <p:nvPr/>
       </p:nvGrpSpPr>
@@ -848,26 +825,20 @@
       <p:sp>
         <p:nvSpPr>
           <p:cNvPr id="105" name="Google Shape;105;g337af81025d_0_68:notes"/>
-          <p:cNvSpPr>
-            <a:spLocks noGrp="1" noRot="1" noChangeAspect="1"/>
-          </p:cNvSpPr>
+          <p:cNvSpPr/>
           <p:nvPr>
-            <p:ph type="sldImg" idx="2"/>
+            <p:ph idx="2" type="sldImg"/>
           </p:nvPr>
         </p:nvSpPr>
         <p:spPr>
           <a:xfrm>
-            <a:off x="381000" y="685800"/>
+            <a:off x="381300" y="685800"/>
             <a:ext cx="6096000" cy="3429000"/>
           </a:xfrm>
           <a:custGeom>
-            <a:avLst/>
-            <a:gdLst/>
-            <a:ahLst/>
-            <a:cxnLst/>
-            <a:rect l="l" t="t" r="r" b="b"/>
+            <a:rect b="b" l="l" r="r" t="t"/>
             <a:pathLst>
-              <a:path w="120000" h="120000" extrusionOk="0">
+              <a:path extrusionOk="0" h="120000" w="120000">
                 <a:moveTo>
                   <a:pt x="0" y="0"/>
                 </a:moveTo>
@@ -889,11 +860,9 @@
       <p:sp>
         <p:nvSpPr>
           <p:cNvPr id="106" name="Google Shape;106;g337af81025d_0_68:notes"/>
-          <p:cNvSpPr txBox="1">
-            <a:spLocks noGrp="1"/>
-          </p:cNvSpPr>
+          <p:cNvSpPr txBox="1"/>
           <p:nvPr>
-            <p:ph type="body" idx="1"/>
+            <p:ph idx="1" type="body"/>
           </p:nvPr>
         </p:nvSpPr>
         <p:spPr>
@@ -906,12 +875,12 @@
           </a:prstGeom>
         </p:spPr>
         <p:txBody>
-          <a:bodyPr spcFirstLastPara="1" wrap="square" lIns="91425" tIns="91425" rIns="91425" bIns="91425" anchor="t" anchorCtr="0">
+          <a:bodyPr anchorCtr="0" anchor="t" bIns="91425" lIns="91425" spcFirstLastPara="1" rIns="91425" wrap="square" tIns="91425">
             <a:noAutofit/>
           </a:bodyPr>
           <a:lstStyle/>
           <a:p>
-            <a:pPr marL="0" lvl="0" indent="0" algn="l" rtl="0">
+            <a:pPr indent="0" lvl="0" marL="0" rtl="0" algn="l">
               <a:spcBef>
                 <a:spcPts val="0"/>
               </a:spcBef>
@@ -920,6 +889,9 @@
               </a:spcAft>
               <a:buNone/>
             </a:pPr>
+            <a:r>
+              <a:t/>
+            </a:r>
             <a:endParaRPr/>
           </a:p>
         </p:txBody>
@@ -933,11 +905,11 @@
 </file>
 
 <file path=ppt/notesSlides/notesSlide11.xml><?xml version="1.0" encoding="utf-8"?>
-<p:notes xmlns:a="http://schemas.openxmlformats.org/drawingml/2006/main" xmlns:r="http://schemas.openxmlformats.org/officeDocument/2006/relationships" xmlns:p="http://schemas.openxmlformats.org/presentationml/2006/main" showMasterSp="0" showMasterPhAnim="0">
+<p:notes xmlns:a="http://schemas.openxmlformats.org/drawingml/2006/main" xmlns:r="http://schemas.openxmlformats.org/officeDocument/2006/relationships" xmlns:mc="http://schemas.openxmlformats.org/markup-compatibility/2006" xmlns:mv="urn:schemas-microsoft-com:mac:vml" xmlns:p="http://schemas.openxmlformats.org/presentationml/2006/main" xmlns:c="http://schemas.openxmlformats.org/drawingml/2006/chart" xmlns:dgm="http://schemas.openxmlformats.org/drawingml/2006/diagram" xmlns:o="urn:schemas-microsoft-com:office:office" xmlns:v="urn:schemas-microsoft-com:vml" xmlns:pvml="urn:schemas-microsoft-com:office:powerpoint" xmlns:com="http://schemas.openxmlformats.org/drawingml/2006/compatibility" xmlns:p14="http://schemas.microsoft.com/office/powerpoint/2010/main" xmlns:p15="http://schemas.microsoft.com/office/powerpoint/2012/main" xmlns:ahyp="http://schemas.microsoft.com/office/drawing/2018/hyperlinkcolor" showMasterPhAnim="0" showMasterSp="0">
   <p:cSld>
     <p:spTree>
       <p:nvGrpSpPr>
-        <p:cNvPr id="1" name="Shape 110"/>
+        <p:cNvPr id="110" name="Shape 110"/>
         <p:cNvGrpSpPr/>
         <p:nvPr/>
       </p:nvGrpSpPr>
@@ -952,26 +924,20 @@
       <p:sp>
         <p:nvSpPr>
           <p:cNvPr id="111" name="Google Shape;111;g337af81025d_0_512:notes"/>
-          <p:cNvSpPr>
-            <a:spLocks noGrp="1" noRot="1" noChangeAspect="1"/>
-          </p:cNvSpPr>
+          <p:cNvSpPr/>
           <p:nvPr>
-            <p:ph type="sldImg" idx="2"/>
+            <p:ph idx="2" type="sldImg"/>
           </p:nvPr>
         </p:nvSpPr>
         <p:spPr>
           <a:xfrm>
-            <a:off x="381000" y="685800"/>
+            <a:off x="381300" y="685800"/>
             <a:ext cx="6096000" cy="3429000"/>
           </a:xfrm>
           <a:custGeom>
-            <a:avLst/>
-            <a:gdLst/>
-            <a:ahLst/>
-            <a:cxnLst/>
-            <a:rect l="l" t="t" r="r" b="b"/>
+            <a:rect b="b" l="l" r="r" t="t"/>
             <a:pathLst>
-              <a:path w="120000" h="120000" extrusionOk="0">
+              <a:path extrusionOk="0" h="120000" w="120000">
                 <a:moveTo>
                   <a:pt x="0" y="0"/>
                 </a:moveTo>
@@ -993,11 +959,9 @@
       <p:sp>
         <p:nvSpPr>
           <p:cNvPr id="112" name="Google Shape;112;g337af81025d_0_512:notes"/>
-          <p:cNvSpPr txBox="1">
-            <a:spLocks noGrp="1"/>
-          </p:cNvSpPr>
+          <p:cNvSpPr txBox="1"/>
           <p:nvPr>
-            <p:ph type="body" idx="1"/>
+            <p:ph idx="1" type="body"/>
           </p:nvPr>
         </p:nvSpPr>
         <p:spPr>
@@ -1010,12 +974,12 @@
           </a:prstGeom>
         </p:spPr>
         <p:txBody>
-          <a:bodyPr spcFirstLastPara="1" wrap="square" lIns="91425" tIns="91425" rIns="91425" bIns="91425" anchor="t" anchorCtr="0">
+          <a:bodyPr anchorCtr="0" anchor="t" bIns="91425" lIns="91425" spcFirstLastPara="1" rIns="91425" wrap="square" tIns="91425">
             <a:noAutofit/>
           </a:bodyPr>
           <a:lstStyle/>
           <a:p>
-            <a:pPr marL="0" lvl="0" indent="0" algn="l" rtl="0">
+            <a:pPr indent="0" lvl="0" marL="0" rtl="0" algn="l">
               <a:spcBef>
                 <a:spcPts val="0"/>
               </a:spcBef>
@@ -1024,6 +988,108 @@
               </a:spcAft>
               <a:buNone/>
             </a:pPr>
+            <a:r>
+              <a:t/>
+            </a:r>
+            <a:endParaRPr/>
+          </a:p>
+        </p:txBody>
+      </p:sp>
+    </p:spTree>
+  </p:cSld>
+  <p:clrMapOvr>
+    <a:masterClrMapping/>
+  </p:clrMapOvr>
+</p:notes>
+</file>
+
+<file path=ppt/notesSlides/notesSlide12.xml><?xml version="1.0" encoding="utf-8"?>
+<p:notes xmlns:a="http://schemas.openxmlformats.org/drawingml/2006/main" xmlns:r="http://schemas.openxmlformats.org/officeDocument/2006/relationships" xmlns:mc="http://schemas.openxmlformats.org/markup-compatibility/2006" xmlns:mv="urn:schemas-microsoft-com:mac:vml" xmlns:p="http://schemas.openxmlformats.org/presentationml/2006/main" xmlns:c="http://schemas.openxmlformats.org/drawingml/2006/chart" xmlns:dgm="http://schemas.openxmlformats.org/drawingml/2006/diagram" xmlns:o="urn:schemas-microsoft-com:office:office" xmlns:v="urn:schemas-microsoft-com:vml" xmlns:pvml="urn:schemas-microsoft-com:office:powerpoint" xmlns:com="http://schemas.openxmlformats.org/drawingml/2006/compatibility" xmlns:p14="http://schemas.microsoft.com/office/powerpoint/2010/main" xmlns:p15="http://schemas.microsoft.com/office/powerpoint/2012/main" xmlns:ahyp="http://schemas.microsoft.com/office/drawing/2018/hyperlinkcolor" showMasterPhAnim="0" showMasterSp="0">
+  <p:cSld>
+    <p:spTree>
+      <p:nvGrpSpPr>
+        <p:cNvPr id="116" name="Shape 116"/>
+        <p:cNvGrpSpPr/>
+        <p:nvPr/>
+      </p:nvGrpSpPr>
+      <p:grpSpPr>
+        <a:xfrm>
+          <a:off x="0" y="0"/>
+          <a:ext cx="0" cy="0"/>
+          <a:chOff x="0" y="0"/>
+          <a:chExt cx="0" cy="0"/>
+        </a:xfrm>
+      </p:grpSpPr>
+      <p:sp>
+        <p:nvSpPr>
+          <p:cNvPr id="117" name="Google Shape;117;g33815d49d5d_0_0:notes"/>
+          <p:cNvSpPr/>
+          <p:nvPr>
+            <p:ph idx="2" type="sldImg"/>
+          </p:nvPr>
+        </p:nvSpPr>
+        <p:spPr>
+          <a:xfrm>
+            <a:off x="381300" y="685800"/>
+            <a:ext cx="6096000" cy="3429000"/>
+          </a:xfrm>
+          <a:custGeom>
+            <a:rect b="b" l="l" r="r" t="t"/>
+            <a:pathLst>
+              <a:path extrusionOk="0" h="120000" w="120000">
+                <a:moveTo>
+                  <a:pt x="0" y="0"/>
+                </a:moveTo>
+                <a:lnTo>
+                  <a:pt x="120000" y="0"/>
+                </a:lnTo>
+                <a:lnTo>
+                  <a:pt x="120000" y="120000"/>
+                </a:lnTo>
+                <a:lnTo>
+                  <a:pt x="0" y="120000"/>
+                </a:lnTo>
+                <a:close/>
+              </a:path>
+            </a:pathLst>
+          </a:custGeom>
+        </p:spPr>
+      </p:sp>
+      <p:sp>
+        <p:nvSpPr>
+          <p:cNvPr id="118" name="Google Shape;118;g33815d49d5d_0_0:notes"/>
+          <p:cNvSpPr txBox="1"/>
+          <p:nvPr>
+            <p:ph idx="1" type="body"/>
+          </p:nvPr>
+        </p:nvSpPr>
+        <p:spPr>
+          <a:xfrm>
+            <a:off x="685800" y="4343400"/>
+            <a:ext cx="5486400" cy="4114800"/>
+          </a:xfrm>
+          <a:prstGeom prst="rect">
+            <a:avLst/>
+          </a:prstGeom>
+        </p:spPr>
+        <p:txBody>
+          <a:bodyPr anchorCtr="0" anchor="t" bIns="91425" lIns="91425" spcFirstLastPara="1" rIns="91425" wrap="square" tIns="91425">
+            <a:noAutofit/>
+          </a:bodyPr>
+          <a:lstStyle/>
+          <a:p>
+            <a:pPr indent="0" lvl="0" marL="0" rtl="0" algn="l">
+              <a:spcBef>
+                <a:spcPts val="0"/>
+              </a:spcBef>
+              <a:spcAft>
+                <a:spcPts val="0"/>
+              </a:spcAft>
+              <a:buNone/>
+            </a:pPr>
+            <a:r>
+              <a:t/>
+            </a:r>
             <a:endParaRPr/>
           </a:p>
         </p:txBody>
@@ -1037,11 +1103,11 @@
 </file>
 
 <file path=ppt/notesSlides/notesSlide2.xml><?xml version="1.0" encoding="utf-8"?>
-<p:notes xmlns:a="http://schemas.openxmlformats.org/drawingml/2006/main" xmlns:r="http://schemas.openxmlformats.org/officeDocument/2006/relationships" xmlns:p="http://schemas.openxmlformats.org/presentationml/2006/main" showMasterSp="0" showMasterPhAnim="0">
+<p:notes xmlns:a="http://schemas.openxmlformats.org/drawingml/2006/main" xmlns:r="http://schemas.openxmlformats.org/officeDocument/2006/relationships" xmlns:mc="http://schemas.openxmlformats.org/markup-compatibility/2006" xmlns:mv="urn:schemas-microsoft-com:mac:vml" xmlns:p="http://schemas.openxmlformats.org/presentationml/2006/main" xmlns:c="http://schemas.openxmlformats.org/drawingml/2006/chart" xmlns:dgm="http://schemas.openxmlformats.org/drawingml/2006/diagram" xmlns:o="urn:schemas-microsoft-com:office:office" xmlns:v="urn:schemas-microsoft-com:vml" xmlns:pvml="urn:schemas-microsoft-com:office:powerpoint" xmlns:com="http://schemas.openxmlformats.org/drawingml/2006/compatibility" xmlns:p14="http://schemas.microsoft.com/office/powerpoint/2010/main" xmlns:p15="http://schemas.microsoft.com/office/powerpoint/2012/main" xmlns:ahyp="http://schemas.microsoft.com/office/drawing/2018/hyperlinkcolor" showMasterPhAnim="0" showMasterSp="0">
   <p:cSld>
     <p:spTree>
       <p:nvGrpSpPr>
-        <p:cNvPr id="1" name="Shape 60"/>
+        <p:cNvPr id="60" name="Shape 60"/>
         <p:cNvGrpSpPr/>
         <p:nvPr/>
       </p:nvGrpSpPr>
@@ -1056,11 +1122,9 @@
       <p:sp>
         <p:nvSpPr>
           <p:cNvPr id="61" name="Google Shape;61;g337af81025d_0_518:notes"/>
-          <p:cNvSpPr>
-            <a:spLocks noGrp="1" noRot="1" noChangeAspect="1"/>
-          </p:cNvSpPr>
+          <p:cNvSpPr/>
           <p:nvPr>
-            <p:ph type="sldImg" idx="2"/>
+            <p:ph idx="2" type="sldImg"/>
           </p:nvPr>
         </p:nvSpPr>
         <p:spPr>
@@ -1069,13 +1133,9 @@
             <a:ext cx="6096000" cy="3429000"/>
           </a:xfrm>
           <a:custGeom>
-            <a:avLst/>
-            <a:gdLst/>
-            <a:ahLst/>
-            <a:cxnLst/>
-            <a:rect l="l" t="t" r="r" b="b"/>
+            <a:rect b="b" l="l" r="r" t="t"/>
             <a:pathLst>
-              <a:path w="120000" h="120000" extrusionOk="0">
+              <a:path extrusionOk="0" h="120000" w="120000">
                 <a:moveTo>
                   <a:pt x="0" y="0"/>
                 </a:moveTo>
@@ -1097,11 +1157,9 @@
       <p:sp>
         <p:nvSpPr>
           <p:cNvPr id="62" name="Google Shape;62;g337af81025d_0_518:notes"/>
-          <p:cNvSpPr txBox="1">
-            <a:spLocks noGrp="1"/>
-          </p:cNvSpPr>
+          <p:cNvSpPr txBox="1"/>
           <p:nvPr>
-            <p:ph type="body" idx="1"/>
+            <p:ph idx="1" type="body"/>
           </p:nvPr>
         </p:nvSpPr>
         <p:spPr>
@@ -1114,12 +1172,12 @@
           </a:prstGeom>
         </p:spPr>
         <p:txBody>
-          <a:bodyPr spcFirstLastPara="1" wrap="square" lIns="91425" tIns="91425" rIns="91425" bIns="91425" anchor="t" anchorCtr="0">
+          <a:bodyPr anchorCtr="0" anchor="t" bIns="91425" lIns="91425" spcFirstLastPara="1" rIns="91425" wrap="square" tIns="91425">
             <a:noAutofit/>
           </a:bodyPr>
           <a:lstStyle/>
           <a:p>
-            <a:pPr marL="0" lvl="0" indent="0" algn="l" rtl="0">
+            <a:pPr indent="0" lvl="0" marL="0" rtl="0" algn="l">
               <a:spcBef>
                 <a:spcPts val="0"/>
               </a:spcBef>
@@ -1128,6 +1186,9 @@
               </a:spcAft>
               <a:buNone/>
             </a:pPr>
+            <a:r>
+              <a:t/>
+            </a:r>
             <a:endParaRPr/>
           </a:p>
         </p:txBody>
@@ -1141,11 +1202,11 @@
 </file>
 
 <file path=ppt/notesSlides/notesSlide3.xml><?xml version="1.0" encoding="utf-8"?>
-<p:notes xmlns:a="http://schemas.openxmlformats.org/drawingml/2006/main" xmlns:r="http://schemas.openxmlformats.org/officeDocument/2006/relationships" xmlns:p="http://schemas.openxmlformats.org/presentationml/2006/main" showMasterSp="0" showMasterPhAnim="0">
+<p:notes xmlns:a="http://schemas.openxmlformats.org/drawingml/2006/main" xmlns:r="http://schemas.openxmlformats.org/officeDocument/2006/relationships" xmlns:mc="http://schemas.openxmlformats.org/markup-compatibility/2006" xmlns:mv="urn:schemas-microsoft-com:mac:vml" xmlns:p="http://schemas.openxmlformats.org/presentationml/2006/main" xmlns:c="http://schemas.openxmlformats.org/drawingml/2006/chart" xmlns:dgm="http://schemas.openxmlformats.org/drawingml/2006/diagram" xmlns:o="urn:schemas-microsoft-com:office:office" xmlns:v="urn:schemas-microsoft-com:vml" xmlns:pvml="urn:schemas-microsoft-com:office:powerpoint" xmlns:com="http://schemas.openxmlformats.org/drawingml/2006/compatibility" xmlns:p14="http://schemas.microsoft.com/office/powerpoint/2010/main" xmlns:p15="http://schemas.microsoft.com/office/powerpoint/2012/main" xmlns:ahyp="http://schemas.microsoft.com/office/drawing/2018/hyperlinkcolor" showMasterPhAnim="0" showMasterSp="0">
   <p:cSld>
     <p:spTree>
       <p:nvGrpSpPr>
-        <p:cNvPr id="1" name="Shape 65"/>
+        <p:cNvPr id="65" name="Shape 65"/>
         <p:cNvGrpSpPr/>
         <p:nvPr/>
       </p:nvGrpSpPr>
@@ -1160,26 +1221,20 @@
       <p:sp>
         <p:nvSpPr>
           <p:cNvPr id="66" name="Google Shape;66;g337af81025d_0_0:notes"/>
-          <p:cNvSpPr>
-            <a:spLocks noGrp="1" noRot="1" noChangeAspect="1"/>
-          </p:cNvSpPr>
+          <p:cNvSpPr/>
           <p:nvPr>
-            <p:ph type="sldImg" idx="2"/>
+            <p:ph idx="2" type="sldImg"/>
           </p:nvPr>
         </p:nvSpPr>
         <p:spPr>
           <a:xfrm>
-            <a:off x="381000" y="685800"/>
+            <a:off x="381300" y="685800"/>
             <a:ext cx="6096000" cy="3429000"/>
           </a:xfrm>
           <a:custGeom>
-            <a:avLst/>
-            <a:gdLst/>
-            <a:ahLst/>
-            <a:cxnLst/>
-            <a:rect l="l" t="t" r="r" b="b"/>
+            <a:rect b="b" l="l" r="r" t="t"/>
             <a:pathLst>
-              <a:path w="120000" h="120000" extrusionOk="0">
+              <a:path extrusionOk="0" h="120000" w="120000">
                 <a:moveTo>
                   <a:pt x="0" y="0"/>
                 </a:moveTo>
@@ -1201,11 +1256,9 @@
       <p:sp>
         <p:nvSpPr>
           <p:cNvPr id="67" name="Google Shape;67;g337af81025d_0_0:notes"/>
-          <p:cNvSpPr txBox="1">
-            <a:spLocks noGrp="1"/>
-          </p:cNvSpPr>
+          <p:cNvSpPr txBox="1"/>
           <p:nvPr>
-            <p:ph type="body" idx="1"/>
+            <p:ph idx="1" type="body"/>
           </p:nvPr>
         </p:nvSpPr>
         <p:spPr>
@@ -1218,12 +1271,12 @@
           </a:prstGeom>
         </p:spPr>
         <p:txBody>
-          <a:bodyPr spcFirstLastPara="1" wrap="square" lIns="91425" tIns="91425" rIns="91425" bIns="91425" anchor="t" anchorCtr="0">
+          <a:bodyPr anchorCtr="0" anchor="t" bIns="91425" lIns="91425" spcFirstLastPara="1" rIns="91425" wrap="square" tIns="91425">
             <a:noAutofit/>
           </a:bodyPr>
           <a:lstStyle/>
           <a:p>
-            <a:pPr marL="0" lvl="0" indent="0" algn="l" rtl="0">
+            <a:pPr indent="0" lvl="0" marL="0" rtl="0" algn="l">
               <a:spcBef>
                 <a:spcPts val="0"/>
               </a:spcBef>
@@ -1232,6 +1285,9 @@
               </a:spcAft>
               <a:buNone/>
             </a:pPr>
+            <a:r>
+              <a:t/>
+            </a:r>
             <a:endParaRPr/>
           </a:p>
         </p:txBody>
@@ -1245,11 +1301,11 @@
 </file>
 
 <file path=ppt/notesSlides/notesSlide4.xml><?xml version="1.0" encoding="utf-8"?>
-<p:notes xmlns:a="http://schemas.openxmlformats.org/drawingml/2006/main" xmlns:r="http://schemas.openxmlformats.org/officeDocument/2006/relationships" xmlns:p="http://schemas.openxmlformats.org/presentationml/2006/main" showMasterSp="0" showMasterPhAnim="0">
+<p:notes xmlns:a="http://schemas.openxmlformats.org/drawingml/2006/main" xmlns:r="http://schemas.openxmlformats.org/officeDocument/2006/relationships" xmlns:mc="http://schemas.openxmlformats.org/markup-compatibility/2006" xmlns:mv="urn:schemas-microsoft-com:mac:vml" xmlns:p="http://schemas.openxmlformats.org/presentationml/2006/main" xmlns:c="http://schemas.openxmlformats.org/drawingml/2006/chart" xmlns:dgm="http://schemas.openxmlformats.org/drawingml/2006/diagram" xmlns:o="urn:schemas-microsoft-com:office:office" xmlns:v="urn:schemas-microsoft-com:vml" xmlns:pvml="urn:schemas-microsoft-com:office:powerpoint" xmlns:com="http://schemas.openxmlformats.org/drawingml/2006/compatibility" xmlns:p14="http://schemas.microsoft.com/office/powerpoint/2010/main" xmlns:p15="http://schemas.microsoft.com/office/powerpoint/2012/main" xmlns:ahyp="http://schemas.microsoft.com/office/drawing/2018/hyperlinkcolor" showMasterPhAnim="0" showMasterSp="0">
   <p:cSld>
     <p:spTree>
       <p:nvGrpSpPr>
-        <p:cNvPr id="1" name="Shape 70"/>
+        <p:cNvPr id="70" name="Shape 70"/>
         <p:cNvGrpSpPr/>
         <p:nvPr/>
       </p:nvGrpSpPr>
@@ -1264,26 +1320,20 @@
       <p:sp>
         <p:nvSpPr>
           <p:cNvPr id="71" name="Google Shape;71;g337af81025d_0_64:notes"/>
-          <p:cNvSpPr>
-            <a:spLocks noGrp="1" noRot="1" noChangeAspect="1"/>
-          </p:cNvSpPr>
+          <p:cNvSpPr/>
           <p:nvPr>
-            <p:ph type="sldImg" idx="2"/>
+            <p:ph idx="2" type="sldImg"/>
           </p:nvPr>
         </p:nvSpPr>
         <p:spPr>
           <a:xfrm>
-            <a:off x="381000" y="685800"/>
+            <a:off x="381300" y="685800"/>
             <a:ext cx="6096000" cy="3429000"/>
           </a:xfrm>
           <a:custGeom>
-            <a:avLst/>
-            <a:gdLst/>
-            <a:ahLst/>
-            <a:cxnLst/>
-            <a:rect l="l" t="t" r="r" b="b"/>
+            <a:rect b="b" l="l" r="r" t="t"/>
             <a:pathLst>
-              <a:path w="120000" h="120000" extrusionOk="0">
+              <a:path extrusionOk="0" h="120000" w="120000">
                 <a:moveTo>
                   <a:pt x="0" y="0"/>
                 </a:moveTo>
@@ -1305,11 +1355,9 @@
       <p:sp>
         <p:nvSpPr>
           <p:cNvPr id="72" name="Google Shape;72;g337af81025d_0_64:notes"/>
-          <p:cNvSpPr txBox="1">
-            <a:spLocks noGrp="1"/>
-          </p:cNvSpPr>
+          <p:cNvSpPr txBox="1"/>
           <p:nvPr>
-            <p:ph type="body" idx="1"/>
+            <p:ph idx="1" type="body"/>
           </p:nvPr>
         </p:nvSpPr>
         <p:spPr>
@@ -1322,12 +1370,12 @@
           </a:prstGeom>
         </p:spPr>
         <p:txBody>
-          <a:bodyPr spcFirstLastPara="1" wrap="square" lIns="91425" tIns="91425" rIns="91425" bIns="91425" anchor="t" anchorCtr="0">
+          <a:bodyPr anchorCtr="0" anchor="t" bIns="91425" lIns="91425" spcFirstLastPara="1" rIns="91425" wrap="square" tIns="91425">
             <a:noAutofit/>
           </a:bodyPr>
           <a:lstStyle/>
           <a:p>
-            <a:pPr marL="0" lvl="0" indent="0" algn="l" rtl="0">
+            <a:pPr indent="0" lvl="0" marL="0" rtl="0" algn="l">
               <a:spcBef>
                 <a:spcPts val="0"/>
               </a:spcBef>
@@ -1336,6 +1384,9 @@
               </a:spcAft>
               <a:buNone/>
             </a:pPr>
+            <a:r>
+              <a:t/>
+            </a:r>
             <a:endParaRPr/>
           </a:p>
         </p:txBody>
@@ -1349,11 +1400,11 @@
 </file>
 
 <file path=ppt/notesSlides/notesSlide5.xml><?xml version="1.0" encoding="utf-8"?>
-<p:notes xmlns:a="http://schemas.openxmlformats.org/drawingml/2006/main" xmlns:r="http://schemas.openxmlformats.org/officeDocument/2006/relationships" xmlns:p="http://schemas.openxmlformats.org/presentationml/2006/main" showMasterSp="0" showMasterPhAnim="0">
+<p:notes xmlns:a="http://schemas.openxmlformats.org/drawingml/2006/main" xmlns:r="http://schemas.openxmlformats.org/officeDocument/2006/relationships" xmlns:mc="http://schemas.openxmlformats.org/markup-compatibility/2006" xmlns:mv="urn:schemas-microsoft-com:mac:vml" xmlns:p="http://schemas.openxmlformats.org/presentationml/2006/main" xmlns:c="http://schemas.openxmlformats.org/drawingml/2006/chart" xmlns:dgm="http://schemas.openxmlformats.org/drawingml/2006/diagram" xmlns:o="urn:schemas-microsoft-com:office:office" xmlns:v="urn:schemas-microsoft-com:vml" xmlns:pvml="urn:schemas-microsoft-com:office:powerpoint" xmlns:com="http://schemas.openxmlformats.org/drawingml/2006/compatibility" xmlns:p14="http://schemas.microsoft.com/office/powerpoint/2010/main" xmlns:p15="http://schemas.microsoft.com/office/powerpoint/2012/main" xmlns:ahyp="http://schemas.microsoft.com/office/drawing/2018/hyperlinkcolor" showMasterPhAnim="0" showMasterSp="0">
   <p:cSld>
     <p:spTree>
       <p:nvGrpSpPr>
-        <p:cNvPr id="1" name="Shape 75"/>
+        <p:cNvPr id="75" name="Shape 75"/>
         <p:cNvGrpSpPr/>
         <p:nvPr/>
       </p:nvGrpSpPr>
@@ -1368,11 +1419,9 @@
       <p:sp>
         <p:nvSpPr>
           <p:cNvPr id="76" name="Google Shape;76;g337af81025d_0_74:notes"/>
-          <p:cNvSpPr>
-            <a:spLocks noGrp="1" noRot="1" noChangeAspect="1"/>
-          </p:cNvSpPr>
+          <p:cNvSpPr/>
           <p:nvPr>
-            <p:ph type="sldImg" idx="2"/>
+            <p:ph idx="2" type="sldImg"/>
           </p:nvPr>
         </p:nvSpPr>
         <p:spPr>
@@ -1381,13 +1430,9 @@
             <a:ext cx="6096000" cy="3429000"/>
           </a:xfrm>
           <a:custGeom>
-            <a:avLst/>
-            <a:gdLst/>
-            <a:ahLst/>
-            <a:cxnLst/>
-            <a:rect l="l" t="t" r="r" b="b"/>
+            <a:rect b="b" l="l" r="r" t="t"/>
             <a:pathLst>
-              <a:path w="120000" h="120000" extrusionOk="0">
+              <a:path extrusionOk="0" h="120000" w="120000">
                 <a:moveTo>
                   <a:pt x="0" y="0"/>
                 </a:moveTo>
@@ -1409,11 +1454,9 @@
       <p:sp>
         <p:nvSpPr>
           <p:cNvPr id="77" name="Google Shape;77;g337af81025d_0_74:notes"/>
-          <p:cNvSpPr txBox="1">
-            <a:spLocks noGrp="1"/>
-          </p:cNvSpPr>
+          <p:cNvSpPr txBox="1"/>
           <p:nvPr>
-            <p:ph type="body" idx="1"/>
+            <p:ph idx="1" type="body"/>
           </p:nvPr>
         </p:nvSpPr>
         <p:spPr>
@@ -1426,12 +1469,12 @@
           </a:prstGeom>
         </p:spPr>
         <p:txBody>
-          <a:bodyPr spcFirstLastPara="1" wrap="square" lIns="91425" tIns="91425" rIns="91425" bIns="91425" anchor="t" anchorCtr="0">
+          <a:bodyPr anchorCtr="0" anchor="t" bIns="91425" lIns="91425" spcFirstLastPara="1" rIns="91425" wrap="square" tIns="91425">
             <a:noAutofit/>
           </a:bodyPr>
           <a:lstStyle/>
           <a:p>
-            <a:pPr marL="0" lvl="0" indent="0" algn="l" rtl="0">
+            <a:pPr indent="0" lvl="0" marL="0" rtl="0" algn="l">
               <a:spcBef>
                 <a:spcPts val="0"/>
               </a:spcBef>
@@ -1440,6 +1483,9 @@
               </a:spcAft>
               <a:buNone/>
             </a:pPr>
+            <a:r>
+              <a:t/>
+            </a:r>
             <a:endParaRPr/>
           </a:p>
         </p:txBody>
@@ -1453,11 +1499,11 @@
 </file>
 
 <file path=ppt/notesSlides/notesSlide6.xml><?xml version="1.0" encoding="utf-8"?>
-<p:notes xmlns:a="http://schemas.openxmlformats.org/drawingml/2006/main" xmlns:r="http://schemas.openxmlformats.org/officeDocument/2006/relationships" xmlns:p="http://schemas.openxmlformats.org/presentationml/2006/main" showMasterSp="0" showMasterPhAnim="0">
+<p:notes xmlns:a="http://schemas.openxmlformats.org/drawingml/2006/main" xmlns:r="http://schemas.openxmlformats.org/officeDocument/2006/relationships" xmlns:mc="http://schemas.openxmlformats.org/markup-compatibility/2006" xmlns:mv="urn:schemas-microsoft-com:mac:vml" xmlns:p="http://schemas.openxmlformats.org/presentationml/2006/main" xmlns:c="http://schemas.openxmlformats.org/drawingml/2006/chart" xmlns:dgm="http://schemas.openxmlformats.org/drawingml/2006/diagram" xmlns:o="urn:schemas-microsoft-com:office:office" xmlns:v="urn:schemas-microsoft-com:vml" xmlns:pvml="urn:schemas-microsoft-com:office:powerpoint" xmlns:com="http://schemas.openxmlformats.org/drawingml/2006/compatibility" xmlns:p14="http://schemas.microsoft.com/office/powerpoint/2010/main" xmlns:p15="http://schemas.microsoft.com/office/powerpoint/2012/main" xmlns:ahyp="http://schemas.microsoft.com/office/drawing/2018/hyperlinkcolor" showMasterPhAnim="0" showMasterSp="0">
   <p:cSld>
     <p:spTree>
       <p:nvGrpSpPr>
-        <p:cNvPr id="1" name="Shape 80"/>
+        <p:cNvPr id="80" name="Shape 80"/>
         <p:cNvGrpSpPr/>
         <p:nvPr/>
       </p:nvGrpSpPr>
@@ -1472,11 +1518,9 @@
       <p:sp>
         <p:nvSpPr>
           <p:cNvPr id="81" name="Google Shape;81;g337af81025d_0_497:notes"/>
-          <p:cNvSpPr>
-            <a:spLocks noGrp="1" noRot="1" noChangeAspect="1"/>
-          </p:cNvSpPr>
+          <p:cNvSpPr/>
           <p:nvPr>
-            <p:ph type="sldImg" idx="2"/>
+            <p:ph idx="2" type="sldImg"/>
           </p:nvPr>
         </p:nvSpPr>
         <p:spPr>
@@ -1485,13 +1529,9 @@
             <a:ext cx="6096000" cy="3429000"/>
           </a:xfrm>
           <a:custGeom>
-            <a:avLst/>
-            <a:gdLst/>
-            <a:ahLst/>
-            <a:cxnLst/>
-            <a:rect l="l" t="t" r="r" b="b"/>
+            <a:rect b="b" l="l" r="r" t="t"/>
             <a:pathLst>
-              <a:path w="120000" h="120000" extrusionOk="0">
+              <a:path extrusionOk="0" h="120000" w="120000">
                 <a:moveTo>
                   <a:pt x="0" y="0"/>
                 </a:moveTo>
@@ -1513,11 +1553,9 @@
       <p:sp>
         <p:nvSpPr>
           <p:cNvPr id="82" name="Google Shape;82;g337af81025d_0_497:notes"/>
-          <p:cNvSpPr txBox="1">
-            <a:spLocks noGrp="1"/>
-          </p:cNvSpPr>
+          <p:cNvSpPr txBox="1"/>
           <p:nvPr>
-            <p:ph type="body" idx="1"/>
+            <p:ph idx="1" type="body"/>
           </p:nvPr>
         </p:nvSpPr>
         <p:spPr>
@@ -1530,12 +1568,12 @@
           </a:prstGeom>
         </p:spPr>
         <p:txBody>
-          <a:bodyPr spcFirstLastPara="1" wrap="square" lIns="91425" tIns="91425" rIns="91425" bIns="91425" anchor="t" anchorCtr="0">
+          <a:bodyPr anchorCtr="0" anchor="t" bIns="91425" lIns="91425" spcFirstLastPara="1" rIns="91425" wrap="square" tIns="91425">
             <a:noAutofit/>
           </a:bodyPr>
           <a:lstStyle/>
           <a:p>
-            <a:pPr marL="0" lvl="0" indent="0" algn="l" rtl="0">
+            <a:pPr indent="0" lvl="0" marL="0" rtl="0" algn="l">
               <a:spcBef>
                 <a:spcPts val="0"/>
               </a:spcBef>
@@ -1544,6 +1582,9 @@
               </a:spcAft>
               <a:buNone/>
             </a:pPr>
+            <a:r>
+              <a:t/>
+            </a:r>
             <a:endParaRPr/>
           </a:p>
         </p:txBody>
@@ -1557,11 +1598,11 @@
 </file>
 
 <file path=ppt/notesSlides/notesSlide7.xml><?xml version="1.0" encoding="utf-8"?>
-<p:notes xmlns:a="http://schemas.openxmlformats.org/drawingml/2006/main" xmlns:r="http://schemas.openxmlformats.org/officeDocument/2006/relationships" xmlns:p="http://schemas.openxmlformats.org/presentationml/2006/main" showMasterSp="0" showMasterPhAnim="0">
+<p:notes xmlns:a="http://schemas.openxmlformats.org/drawingml/2006/main" xmlns:r="http://schemas.openxmlformats.org/officeDocument/2006/relationships" xmlns:mc="http://schemas.openxmlformats.org/markup-compatibility/2006" xmlns:mv="urn:schemas-microsoft-com:mac:vml" xmlns:p="http://schemas.openxmlformats.org/presentationml/2006/main" xmlns:c="http://schemas.openxmlformats.org/drawingml/2006/chart" xmlns:dgm="http://schemas.openxmlformats.org/drawingml/2006/diagram" xmlns:o="urn:schemas-microsoft-com:office:office" xmlns:v="urn:schemas-microsoft-com:vml" xmlns:pvml="urn:schemas-microsoft-com:office:powerpoint" xmlns:com="http://schemas.openxmlformats.org/drawingml/2006/compatibility" xmlns:p14="http://schemas.microsoft.com/office/powerpoint/2010/main" xmlns:p15="http://schemas.microsoft.com/office/powerpoint/2012/main" xmlns:ahyp="http://schemas.microsoft.com/office/drawing/2018/hyperlinkcolor" showMasterPhAnim="0" showMasterSp="0">
   <p:cSld>
     <p:spTree>
       <p:nvGrpSpPr>
-        <p:cNvPr id="1" name="Shape 86"/>
+        <p:cNvPr id="86" name="Shape 86"/>
         <p:cNvGrpSpPr/>
         <p:nvPr/>
       </p:nvGrpSpPr>
@@ -1576,11 +1617,9 @@
       <p:sp>
         <p:nvSpPr>
           <p:cNvPr id="87" name="Google Shape;87;g337af81025d_0_485:notes"/>
-          <p:cNvSpPr>
-            <a:spLocks noGrp="1" noRot="1" noChangeAspect="1"/>
-          </p:cNvSpPr>
+          <p:cNvSpPr/>
           <p:nvPr>
-            <p:ph type="sldImg" idx="2"/>
+            <p:ph idx="2" type="sldImg"/>
           </p:nvPr>
         </p:nvSpPr>
         <p:spPr>
@@ -1589,13 +1628,9 @@
             <a:ext cx="6096000" cy="3429000"/>
           </a:xfrm>
           <a:custGeom>
-            <a:avLst/>
-            <a:gdLst/>
-            <a:ahLst/>
-            <a:cxnLst/>
-            <a:rect l="l" t="t" r="r" b="b"/>
+            <a:rect b="b" l="l" r="r" t="t"/>
             <a:pathLst>
-              <a:path w="120000" h="120000" extrusionOk="0">
+              <a:path extrusionOk="0" h="120000" w="120000">
                 <a:moveTo>
                   <a:pt x="0" y="0"/>
                 </a:moveTo>
@@ -1617,11 +1652,9 @@
       <p:sp>
         <p:nvSpPr>
           <p:cNvPr id="88" name="Google Shape;88;g337af81025d_0_485:notes"/>
-          <p:cNvSpPr txBox="1">
-            <a:spLocks noGrp="1"/>
-          </p:cNvSpPr>
+          <p:cNvSpPr txBox="1"/>
           <p:nvPr>
-            <p:ph type="body" idx="1"/>
+            <p:ph idx="1" type="body"/>
           </p:nvPr>
         </p:nvSpPr>
         <p:spPr>
@@ -1634,12 +1667,12 @@
           </a:prstGeom>
         </p:spPr>
         <p:txBody>
-          <a:bodyPr spcFirstLastPara="1" wrap="square" lIns="91425" tIns="91425" rIns="91425" bIns="91425" anchor="t" anchorCtr="0">
+          <a:bodyPr anchorCtr="0" anchor="t" bIns="91425" lIns="91425" spcFirstLastPara="1" rIns="91425" wrap="square" tIns="91425">
             <a:noAutofit/>
           </a:bodyPr>
           <a:lstStyle/>
           <a:p>
-            <a:pPr marL="0" lvl="0" indent="0" algn="l" rtl="0">
+            <a:pPr indent="0" lvl="0" marL="0" rtl="0" algn="l">
               <a:spcBef>
                 <a:spcPts val="0"/>
               </a:spcBef>
@@ -1648,6 +1681,9 @@
               </a:spcAft>
               <a:buNone/>
             </a:pPr>
+            <a:r>
+              <a:t/>
+            </a:r>
             <a:endParaRPr/>
           </a:p>
         </p:txBody>
@@ -1661,11 +1697,11 @@
 </file>
 
 <file path=ppt/notesSlides/notesSlide8.xml><?xml version="1.0" encoding="utf-8"?>
-<p:notes xmlns:a="http://schemas.openxmlformats.org/drawingml/2006/main" xmlns:r="http://schemas.openxmlformats.org/officeDocument/2006/relationships" xmlns:p="http://schemas.openxmlformats.org/presentationml/2006/main" showMasterSp="0" showMasterPhAnim="0">
+<p:notes xmlns:a="http://schemas.openxmlformats.org/drawingml/2006/main" xmlns:r="http://schemas.openxmlformats.org/officeDocument/2006/relationships" xmlns:mc="http://schemas.openxmlformats.org/markup-compatibility/2006" xmlns:mv="urn:schemas-microsoft-com:mac:vml" xmlns:p="http://schemas.openxmlformats.org/presentationml/2006/main" xmlns:c="http://schemas.openxmlformats.org/drawingml/2006/chart" xmlns:dgm="http://schemas.openxmlformats.org/drawingml/2006/diagram" xmlns:o="urn:schemas-microsoft-com:office:office" xmlns:v="urn:schemas-microsoft-com:vml" xmlns:pvml="urn:schemas-microsoft-com:office:powerpoint" xmlns:com="http://schemas.openxmlformats.org/drawingml/2006/compatibility" xmlns:p14="http://schemas.microsoft.com/office/powerpoint/2010/main" xmlns:p15="http://schemas.microsoft.com/office/powerpoint/2012/main" xmlns:ahyp="http://schemas.microsoft.com/office/drawing/2018/hyperlinkcolor" showMasterPhAnim="0" showMasterSp="0">
   <p:cSld>
     <p:spTree>
       <p:nvGrpSpPr>
-        <p:cNvPr id="1" name="Shape 92"/>
+        <p:cNvPr id="92" name="Shape 92"/>
         <p:cNvGrpSpPr/>
         <p:nvPr/>
       </p:nvGrpSpPr>
@@ -1680,11 +1716,9 @@
       <p:sp>
         <p:nvSpPr>
           <p:cNvPr id="93" name="Google Shape;93;g337af81025d_0_493:notes"/>
-          <p:cNvSpPr>
-            <a:spLocks noGrp="1" noRot="1" noChangeAspect="1"/>
-          </p:cNvSpPr>
+          <p:cNvSpPr/>
           <p:nvPr>
-            <p:ph type="sldImg" idx="2"/>
+            <p:ph idx="2" type="sldImg"/>
           </p:nvPr>
         </p:nvSpPr>
         <p:spPr>
@@ -1693,13 +1727,9 @@
             <a:ext cx="6096000" cy="3429000"/>
           </a:xfrm>
           <a:custGeom>
-            <a:avLst/>
-            <a:gdLst/>
-            <a:ahLst/>
-            <a:cxnLst/>
-            <a:rect l="l" t="t" r="r" b="b"/>
+            <a:rect b="b" l="l" r="r" t="t"/>
             <a:pathLst>
-              <a:path w="120000" h="120000" extrusionOk="0">
+              <a:path extrusionOk="0" h="120000" w="120000">
                 <a:moveTo>
                   <a:pt x="0" y="0"/>
                 </a:moveTo>
@@ -1721,11 +1751,9 @@
       <p:sp>
         <p:nvSpPr>
           <p:cNvPr id="94" name="Google Shape;94;g337af81025d_0_493:notes"/>
-          <p:cNvSpPr txBox="1">
-            <a:spLocks noGrp="1"/>
-          </p:cNvSpPr>
+          <p:cNvSpPr txBox="1"/>
           <p:nvPr>
-            <p:ph type="body" idx="1"/>
+            <p:ph idx="1" type="body"/>
           </p:nvPr>
         </p:nvSpPr>
         <p:spPr>
@@ -1738,12 +1766,12 @@
           </a:prstGeom>
         </p:spPr>
         <p:txBody>
-          <a:bodyPr spcFirstLastPara="1" wrap="square" lIns="91425" tIns="91425" rIns="91425" bIns="91425" anchor="t" anchorCtr="0">
+          <a:bodyPr anchorCtr="0" anchor="t" bIns="91425" lIns="91425" spcFirstLastPara="1" rIns="91425" wrap="square" tIns="91425">
             <a:noAutofit/>
           </a:bodyPr>
           <a:lstStyle/>
           <a:p>
-            <a:pPr marL="0" lvl="0" indent="0" algn="l" rtl="0">
+            <a:pPr indent="0" lvl="0" marL="0" rtl="0" algn="l">
               <a:spcBef>
                 <a:spcPts val="0"/>
               </a:spcBef>
@@ -1752,6 +1780,9 @@
               </a:spcAft>
               <a:buNone/>
             </a:pPr>
+            <a:r>
+              <a:t/>
+            </a:r>
             <a:endParaRPr/>
           </a:p>
         </p:txBody>
@@ -1765,11 +1796,11 @@
 </file>
 
 <file path=ppt/notesSlides/notesSlide9.xml><?xml version="1.0" encoding="utf-8"?>
-<p:notes xmlns:a="http://schemas.openxmlformats.org/drawingml/2006/main" xmlns:r="http://schemas.openxmlformats.org/officeDocument/2006/relationships" xmlns:p="http://schemas.openxmlformats.org/presentationml/2006/main" showMasterSp="0" showMasterPhAnim="0">
+<p:notes xmlns:a="http://schemas.openxmlformats.org/drawingml/2006/main" xmlns:r="http://schemas.openxmlformats.org/officeDocument/2006/relationships" xmlns:mc="http://schemas.openxmlformats.org/markup-compatibility/2006" xmlns:mv="urn:schemas-microsoft-com:mac:vml" xmlns:p="http://schemas.openxmlformats.org/presentationml/2006/main" xmlns:c="http://schemas.openxmlformats.org/drawingml/2006/chart" xmlns:dgm="http://schemas.openxmlformats.org/drawingml/2006/diagram" xmlns:o="urn:schemas-microsoft-com:office:office" xmlns:v="urn:schemas-microsoft-com:vml" xmlns:pvml="urn:schemas-microsoft-com:office:powerpoint" xmlns:com="http://schemas.openxmlformats.org/drawingml/2006/compatibility" xmlns:p14="http://schemas.microsoft.com/office/powerpoint/2010/main" xmlns:p15="http://schemas.microsoft.com/office/powerpoint/2012/main" xmlns:ahyp="http://schemas.microsoft.com/office/drawing/2018/hyperlinkcolor" showMasterPhAnim="0" showMasterSp="0">
   <p:cSld>
     <p:spTree>
       <p:nvGrpSpPr>
-        <p:cNvPr id="1" name="Shape 98"/>
+        <p:cNvPr id="98" name="Shape 98"/>
         <p:cNvGrpSpPr/>
         <p:nvPr/>
       </p:nvGrpSpPr>
@@ -1784,11 +1815,9 @@
       <p:sp>
         <p:nvSpPr>
           <p:cNvPr id="99" name="Google Shape;99;g337af81025d_0_489:notes"/>
-          <p:cNvSpPr>
-            <a:spLocks noGrp="1" noRot="1" noChangeAspect="1"/>
-          </p:cNvSpPr>
+          <p:cNvSpPr/>
           <p:nvPr>
-            <p:ph type="sldImg" idx="2"/>
+            <p:ph idx="2" type="sldImg"/>
           </p:nvPr>
         </p:nvSpPr>
         <p:spPr>
@@ -1797,13 +1826,9 @@
             <a:ext cx="6096000" cy="3429000"/>
           </a:xfrm>
           <a:custGeom>
-            <a:avLst/>
-            <a:gdLst/>
-            <a:ahLst/>
-            <a:cxnLst/>
-            <a:rect l="l" t="t" r="r" b="b"/>
+            <a:rect b="b" l="l" r="r" t="t"/>
             <a:pathLst>
-              <a:path w="120000" h="120000" extrusionOk="0">
+              <a:path extrusionOk="0" h="120000" w="120000">
                 <a:moveTo>
                   <a:pt x="0" y="0"/>
                 </a:moveTo>
@@ -1825,11 +1850,9 @@
       <p:sp>
         <p:nvSpPr>
           <p:cNvPr id="100" name="Google Shape;100;g337af81025d_0_489:notes"/>
-          <p:cNvSpPr txBox="1">
-            <a:spLocks noGrp="1"/>
-          </p:cNvSpPr>
+          <p:cNvSpPr txBox="1"/>
           <p:nvPr>
-            <p:ph type="body" idx="1"/>
+            <p:ph idx="1" type="body"/>
           </p:nvPr>
         </p:nvSpPr>
         <p:spPr>
@@ -1842,12 +1865,12 @@
           </a:prstGeom>
         </p:spPr>
         <p:txBody>
-          <a:bodyPr spcFirstLastPara="1" wrap="square" lIns="91425" tIns="91425" rIns="91425" bIns="91425" anchor="t" anchorCtr="0">
+          <a:bodyPr anchorCtr="0" anchor="t" bIns="91425" lIns="91425" spcFirstLastPara="1" rIns="91425" wrap="square" tIns="91425">
             <a:noAutofit/>
           </a:bodyPr>
           <a:lstStyle/>
           <a:p>
-            <a:pPr marL="0" lvl="0" indent="0" algn="l" rtl="0">
+            <a:pPr indent="0" lvl="0" marL="0" rtl="0" algn="l">
               <a:spcBef>
                 <a:spcPts val="0"/>
               </a:spcBef>
@@ -1856,6 +1879,9 @@
               </a:spcAft>
               <a:buNone/>
             </a:pPr>
+            <a:r>
+              <a:t/>
+            </a:r>
             <a:endParaRPr/>
           </a:p>
         </p:txBody>
@@ -1869,11 +1895,11 @@
 </file>
 
 <file path=ppt/slideLayouts/slideLayout1.xml><?xml version="1.0" encoding="utf-8"?>
-<p:sldLayout xmlns:a="http://schemas.openxmlformats.org/drawingml/2006/main" xmlns:r="http://schemas.openxmlformats.org/officeDocument/2006/relationships" xmlns:p="http://schemas.openxmlformats.org/presentationml/2006/main" matchingName="Title slide" type="title">
+<p:sldLayout xmlns:a="http://schemas.openxmlformats.org/drawingml/2006/main" xmlns:r="http://schemas.openxmlformats.org/officeDocument/2006/relationships" xmlns:mc="http://schemas.openxmlformats.org/markup-compatibility/2006" xmlns:mv="urn:schemas-microsoft-com:mac:vml" xmlns:p="http://schemas.openxmlformats.org/presentationml/2006/main" xmlns:c="http://schemas.openxmlformats.org/drawingml/2006/chart" xmlns:dgm="http://schemas.openxmlformats.org/drawingml/2006/diagram" xmlns:o="urn:schemas-microsoft-com:office:office" xmlns:v="urn:schemas-microsoft-com:vml" xmlns:pvml="urn:schemas-microsoft-com:office:powerpoint" xmlns:com="http://schemas.openxmlformats.org/drawingml/2006/compatibility" xmlns:p14="http://schemas.microsoft.com/office/powerpoint/2010/main" xmlns:p15="http://schemas.microsoft.com/office/powerpoint/2012/main" xmlns:ahyp="http://schemas.microsoft.com/office/drawing/2018/hyperlinkcolor" matchingName="Title slide" type="title">
   <p:cSld name="TITLE">
     <p:spTree>
       <p:nvGrpSpPr>
-        <p:cNvPr id="1" name="Shape 9"/>
+        <p:cNvPr id="9" name="Shape 9"/>
         <p:cNvGrpSpPr/>
         <p:nvPr/>
       </p:nvGrpSpPr>
@@ -1907,12 +1933,12 @@
           </a:ln>
         </p:spPr>
         <p:txBody>
-          <a:bodyPr spcFirstLastPara="1" wrap="square" lIns="91425" tIns="91425" rIns="91425" bIns="91425" anchor="ctr" anchorCtr="0">
+          <a:bodyPr anchorCtr="0" anchor="ctr" bIns="91425" lIns="91425" spcFirstLastPara="1" rIns="91425" wrap="square" tIns="91425">
             <a:noAutofit/>
           </a:bodyPr>
           <a:lstStyle/>
           <a:p>
-            <a:pPr marL="0" lvl="0" indent="0" algn="l" rtl="0">
+            <a:pPr indent="0" lvl="0" marL="0" rtl="0" algn="l">
               <a:spcBef>
                 <a:spcPts val="0"/>
               </a:spcBef>
@@ -1921,6 +1947,9 @@
               </a:spcAft>
               <a:buNone/>
             </a:pPr>
+            <a:r>
+              <a:t/>
+            </a:r>
             <a:endParaRPr/>
           </a:p>
         </p:txBody>
@@ -1928,9 +1957,7 @@
       <p:sp>
         <p:nvSpPr>
           <p:cNvPr id="11" name="Google Shape;11;p2"/>
-          <p:cNvSpPr txBox="1">
-            <a:spLocks noGrp="1"/>
-          </p:cNvSpPr>
+          <p:cNvSpPr txBox="1"/>
           <p:nvPr>
             <p:ph type="ctrTitle"/>
           </p:nvPr>
@@ -1945,7 +1972,7 @@
           </a:prstGeom>
         </p:spPr>
         <p:txBody>
-          <a:bodyPr spcFirstLastPara="1" wrap="square" lIns="91425" tIns="91425" rIns="91425" bIns="91425" anchor="b" anchorCtr="0">
+          <a:bodyPr anchorCtr="0" anchor="b" bIns="91425" lIns="91425" spcFirstLastPara="1" rIns="91425" wrap="square" tIns="91425">
             <a:normAutofit/>
           </a:bodyPr>
           <a:lstStyle>
@@ -2049,19 +2076,15 @@
               <a:defRPr sz="4200"/>
             </a:lvl9pPr>
           </a:lstStyle>
-          <a:p>
-            <a:endParaRPr/>
-          </a:p>
+          <a:p/>
         </p:txBody>
       </p:sp>
       <p:sp>
         <p:nvSpPr>
           <p:cNvPr id="12" name="Google Shape;12;p2"/>
-          <p:cNvSpPr txBox="1">
-            <a:spLocks noGrp="1"/>
-          </p:cNvSpPr>
+          <p:cNvSpPr txBox="1"/>
           <p:nvPr>
-            <p:ph type="subTitle" idx="1"/>
+            <p:ph idx="1" type="subTitle"/>
           </p:nvPr>
         </p:nvSpPr>
         <p:spPr>
@@ -2074,7 +2097,7 @@
           </a:prstGeom>
         </p:spPr>
         <p:txBody>
-          <a:bodyPr spcFirstLastPara="1" wrap="square" lIns="91425" tIns="91425" rIns="91425" bIns="91425" anchor="t" anchorCtr="0">
+          <a:bodyPr anchorCtr="0" anchor="t" bIns="91425" lIns="91425" spcFirstLastPara="1" rIns="91425" wrap="square" tIns="91425">
             <a:normAutofit/>
           </a:bodyPr>
           <a:lstStyle>
@@ -2205,19 +2228,15 @@
               <a:defRPr sz="2400"/>
             </a:lvl9pPr>
           </a:lstStyle>
-          <a:p>
-            <a:endParaRPr/>
-          </a:p>
+          <a:p/>
         </p:txBody>
       </p:sp>
       <p:sp>
         <p:nvSpPr>
           <p:cNvPr id="13" name="Google Shape;13;p2"/>
-          <p:cNvSpPr txBox="1">
-            <a:spLocks noGrp="1"/>
-          </p:cNvSpPr>
+          <p:cNvSpPr txBox="1"/>
           <p:nvPr>
-            <p:ph type="sldNum" idx="12"/>
+            <p:ph idx="12" type="sldNum"/>
           </p:nvPr>
         </p:nvSpPr>
         <p:spPr>
@@ -2230,7 +2249,7 @@
           </a:prstGeom>
         </p:spPr>
         <p:txBody>
-          <a:bodyPr spcFirstLastPara="1" wrap="square" lIns="91425" tIns="91425" rIns="91425" bIns="91425" anchor="ctr" anchorCtr="0">
+          <a:bodyPr anchorCtr="0" anchor="ctr" bIns="91425" lIns="91425" spcFirstLastPara="1" rIns="91425" wrap="square" tIns="91425">
             <a:normAutofit/>
           </a:bodyPr>
           <a:lstStyle>
@@ -2308,7 +2327,7 @@
             </a:lvl9pPr>
           </a:lstStyle>
           <a:p>
-            <a:pPr marL="0" lvl="0" indent="0" algn="r" rtl="0">
+            <a:pPr indent="0" lvl="0" marL="0" rtl="0" algn="r">
               <a:spcBef>
                 <a:spcPts val="0"/>
               </a:spcBef>
@@ -2334,11 +2353,11 @@
 </file>
 
 <file path=ppt/slideLayouts/slideLayout10.xml><?xml version="1.0" encoding="utf-8"?>
-<p:sldLayout xmlns:a="http://schemas.openxmlformats.org/drawingml/2006/main" xmlns:r="http://schemas.openxmlformats.org/officeDocument/2006/relationships" xmlns:p="http://schemas.openxmlformats.org/presentationml/2006/main" matchingName="Big number">
+<p:sldLayout xmlns:a="http://schemas.openxmlformats.org/drawingml/2006/main" xmlns:r="http://schemas.openxmlformats.org/officeDocument/2006/relationships" xmlns:mc="http://schemas.openxmlformats.org/markup-compatibility/2006" xmlns:mv="urn:schemas-microsoft-com:mac:vml" xmlns:p="http://schemas.openxmlformats.org/presentationml/2006/main" xmlns:c="http://schemas.openxmlformats.org/drawingml/2006/chart" xmlns:dgm="http://schemas.openxmlformats.org/drawingml/2006/diagram" xmlns:o="urn:schemas-microsoft-com:office:office" xmlns:v="urn:schemas-microsoft-com:vml" xmlns:pvml="urn:schemas-microsoft-com:office:powerpoint" xmlns:com="http://schemas.openxmlformats.org/drawingml/2006/compatibility" xmlns:p14="http://schemas.microsoft.com/office/powerpoint/2010/main" xmlns:p15="http://schemas.microsoft.com/office/powerpoint/2012/main" xmlns:ahyp="http://schemas.microsoft.com/office/drawing/2018/hyperlinkcolor" matchingName="Big number">
   <p:cSld name="BIG_NUMBER">
     <p:spTree>
       <p:nvGrpSpPr>
-        <p:cNvPr id="1" name="Shape 47"/>
+        <p:cNvPr id="47" name="Shape 47"/>
         <p:cNvGrpSpPr/>
         <p:nvPr/>
       </p:nvGrpSpPr>
@@ -2372,12 +2391,12 @@
           </a:ln>
         </p:spPr>
         <p:txBody>
-          <a:bodyPr spcFirstLastPara="1" wrap="square" lIns="91425" tIns="91425" rIns="91425" bIns="91425" anchor="ctr" anchorCtr="0">
+          <a:bodyPr anchorCtr="0" anchor="ctr" bIns="91425" lIns="91425" spcFirstLastPara="1" rIns="91425" wrap="square" tIns="91425">
             <a:noAutofit/>
           </a:bodyPr>
           <a:lstStyle/>
           <a:p>
-            <a:pPr marL="0" lvl="0" indent="0" algn="l" rtl="0">
+            <a:pPr indent="0" lvl="0" marL="0" rtl="0" algn="l">
               <a:spcBef>
                 <a:spcPts val="0"/>
               </a:spcBef>
@@ -2386,6 +2405,9 @@
               </a:spcAft>
               <a:buNone/>
             </a:pPr>
+            <a:r>
+              <a:t/>
+            </a:r>
             <a:endParaRPr/>
           </a:p>
         </p:txBody>
@@ -2393,11 +2415,9 @@
       <p:sp>
         <p:nvSpPr>
           <p:cNvPr id="49" name="Google Shape;49;p11"/>
-          <p:cNvSpPr txBox="1">
-            <a:spLocks noGrp="1"/>
-          </p:cNvSpPr>
+          <p:cNvSpPr txBox="1"/>
           <p:nvPr>
-            <p:ph type="title" hasCustomPrompt="1"/>
+            <p:ph hasCustomPrompt="1" type="title"/>
           </p:nvPr>
         </p:nvSpPr>
         <p:spPr>
@@ -2410,7 +2430,7 @@
           </a:prstGeom>
         </p:spPr>
         <p:txBody>
-          <a:bodyPr spcFirstLastPara="1" wrap="square" lIns="91425" tIns="91425" rIns="91425" bIns="91425" anchor="b" anchorCtr="0">
+          <a:bodyPr anchorCtr="0" anchor="b" bIns="91425" lIns="91425" spcFirstLastPara="1" rIns="91425" wrap="square" tIns="91425">
             <a:normAutofit/>
           </a:bodyPr>
           <a:lstStyle>
@@ -2578,11 +2598,9 @@
       <p:sp>
         <p:nvSpPr>
           <p:cNvPr id="50" name="Google Shape;50;p11"/>
-          <p:cNvSpPr txBox="1">
-            <a:spLocks noGrp="1"/>
-          </p:cNvSpPr>
+          <p:cNvSpPr txBox="1"/>
           <p:nvPr>
-            <p:ph type="body" idx="1"/>
+            <p:ph idx="1" type="body"/>
           </p:nvPr>
         </p:nvSpPr>
         <p:spPr>
@@ -2595,11 +2613,11 @@
           </a:prstGeom>
         </p:spPr>
         <p:txBody>
-          <a:bodyPr spcFirstLastPara="1" wrap="square" lIns="91425" tIns="91425" rIns="91425" bIns="91425" anchor="t" anchorCtr="0">
+          <a:bodyPr anchorCtr="0" anchor="t" bIns="91425" lIns="91425" spcFirstLastPara="1" rIns="91425" wrap="square" tIns="91425">
             <a:normAutofit/>
           </a:bodyPr>
           <a:lstStyle>
-            <a:lvl1pPr marL="457200" lvl="0" indent="-342900" algn="ctr">
+            <a:lvl1pPr indent="-342900" lvl="0" marL="457200" algn="ctr">
               <a:spcBef>
                 <a:spcPts val="0"/>
               </a:spcBef>
@@ -2617,7 +2635,7 @@
                 </a:solidFill>
               </a:defRPr>
             </a:lvl1pPr>
-            <a:lvl2pPr marL="914400" lvl="1" indent="-317500" algn="ctr">
+            <a:lvl2pPr indent="-317500" lvl="1" marL="914400" algn="ctr">
               <a:spcBef>
                 <a:spcPts val="0"/>
               </a:spcBef>
@@ -2635,7 +2653,7 @@
                 </a:solidFill>
               </a:defRPr>
             </a:lvl2pPr>
-            <a:lvl3pPr marL="1371600" lvl="2" indent="-317500" algn="ctr">
+            <a:lvl3pPr indent="-317500" lvl="2" marL="1371600" algn="ctr">
               <a:spcBef>
                 <a:spcPts val="0"/>
               </a:spcBef>
@@ -2653,7 +2671,7 @@
                 </a:solidFill>
               </a:defRPr>
             </a:lvl3pPr>
-            <a:lvl4pPr marL="1828800" lvl="3" indent="-317500" algn="ctr">
+            <a:lvl4pPr indent="-317500" lvl="3" marL="1828800" algn="ctr">
               <a:spcBef>
                 <a:spcPts val="0"/>
               </a:spcBef>
@@ -2671,7 +2689,7 @@
                 </a:solidFill>
               </a:defRPr>
             </a:lvl4pPr>
-            <a:lvl5pPr marL="2286000" lvl="4" indent="-317500" algn="ctr">
+            <a:lvl5pPr indent="-317500" lvl="4" marL="2286000" algn="ctr">
               <a:spcBef>
                 <a:spcPts val="0"/>
               </a:spcBef>
@@ -2689,7 +2707,7 @@
                 </a:solidFill>
               </a:defRPr>
             </a:lvl5pPr>
-            <a:lvl6pPr marL="2743200" lvl="5" indent="-317500" algn="ctr">
+            <a:lvl6pPr indent="-317500" lvl="5" marL="2743200" algn="ctr">
               <a:spcBef>
                 <a:spcPts val="0"/>
               </a:spcBef>
@@ -2707,7 +2725,7 @@
                 </a:solidFill>
               </a:defRPr>
             </a:lvl6pPr>
-            <a:lvl7pPr marL="3200400" lvl="6" indent="-317500" algn="ctr">
+            <a:lvl7pPr indent="-317500" lvl="6" marL="3200400" algn="ctr">
               <a:spcBef>
                 <a:spcPts val="0"/>
               </a:spcBef>
@@ -2725,7 +2743,7 @@
                 </a:solidFill>
               </a:defRPr>
             </a:lvl7pPr>
-            <a:lvl8pPr marL="3657600" lvl="7" indent="-317500" algn="ctr">
+            <a:lvl8pPr indent="-317500" lvl="7" marL="3657600" algn="ctr">
               <a:spcBef>
                 <a:spcPts val="0"/>
               </a:spcBef>
@@ -2743,7 +2761,7 @@
                 </a:solidFill>
               </a:defRPr>
             </a:lvl8pPr>
-            <a:lvl9pPr marL="4114800" lvl="8" indent="-317500" algn="ctr">
+            <a:lvl9pPr indent="-317500" lvl="8" marL="4114800" algn="ctr">
               <a:spcBef>
                 <a:spcPts val="0"/>
               </a:spcBef>
@@ -2762,19 +2780,15 @@
               </a:defRPr>
             </a:lvl9pPr>
           </a:lstStyle>
-          <a:p>
-            <a:endParaRPr/>
-          </a:p>
+          <a:p/>
         </p:txBody>
       </p:sp>
       <p:sp>
         <p:nvSpPr>
           <p:cNvPr id="51" name="Google Shape;51;p11"/>
-          <p:cNvSpPr txBox="1">
-            <a:spLocks noGrp="1"/>
-          </p:cNvSpPr>
+          <p:cNvSpPr txBox="1"/>
           <p:nvPr>
-            <p:ph type="sldNum" idx="12"/>
+            <p:ph idx="12" type="sldNum"/>
           </p:nvPr>
         </p:nvSpPr>
         <p:spPr>
@@ -2787,7 +2801,7 @@
           </a:prstGeom>
         </p:spPr>
         <p:txBody>
-          <a:bodyPr spcFirstLastPara="1" wrap="square" lIns="91425" tIns="91425" rIns="91425" bIns="91425" anchor="ctr" anchorCtr="0">
+          <a:bodyPr anchorCtr="0" anchor="ctr" bIns="91425" lIns="91425" spcFirstLastPara="1" rIns="91425" wrap="square" tIns="91425">
             <a:normAutofit/>
           </a:bodyPr>
           <a:lstStyle>
@@ -2865,7 +2879,7 @@
             </a:lvl9pPr>
           </a:lstStyle>
           <a:p>
-            <a:pPr marL="0" lvl="0" indent="0" algn="r" rtl="0">
+            <a:pPr indent="0" lvl="0" marL="0" rtl="0" algn="r">
               <a:spcBef>
                 <a:spcPts val="0"/>
               </a:spcBef>
@@ -2891,11 +2905,11 @@
 </file>
 
 <file path=ppt/slideLayouts/slideLayout11.xml><?xml version="1.0" encoding="utf-8"?>
-<p:sldLayout xmlns:a="http://schemas.openxmlformats.org/drawingml/2006/main" xmlns:r="http://schemas.openxmlformats.org/officeDocument/2006/relationships" xmlns:p="http://schemas.openxmlformats.org/presentationml/2006/main" matchingName="Blank" type="blank">
+<p:sldLayout xmlns:a="http://schemas.openxmlformats.org/drawingml/2006/main" xmlns:r="http://schemas.openxmlformats.org/officeDocument/2006/relationships" xmlns:mc="http://schemas.openxmlformats.org/markup-compatibility/2006" xmlns:mv="urn:schemas-microsoft-com:mac:vml" xmlns:p="http://schemas.openxmlformats.org/presentationml/2006/main" xmlns:c="http://schemas.openxmlformats.org/drawingml/2006/chart" xmlns:dgm="http://schemas.openxmlformats.org/drawingml/2006/diagram" xmlns:o="urn:schemas-microsoft-com:office:office" xmlns:v="urn:schemas-microsoft-com:vml" xmlns:pvml="urn:schemas-microsoft-com:office:powerpoint" xmlns:com="http://schemas.openxmlformats.org/drawingml/2006/compatibility" xmlns:p14="http://schemas.microsoft.com/office/powerpoint/2010/main" xmlns:p15="http://schemas.microsoft.com/office/powerpoint/2012/main" xmlns:ahyp="http://schemas.microsoft.com/office/drawing/2018/hyperlinkcolor" matchingName="Blank" type="blank">
   <p:cSld name="BLANK">
     <p:spTree>
       <p:nvGrpSpPr>
-        <p:cNvPr id="1" name="Shape 52"/>
+        <p:cNvPr id="52" name="Shape 52"/>
         <p:cNvGrpSpPr/>
         <p:nvPr/>
       </p:nvGrpSpPr>
@@ -2910,11 +2924,9 @@
       <p:sp>
         <p:nvSpPr>
           <p:cNvPr id="53" name="Google Shape;53;p12"/>
-          <p:cNvSpPr txBox="1">
-            <a:spLocks noGrp="1"/>
-          </p:cNvSpPr>
+          <p:cNvSpPr txBox="1"/>
           <p:nvPr>
-            <p:ph type="sldNum" idx="12"/>
+            <p:ph idx="12" type="sldNum"/>
           </p:nvPr>
         </p:nvSpPr>
         <p:spPr>
@@ -2927,7 +2939,7 @@
           </a:prstGeom>
         </p:spPr>
         <p:txBody>
-          <a:bodyPr spcFirstLastPara="1" wrap="square" lIns="91425" tIns="91425" rIns="91425" bIns="91425" anchor="ctr" anchorCtr="0">
+          <a:bodyPr anchorCtr="0" anchor="ctr" bIns="91425" lIns="91425" spcFirstLastPara="1" rIns="91425" wrap="square" tIns="91425">
             <a:normAutofit/>
           </a:bodyPr>
           <a:lstStyle>
@@ -2969,7 +2981,7 @@
             </a:lvl9pPr>
           </a:lstStyle>
           <a:p>
-            <a:pPr marL="0" lvl="0" indent="0" algn="r" rtl="0">
+            <a:pPr indent="0" lvl="0" marL="0" rtl="0" algn="r">
               <a:spcBef>
                 <a:spcPts val="0"/>
               </a:spcBef>
@@ -2995,11 +3007,11 @@
 </file>
 
 <file path=ppt/slideLayouts/slideLayout2.xml><?xml version="1.0" encoding="utf-8"?>
-<p:sldLayout xmlns:a="http://schemas.openxmlformats.org/drawingml/2006/main" xmlns:r="http://schemas.openxmlformats.org/officeDocument/2006/relationships" xmlns:p="http://schemas.openxmlformats.org/presentationml/2006/main" matchingName="Section header" type="secHead">
+<p:sldLayout xmlns:a="http://schemas.openxmlformats.org/drawingml/2006/main" xmlns:r="http://schemas.openxmlformats.org/officeDocument/2006/relationships" xmlns:mc="http://schemas.openxmlformats.org/markup-compatibility/2006" xmlns:mv="urn:schemas-microsoft-com:mac:vml" xmlns:p="http://schemas.openxmlformats.org/presentationml/2006/main" xmlns:c="http://schemas.openxmlformats.org/drawingml/2006/chart" xmlns:dgm="http://schemas.openxmlformats.org/drawingml/2006/diagram" xmlns:o="urn:schemas-microsoft-com:office:office" xmlns:v="urn:schemas-microsoft-com:vml" xmlns:pvml="urn:schemas-microsoft-com:office:powerpoint" xmlns:com="http://schemas.openxmlformats.org/drawingml/2006/compatibility" xmlns:p14="http://schemas.microsoft.com/office/powerpoint/2010/main" xmlns:p15="http://schemas.microsoft.com/office/powerpoint/2012/main" xmlns:ahyp="http://schemas.microsoft.com/office/drawing/2018/hyperlinkcolor" matchingName="Section header" type="secHead">
   <p:cSld name="SECTION_HEADER">
     <p:spTree>
       <p:nvGrpSpPr>
-        <p:cNvPr id="1" name="Shape 14"/>
+        <p:cNvPr id="14" name="Shape 14"/>
         <p:cNvGrpSpPr/>
         <p:nvPr/>
       </p:nvGrpSpPr>
@@ -3033,12 +3045,12 @@
           </a:ln>
         </p:spPr>
         <p:txBody>
-          <a:bodyPr spcFirstLastPara="1" wrap="square" lIns="91425" tIns="91425" rIns="91425" bIns="91425" anchor="ctr" anchorCtr="0">
+          <a:bodyPr anchorCtr="0" anchor="ctr" bIns="91425" lIns="91425" spcFirstLastPara="1" rIns="91425" wrap="square" tIns="91425">
             <a:noAutofit/>
           </a:bodyPr>
           <a:lstStyle/>
           <a:p>
-            <a:pPr marL="0" lvl="0" indent="0" algn="l" rtl="0">
+            <a:pPr indent="0" lvl="0" marL="0" rtl="0" algn="l">
               <a:spcBef>
                 <a:spcPts val="0"/>
               </a:spcBef>
@@ -3047,6 +3059,9 @@
               </a:spcAft>
               <a:buNone/>
             </a:pPr>
+            <a:r>
+              <a:t/>
+            </a:r>
             <a:endParaRPr/>
           </a:p>
         </p:txBody>
@@ -3054,9 +3069,7 @@
       <p:sp>
         <p:nvSpPr>
           <p:cNvPr id="16" name="Google Shape;16;p3"/>
-          <p:cNvSpPr txBox="1">
-            <a:spLocks noGrp="1"/>
-          </p:cNvSpPr>
+          <p:cNvSpPr txBox="1"/>
           <p:nvPr>
             <p:ph type="title"/>
           </p:nvPr>
@@ -3071,7 +3084,7 @@
           </a:prstGeom>
         </p:spPr>
         <p:txBody>
-          <a:bodyPr spcFirstLastPara="1" wrap="square" lIns="91425" tIns="91425" rIns="91425" bIns="91425" anchor="b" anchorCtr="0">
+          <a:bodyPr anchorCtr="0" anchor="b" bIns="91425" lIns="91425" spcFirstLastPara="1" rIns="91425" wrap="square" tIns="91425">
             <a:normAutofit/>
           </a:bodyPr>
           <a:lstStyle>
@@ -3175,19 +3188,15 @@
               <a:defRPr sz="3600"/>
             </a:lvl9pPr>
           </a:lstStyle>
-          <a:p>
-            <a:endParaRPr/>
-          </a:p>
+          <a:p/>
         </p:txBody>
       </p:sp>
       <p:sp>
         <p:nvSpPr>
           <p:cNvPr id="17" name="Google Shape;17;p3"/>
-          <p:cNvSpPr txBox="1">
-            <a:spLocks noGrp="1"/>
-          </p:cNvSpPr>
+          <p:cNvSpPr txBox="1"/>
           <p:nvPr>
-            <p:ph type="sldNum" idx="12"/>
+            <p:ph idx="12" type="sldNum"/>
           </p:nvPr>
         </p:nvSpPr>
         <p:spPr>
@@ -3200,7 +3209,7 @@
           </a:prstGeom>
         </p:spPr>
         <p:txBody>
-          <a:bodyPr spcFirstLastPara="1" wrap="square" lIns="91425" tIns="91425" rIns="91425" bIns="91425" anchor="ctr" anchorCtr="0">
+          <a:bodyPr anchorCtr="0" anchor="ctr" bIns="91425" lIns="91425" spcFirstLastPara="1" rIns="91425" wrap="square" tIns="91425">
             <a:normAutofit/>
           </a:bodyPr>
           <a:lstStyle>
@@ -3278,7 +3287,7 @@
             </a:lvl9pPr>
           </a:lstStyle>
           <a:p>
-            <a:pPr marL="0" lvl="0" indent="0" algn="r" rtl="0">
+            <a:pPr indent="0" lvl="0" marL="0" rtl="0" algn="r">
               <a:spcBef>
                 <a:spcPts val="0"/>
               </a:spcBef>
@@ -3304,11 +3313,11 @@
 </file>
 
 <file path=ppt/slideLayouts/slideLayout3.xml><?xml version="1.0" encoding="utf-8"?>
-<p:sldLayout xmlns:a="http://schemas.openxmlformats.org/drawingml/2006/main" xmlns:r="http://schemas.openxmlformats.org/officeDocument/2006/relationships" xmlns:p="http://schemas.openxmlformats.org/presentationml/2006/main" matchingName="Title and body" type="tx">
+<p:sldLayout xmlns:a="http://schemas.openxmlformats.org/drawingml/2006/main" xmlns:r="http://schemas.openxmlformats.org/officeDocument/2006/relationships" xmlns:mc="http://schemas.openxmlformats.org/markup-compatibility/2006" xmlns:mv="urn:schemas-microsoft-com:mac:vml" xmlns:p="http://schemas.openxmlformats.org/presentationml/2006/main" xmlns:c="http://schemas.openxmlformats.org/drawingml/2006/chart" xmlns:dgm="http://schemas.openxmlformats.org/drawingml/2006/diagram" xmlns:o="urn:schemas-microsoft-com:office:office" xmlns:v="urn:schemas-microsoft-com:vml" xmlns:pvml="urn:schemas-microsoft-com:office:powerpoint" xmlns:com="http://schemas.openxmlformats.org/drawingml/2006/compatibility" xmlns:p14="http://schemas.microsoft.com/office/powerpoint/2010/main" xmlns:p15="http://schemas.microsoft.com/office/powerpoint/2012/main" xmlns:ahyp="http://schemas.microsoft.com/office/drawing/2018/hyperlinkcolor" matchingName="Title and body" type="tx">
   <p:cSld name="TITLE_AND_BODY">
     <p:spTree>
       <p:nvGrpSpPr>
-        <p:cNvPr id="1" name="Shape 18"/>
+        <p:cNvPr id="18" name="Shape 18"/>
         <p:cNvGrpSpPr/>
         <p:nvPr/>
       </p:nvGrpSpPr>
@@ -3323,9 +3332,7 @@
       <p:sp>
         <p:nvSpPr>
           <p:cNvPr id="19" name="Google Shape;19;p4"/>
-          <p:cNvSpPr txBox="1">
-            <a:spLocks noGrp="1"/>
-          </p:cNvSpPr>
+          <p:cNvSpPr txBox="1"/>
           <p:nvPr>
             <p:ph type="title"/>
           </p:nvPr>
@@ -3340,7 +3347,7 @@
           </a:prstGeom>
         </p:spPr>
         <p:txBody>
-          <a:bodyPr spcFirstLastPara="1" wrap="square" lIns="91425" tIns="91425" rIns="91425" bIns="91425" anchor="t" anchorCtr="0">
+          <a:bodyPr anchorCtr="0" anchor="t" bIns="91425" lIns="91425" spcFirstLastPara="1" rIns="91425" wrap="square" tIns="91425">
             <a:normAutofit/>
           </a:bodyPr>
           <a:lstStyle>
@@ -3444,19 +3451,15 @@
               <a:defRPr/>
             </a:lvl9pPr>
           </a:lstStyle>
-          <a:p>
-            <a:endParaRPr/>
-          </a:p>
+          <a:p/>
         </p:txBody>
       </p:sp>
       <p:sp>
         <p:nvSpPr>
           <p:cNvPr id="20" name="Google Shape;20;p4"/>
-          <p:cNvSpPr txBox="1">
-            <a:spLocks noGrp="1"/>
-          </p:cNvSpPr>
+          <p:cNvSpPr txBox="1"/>
           <p:nvPr>
-            <p:ph type="body" idx="1"/>
+            <p:ph idx="1" type="body"/>
           </p:nvPr>
         </p:nvSpPr>
         <p:spPr>
@@ -3469,11 +3472,11 @@
           </a:prstGeom>
         </p:spPr>
         <p:txBody>
-          <a:bodyPr spcFirstLastPara="1" wrap="square" lIns="91425" tIns="91425" rIns="91425" bIns="91425" anchor="t" anchorCtr="0">
+          <a:bodyPr anchorCtr="0" anchor="t" bIns="91425" lIns="91425" spcFirstLastPara="1" rIns="91425" wrap="square" tIns="91425">
             <a:normAutofit/>
           </a:bodyPr>
           <a:lstStyle>
-            <a:lvl1pPr marL="457200" lvl="0" indent="-342900">
+            <a:lvl1pPr indent="-342900" lvl="0" marL="457200">
               <a:spcBef>
                 <a:spcPts val="0"/>
               </a:spcBef>
@@ -3484,7 +3487,7 @@
               <a:buChar char="●"/>
               <a:defRPr/>
             </a:lvl1pPr>
-            <a:lvl2pPr marL="914400" lvl="1" indent="-317500">
+            <a:lvl2pPr indent="-317500" lvl="1" marL="914400">
               <a:spcBef>
                 <a:spcPts val="0"/>
               </a:spcBef>
@@ -3495,7 +3498,7 @@
               <a:buChar char="○"/>
               <a:defRPr/>
             </a:lvl2pPr>
-            <a:lvl3pPr marL="1371600" lvl="2" indent="-317500">
+            <a:lvl3pPr indent="-317500" lvl="2" marL="1371600">
               <a:spcBef>
                 <a:spcPts val="0"/>
               </a:spcBef>
@@ -3506,7 +3509,7 @@
               <a:buChar char="■"/>
               <a:defRPr/>
             </a:lvl3pPr>
-            <a:lvl4pPr marL="1828800" lvl="3" indent="-317500">
+            <a:lvl4pPr indent="-317500" lvl="3" marL="1828800">
               <a:spcBef>
                 <a:spcPts val="0"/>
               </a:spcBef>
@@ -3517,7 +3520,7 @@
               <a:buChar char="●"/>
               <a:defRPr/>
             </a:lvl4pPr>
-            <a:lvl5pPr marL="2286000" lvl="4" indent="-317500">
+            <a:lvl5pPr indent="-317500" lvl="4" marL="2286000">
               <a:spcBef>
                 <a:spcPts val="0"/>
               </a:spcBef>
@@ -3528,7 +3531,7 @@
               <a:buChar char="○"/>
               <a:defRPr/>
             </a:lvl5pPr>
-            <a:lvl6pPr marL="2743200" lvl="5" indent="-317500">
+            <a:lvl6pPr indent="-317500" lvl="5" marL="2743200">
               <a:spcBef>
                 <a:spcPts val="0"/>
               </a:spcBef>
@@ -3539,7 +3542,7 @@
               <a:buChar char="■"/>
               <a:defRPr/>
             </a:lvl6pPr>
-            <a:lvl7pPr marL="3200400" lvl="6" indent="-317500">
+            <a:lvl7pPr indent="-317500" lvl="6" marL="3200400">
               <a:spcBef>
                 <a:spcPts val="0"/>
               </a:spcBef>
@@ -3550,7 +3553,7 @@
               <a:buChar char="●"/>
               <a:defRPr/>
             </a:lvl7pPr>
-            <a:lvl8pPr marL="3657600" lvl="7" indent="-317500">
+            <a:lvl8pPr indent="-317500" lvl="7" marL="3657600">
               <a:spcBef>
                 <a:spcPts val="0"/>
               </a:spcBef>
@@ -3561,7 +3564,7 @@
               <a:buChar char="○"/>
               <a:defRPr/>
             </a:lvl8pPr>
-            <a:lvl9pPr marL="4114800" lvl="8" indent="-317500">
+            <a:lvl9pPr indent="-317500" lvl="8" marL="4114800">
               <a:spcBef>
                 <a:spcPts val="0"/>
               </a:spcBef>
@@ -3573,19 +3576,15 @@
               <a:defRPr/>
             </a:lvl9pPr>
           </a:lstStyle>
-          <a:p>
-            <a:endParaRPr/>
-          </a:p>
+          <a:p/>
         </p:txBody>
       </p:sp>
       <p:sp>
         <p:nvSpPr>
           <p:cNvPr id="21" name="Google Shape;21;p4"/>
-          <p:cNvSpPr txBox="1">
-            <a:spLocks noGrp="1"/>
-          </p:cNvSpPr>
+          <p:cNvSpPr txBox="1"/>
           <p:nvPr>
-            <p:ph type="sldNum" idx="12"/>
+            <p:ph idx="12" type="sldNum"/>
           </p:nvPr>
         </p:nvSpPr>
         <p:spPr>
@@ -3598,7 +3597,7 @@
           </a:prstGeom>
         </p:spPr>
         <p:txBody>
-          <a:bodyPr spcFirstLastPara="1" wrap="square" lIns="91425" tIns="91425" rIns="91425" bIns="91425" anchor="ctr" anchorCtr="0">
+          <a:bodyPr anchorCtr="0" anchor="ctr" bIns="91425" lIns="91425" spcFirstLastPara="1" rIns="91425" wrap="square" tIns="91425">
             <a:normAutofit/>
           </a:bodyPr>
           <a:lstStyle>
@@ -3640,7 +3639,7 @@
             </a:lvl9pPr>
           </a:lstStyle>
           <a:p>
-            <a:pPr marL="0" lvl="0" indent="0" algn="r" rtl="0">
+            <a:pPr indent="0" lvl="0" marL="0" rtl="0" algn="r">
               <a:spcBef>
                 <a:spcPts val="0"/>
               </a:spcBef>
@@ -3666,11 +3665,11 @@
 </file>
 
 <file path=ppt/slideLayouts/slideLayout4.xml><?xml version="1.0" encoding="utf-8"?>
-<p:sldLayout xmlns:a="http://schemas.openxmlformats.org/drawingml/2006/main" xmlns:r="http://schemas.openxmlformats.org/officeDocument/2006/relationships" xmlns:p="http://schemas.openxmlformats.org/presentationml/2006/main" matchingName="Title and two columns" type="twoColTx">
+<p:sldLayout xmlns:a="http://schemas.openxmlformats.org/drawingml/2006/main" xmlns:r="http://schemas.openxmlformats.org/officeDocument/2006/relationships" xmlns:mc="http://schemas.openxmlformats.org/markup-compatibility/2006" xmlns:mv="urn:schemas-microsoft-com:mac:vml" xmlns:p="http://schemas.openxmlformats.org/presentationml/2006/main" xmlns:c="http://schemas.openxmlformats.org/drawingml/2006/chart" xmlns:dgm="http://schemas.openxmlformats.org/drawingml/2006/diagram" xmlns:o="urn:schemas-microsoft-com:office:office" xmlns:v="urn:schemas-microsoft-com:vml" xmlns:pvml="urn:schemas-microsoft-com:office:powerpoint" xmlns:com="http://schemas.openxmlformats.org/drawingml/2006/compatibility" xmlns:p14="http://schemas.microsoft.com/office/powerpoint/2010/main" xmlns:p15="http://schemas.microsoft.com/office/powerpoint/2012/main" xmlns:ahyp="http://schemas.microsoft.com/office/drawing/2018/hyperlinkcolor" matchingName="Title and two columns" type="twoColTx">
   <p:cSld name="TITLE_AND_TWO_COLUMNS">
     <p:spTree>
       <p:nvGrpSpPr>
-        <p:cNvPr id="1" name="Shape 22"/>
+        <p:cNvPr id="22" name="Shape 22"/>
         <p:cNvGrpSpPr/>
         <p:nvPr/>
       </p:nvGrpSpPr>
@@ -3685,9 +3684,7 @@
       <p:sp>
         <p:nvSpPr>
           <p:cNvPr id="23" name="Google Shape;23;p5"/>
-          <p:cNvSpPr txBox="1">
-            <a:spLocks noGrp="1"/>
-          </p:cNvSpPr>
+          <p:cNvSpPr txBox="1"/>
           <p:nvPr>
             <p:ph type="title"/>
           </p:nvPr>
@@ -3702,7 +3699,7 @@
           </a:prstGeom>
         </p:spPr>
         <p:txBody>
-          <a:bodyPr spcFirstLastPara="1" wrap="square" lIns="91425" tIns="91425" rIns="91425" bIns="91425" anchor="t" anchorCtr="0">
+          <a:bodyPr anchorCtr="0" anchor="t" bIns="91425" lIns="91425" spcFirstLastPara="1" rIns="91425" wrap="square" tIns="91425">
             <a:normAutofit/>
           </a:bodyPr>
           <a:lstStyle>
@@ -3806,19 +3803,15 @@
               <a:defRPr/>
             </a:lvl9pPr>
           </a:lstStyle>
-          <a:p>
-            <a:endParaRPr/>
-          </a:p>
+          <a:p/>
         </p:txBody>
       </p:sp>
       <p:sp>
         <p:nvSpPr>
           <p:cNvPr id="24" name="Google Shape;24;p5"/>
-          <p:cNvSpPr txBox="1">
-            <a:spLocks noGrp="1"/>
-          </p:cNvSpPr>
+          <p:cNvSpPr txBox="1"/>
           <p:nvPr>
-            <p:ph type="body" idx="1"/>
+            <p:ph idx="1" type="body"/>
           </p:nvPr>
         </p:nvSpPr>
         <p:spPr>
@@ -3831,11 +3824,11 @@
           </a:prstGeom>
         </p:spPr>
         <p:txBody>
-          <a:bodyPr spcFirstLastPara="1" wrap="square" lIns="91425" tIns="91425" rIns="91425" bIns="91425" anchor="t" anchorCtr="0">
+          <a:bodyPr anchorCtr="0" anchor="t" bIns="91425" lIns="91425" spcFirstLastPara="1" rIns="91425" wrap="square" tIns="91425">
             <a:normAutofit/>
           </a:bodyPr>
           <a:lstStyle>
-            <a:lvl1pPr marL="457200" lvl="0" indent="-317500">
+            <a:lvl1pPr indent="-317500" lvl="0" marL="457200">
               <a:spcBef>
                 <a:spcPts val="0"/>
               </a:spcBef>
@@ -3846,7 +3839,7 @@
               <a:buChar char="●"/>
               <a:defRPr sz="1400"/>
             </a:lvl1pPr>
-            <a:lvl2pPr marL="914400" lvl="1" indent="-304800">
+            <a:lvl2pPr indent="-304800" lvl="1" marL="914400">
               <a:spcBef>
                 <a:spcPts val="0"/>
               </a:spcBef>
@@ -3857,7 +3850,7 @@
               <a:buChar char="○"/>
               <a:defRPr sz="1200"/>
             </a:lvl2pPr>
-            <a:lvl3pPr marL="1371600" lvl="2" indent="-304800">
+            <a:lvl3pPr indent="-304800" lvl="2" marL="1371600">
               <a:spcBef>
                 <a:spcPts val="0"/>
               </a:spcBef>
@@ -3868,7 +3861,7 @@
               <a:buChar char="■"/>
               <a:defRPr sz="1200"/>
             </a:lvl3pPr>
-            <a:lvl4pPr marL="1828800" lvl="3" indent="-304800">
+            <a:lvl4pPr indent="-304800" lvl="3" marL="1828800">
               <a:spcBef>
                 <a:spcPts val="0"/>
               </a:spcBef>
@@ -3879,7 +3872,7 @@
               <a:buChar char="●"/>
               <a:defRPr sz="1200"/>
             </a:lvl4pPr>
-            <a:lvl5pPr marL="2286000" lvl="4" indent="-304800">
+            <a:lvl5pPr indent="-304800" lvl="4" marL="2286000">
               <a:spcBef>
                 <a:spcPts val="0"/>
               </a:spcBef>
@@ -3890,7 +3883,7 @@
               <a:buChar char="○"/>
               <a:defRPr sz="1200"/>
             </a:lvl5pPr>
-            <a:lvl6pPr marL="2743200" lvl="5" indent="-304800">
+            <a:lvl6pPr indent="-304800" lvl="5" marL="2743200">
               <a:spcBef>
                 <a:spcPts val="0"/>
               </a:spcBef>
@@ -3901,7 +3894,7 @@
               <a:buChar char="■"/>
               <a:defRPr sz="1200"/>
             </a:lvl6pPr>
-            <a:lvl7pPr marL="3200400" lvl="6" indent="-304800">
+            <a:lvl7pPr indent="-304800" lvl="6" marL="3200400">
               <a:spcBef>
                 <a:spcPts val="0"/>
               </a:spcBef>
@@ -3912,7 +3905,7 @@
               <a:buChar char="●"/>
               <a:defRPr sz="1200"/>
             </a:lvl7pPr>
-            <a:lvl8pPr marL="3657600" lvl="7" indent="-304800">
+            <a:lvl8pPr indent="-304800" lvl="7" marL="3657600">
               <a:spcBef>
                 <a:spcPts val="0"/>
               </a:spcBef>
@@ -3923,7 +3916,7 @@
               <a:buChar char="○"/>
               <a:defRPr sz="1200"/>
             </a:lvl8pPr>
-            <a:lvl9pPr marL="4114800" lvl="8" indent="-304800">
+            <a:lvl9pPr indent="-304800" lvl="8" marL="4114800">
               <a:spcBef>
                 <a:spcPts val="0"/>
               </a:spcBef>
@@ -3935,19 +3928,15 @@
               <a:defRPr sz="1200"/>
             </a:lvl9pPr>
           </a:lstStyle>
-          <a:p>
-            <a:endParaRPr/>
-          </a:p>
+          <a:p/>
         </p:txBody>
       </p:sp>
       <p:sp>
         <p:nvSpPr>
           <p:cNvPr id="25" name="Google Shape;25;p5"/>
-          <p:cNvSpPr txBox="1">
-            <a:spLocks noGrp="1"/>
-          </p:cNvSpPr>
+          <p:cNvSpPr txBox="1"/>
           <p:nvPr>
-            <p:ph type="body" idx="2"/>
+            <p:ph idx="2" type="body"/>
           </p:nvPr>
         </p:nvSpPr>
         <p:spPr>
@@ -3960,11 +3949,11 @@
           </a:prstGeom>
         </p:spPr>
         <p:txBody>
-          <a:bodyPr spcFirstLastPara="1" wrap="square" lIns="91425" tIns="91425" rIns="91425" bIns="91425" anchor="t" anchorCtr="0">
+          <a:bodyPr anchorCtr="0" anchor="t" bIns="91425" lIns="91425" spcFirstLastPara="1" rIns="91425" wrap="square" tIns="91425">
             <a:normAutofit/>
           </a:bodyPr>
           <a:lstStyle>
-            <a:lvl1pPr marL="457200" lvl="0" indent="-317500">
+            <a:lvl1pPr indent="-317500" lvl="0" marL="457200">
               <a:spcBef>
                 <a:spcPts val="0"/>
               </a:spcBef>
@@ -3975,7 +3964,7 @@
               <a:buChar char="●"/>
               <a:defRPr sz="1400"/>
             </a:lvl1pPr>
-            <a:lvl2pPr marL="914400" lvl="1" indent="-304800">
+            <a:lvl2pPr indent="-304800" lvl="1" marL="914400">
               <a:spcBef>
                 <a:spcPts val="0"/>
               </a:spcBef>
@@ -3986,7 +3975,7 @@
               <a:buChar char="○"/>
               <a:defRPr sz="1200"/>
             </a:lvl2pPr>
-            <a:lvl3pPr marL="1371600" lvl="2" indent="-304800">
+            <a:lvl3pPr indent="-304800" lvl="2" marL="1371600">
               <a:spcBef>
                 <a:spcPts val="0"/>
               </a:spcBef>
@@ -3997,7 +3986,7 @@
               <a:buChar char="■"/>
               <a:defRPr sz="1200"/>
             </a:lvl3pPr>
-            <a:lvl4pPr marL="1828800" lvl="3" indent="-304800">
+            <a:lvl4pPr indent="-304800" lvl="3" marL="1828800">
               <a:spcBef>
                 <a:spcPts val="0"/>
               </a:spcBef>
@@ -4008,7 +3997,7 @@
               <a:buChar char="●"/>
               <a:defRPr sz="1200"/>
             </a:lvl4pPr>
-            <a:lvl5pPr marL="2286000" lvl="4" indent="-304800">
+            <a:lvl5pPr indent="-304800" lvl="4" marL="2286000">
               <a:spcBef>
                 <a:spcPts val="0"/>
               </a:spcBef>
@@ -4019,7 +4008,7 @@
               <a:buChar char="○"/>
               <a:defRPr sz="1200"/>
             </a:lvl5pPr>
-            <a:lvl6pPr marL="2743200" lvl="5" indent="-304800">
+            <a:lvl6pPr indent="-304800" lvl="5" marL="2743200">
               <a:spcBef>
                 <a:spcPts val="0"/>
               </a:spcBef>
@@ -4030,7 +4019,7 @@
               <a:buChar char="■"/>
               <a:defRPr sz="1200"/>
             </a:lvl6pPr>
-            <a:lvl7pPr marL="3200400" lvl="6" indent="-304800">
+            <a:lvl7pPr indent="-304800" lvl="6" marL="3200400">
               <a:spcBef>
                 <a:spcPts val="0"/>
               </a:spcBef>
@@ -4041,7 +4030,7 @@
               <a:buChar char="●"/>
               <a:defRPr sz="1200"/>
             </a:lvl7pPr>
-            <a:lvl8pPr marL="3657600" lvl="7" indent="-304800">
+            <a:lvl8pPr indent="-304800" lvl="7" marL="3657600">
               <a:spcBef>
                 <a:spcPts val="0"/>
               </a:spcBef>
@@ -4052,7 +4041,7 @@
               <a:buChar char="○"/>
               <a:defRPr sz="1200"/>
             </a:lvl8pPr>
-            <a:lvl9pPr marL="4114800" lvl="8" indent="-304800">
+            <a:lvl9pPr indent="-304800" lvl="8" marL="4114800">
               <a:spcBef>
                 <a:spcPts val="0"/>
               </a:spcBef>
@@ -4064,19 +4053,15 @@
               <a:defRPr sz="1200"/>
             </a:lvl9pPr>
           </a:lstStyle>
-          <a:p>
-            <a:endParaRPr/>
-          </a:p>
+          <a:p/>
         </p:txBody>
       </p:sp>
       <p:sp>
         <p:nvSpPr>
           <p:cNvPr id="26" name="Google Shape;26;p5"/>
-          <p:cNvSpPr txBox="1">
-            <a:spLocks noGrp="1"/>
-          </p:cNvSpPr>
+          <p:cNvSpPr txBox="1"/>
           <p:nvPr>
-            <p:ph type="sldNum" idx="12"/>
+            <p:ph idx="12" type="sldNum"/>
           </p:nvPr>
         </p:nvSpPr>
         <p:spPr>
@@ -4089,7 +4074,7 @@
           </a:prstGeom>
         </p:spPr>
         <p:txBody>
-          <a:bodyPr spcFirstLastPara="1" wrap="square" lIns="91425" tIns="91425" rIns="91425" bIns="91425" anchor="ctr" anchorCtr="0">
+          <a:bodyPr anchorCtr="0" anchor="ctr" bIns="91425" lIns="91425" spcFirstLastPara="1" rIns="91425" wrap="square" tIns="91425">
             <a:normAutofit/>
           </a:bodyPr>
           <a:lstStyle>
@@ -4131,7 +4116,7 @@
             </a:lvl9pPr>
           </a:lstStyle>
           <a:p>
-            <a:pPr marL="0" lvl="0" indent="0" algn="r" rtl="0">
+            <a:pPr indent="0" lvl="0" marL="0" rtl="0" algn="r">
               <a:spcBef>
                 <a:spcPts val="0"/>
               </a:spcBef>
@@ -4157,11 +4142,11 @@
 </file>
 
 <file path=ppt/slideLayouts/slideLayout5.xml><?xml version="1.0" encoding="utf-8"?>
-<p:sldLayout xmlns:a="http://schemas.openxmlformats.org/drawingml/2006/main" xmlns:r="http://schemas.openxmlformats.org/officeDocument/2006/relationships" xmlns:p="http://schemas.openxmlformats.org/presentationml/2006/main" matchingName="Title only" type="titleOnly">
+<p:sldLayout xmlns:a="http://schemas.openxmlformats.org/drawingml/2006/main" xmlns:r="http://schemas.openxmlformats.org/officeDocument/2006/relationships" xmlns:mc="http://schemas.openxmlformats.org/markup-compatibility/2006" xmlns:mv="urn:schemas-microsoft-com:mac:vml" xmlns:p="http://schemas.openxmlformats.org/presentationml/2006/main" xmlns:c="http://schemas.openxmlformats.org/drawingml/2006/chart" xmlns:dgm="http://schemas.openxmlformats.org/drawingml/2006/diagram" xmlns:o="urn:schemas-microsoft-com:office:office" xmlns:v="urn:schemas-microsoft-com:vml" xmlns:pvml="urn:schemas-microsoft-com:office:powerpoint" xmlns:com="http://schemas.openxmlformats.org/drawingml/2006/compatibility" xmlns:p14="http://schemas.microsoft.com/office/powerpoint/2010/main" xmlns:p15="http://schemas.microsoft.com/office/powerpoint/2012/main" xmlns:ahyp="http://schemas.microsoft.com/office/drawing/2018/hyperlinkcolor" matchingName="Title only" type="titleOnly">
   <p:cSld name="TITLE_ONLY">
     <p:spTree>
       <p:nvGrpSpPr>
-        <p:cNvPr id="1" name="Shape 27"/>
+        <p:cNvPr id="27" name="Shape 27"/>
         <p:cNvGrpSpPr/>
         <p:nvPr/>
       </p:nvGrpSpPr>
@@ -4176,9 +4161,7 @@
       <p:sp>
         <p:nvSpPr>
           <p:cNvPr id="28" name="Google Shape;28;p6"/>
-          <p:cNvSpPr txBox="1">
-            <a:spLocks noGrp="1"/>
-          </p:cNvSpPr>
+          <p:cNvSpPr txBox="1"/>
           <p:nvPr>
             <p:ph type="title"/>
           </p:nvPr>
@@ -4193,7 +4176,7 @@
           </a:prstGeom>
         </p:spPr>
         <p:txBody>
-          <a:bodyPr spcFirstLastPara="1" wrap="square" lIns="91425" tIns="91425" rIns="91425" bIns="91425" anchor="t" anchorCtr="0">
+          <a:bodyPr anchorCtr="0" anchor="t" bIns="91425" lIns="91425" spcFirstLastPara="1" rIns="91425" wrap="square" tIns="91425">
             <a:normAutofit/>
           </a:bodyPr>
           <a:lstStyle>
@@ -4297,19 +4280,15 @@
               <a:defRPr/>
             </a:lvl9pPr>
           </a:lstStyle>
-          <a:p>
-            <a:endParaRPr/>
-          </a:p>
+          <a:p/>
         </p:txBody>
       </p:sp>
       <p:sp>
         <p:nvSpPr>
           <p:cNvPr id="29" name="Google Shape;29;p6"/>
-          <p:cNvSpPr txBox="1">
-            <a:spLocks noGrp="1"/>
-          </p:cNvSpPr>
+          <p:cNvSpPr txBox="1"/>
           <p:nvPr>
-            <p:ph type="sldNum" idx="12"/>
+            <p:ph idx="12" type="sldNum"/>
           </p:nvPr>
         </p:nvSpPr>
         <p:spPr>
@@ -4322,7 +4301,7 @@
           </a:prstGeom>
         </p:spPr>
         <p:txBody>
-          <a:bodyPr spcFirstLastPara="1" wrap="square" lIns="91425" tIns="91425" rIns="91425" bIns="91425" anchor="ctr" anchorCtr="0">
+          <a:bodyPr anchorCtr="0" anchor="ctr" bIns="91425" lIns="91425" spcFirstLastPara="1" rIns="91425" wrap="square" tIns="91425">
             <a:normAutofit/>
           </a:bodyPr>
           <a:lstStyle>
@@ -4364,7 +4343,7 @@
             </a:lvl9pPr>
           </a:lstStyle>
           <a:p>
-            <a:pPr marL="0" lvl="0" indent="0" algn="r" rtl="0">
+            <a:pPr indent="0" lvl="0" marL="0" rtl="0" algn="r">
               <a:spcBef>
                 <a:spcPts val="0"/>
               </a:spcBef>
@@ -4390,11 +4369,11 @@
 </file>
 
 <file path=ppt/slideLayouts/slideLayout6.xml><?xml version="1.0" encoding="utf-8"?>
-<p:sldLayout xmlns:a="http://schemas.openxmlformats.org/drawingml/2006/main" xmlns:r="http://schemas.openxmlformats.org/officeDocument/2006/relationships" xmlns:p="http://schemas.openxmlformats.org/presentationml/2006/main" matchingName="One column text">
+<p:sldLayout xmlns:a="http://schemas.openxmlformats.org/drawingml/2006/main" xmlns:r="http://schemas.openxmlformats.org/officeDocument/2006/relationships" xmlns:mc="http://schemas.openxmlformats.org/markup-compatibility/2006" xmlns:mv="urn:schemas-microsoft-com:mac:vml" xmlns:p="http://schemas.openxmlformats.org/presentationml/2006/main" xmlns:c="http://schemas.openxmlformats.org/drawingml/2006/chart" xmlns:dgm="http://schemas.openxmlformats.org/drawingml/2006/diagram" xmlns:o="urn:schemas-microsoft-com:office:office" xmlns:v="urn:schemas-microsoft-com:vml" xmlns:pvml="urn:schemas-microsoft-com:office:powerpoint" xmlns:com="http://schemas.openxmlformats.org/drawingml/2006/compatibility" xmlns:p14="http://schemas.microsoft.com/office/powerpoint/2010/main" xmlns:p15="http://schemas.microsoft.com/office/powerpoint/2012/main" xmlns:ahyp="http://schemas.microsoft.com/office/drawing/2018/hyperlinkcolor" matchingName="One column text">
   <p:cSld name="ONE_COLUMN_TEXT">
     <p:spTree>
       <p:nvGrpSpPr>
-        <p:cNvPr id="1" name="Shape 30"/>
+        <p:cNvPr id="30" name="Shape 30"/>
         <p:cNvGrpSpPr/>
         <p:nvPr/>
       </p:nvGrpSpPr>
@@ -4409,9 +4388,7 @@
       <p:sp>
         <p:nvSpPr>
           <p:cNvPr id="31" name="Google Shape;31;p7"/>
-          <p:cNvSpPr txBox="1">
-            <a:spLocks noGrp="1"/>
-          </p:cNvSpPr>
+          <p:cNvSpPr txBox="1"/>
           <p:nvPr>
             <p:ph type="title"/>
           </p:nvPr>
@@ -4426,7 +4403,7 @@
           </a:prstGeom>
         </p:spPr>
         <p:txBody>
-          <a:bodyPr spcFirstLastPara="1" wrap="square" lIns="91425" tIns="91425" rIns="91425" bIns="91425" anchor="b" anchorCtr="0">
+          <a:bodyPr anchorCtr="0" anchor="b" bIns="91425" lIns="91425" spcFirstLastPara="1" rIns="91425" wrap="square" tIns="91425">
             <a:normAutofit/>
           </a:bodyPr>
           <a:lstStyle>
@@ -4530,19 +4507,15 @@
               <a:defRPr sz="2400"/>
             </a:lvl9pPr>
           </a:lstStyle>
-          <a:p>
-            <a:endParaRPr/>
-          </a:p>
+          <a:p/>
         </p:txBody>
       </p:sp>
       <p:sp>
         <p:nvSpPr>
           <p:cNvPr id="32" name="Google Shape;32;p7"/>
-          <p:cNvSpPr txBox="1">
-            <a:spLocks noGrp="1"/>
-          </p:cNvSpPr>
+          <p:cNvSpPr txBox="1"/>
           <p:nvPr>
-            <p:ph type="body" idx="1"/>
+            <p:ph idx="1" type="body"/>
           </p:nvPr>
         </p:nvSpPr>
         <p:spPr>
@@ -4555,11 +4528,11 @@
           </a:prstGeom>
         </p:spPr>
         <p:txBody>
-          <a:bodyPr spcFirstLastPara="1" wrap="square" lIns="91425" tIns="91425" rIns="91425" bIns="91425" anchor="t" anchorCtr="0">
+          <a:bodyPr anchorCtr="0" anchor="t" bIns="91425" lIns="91425" spcFirstLastPara="1" rIns="91425" wrap="square" tIns="91425">
             <a:normAutofit/>
           </a:bodyPr>
           <a:lstStyle>
-            <a:lvl1pPr marL="457200" lvl="0" indent="-304800">
+            <a:lvl1pPr indent="-304800" lvl="0" marL="457200">
               <a:spcBef>
                 <a:spcPts val="0"/>
               </a:spcBef>
@@ -4570,7 +4543,7 @@
               <a:buChar char="●"/>
               <a:defRPr sz="1200"/>
             </a:lvl1pPr>
-            <a:lvl2pPr marL="914400" lvl="1" indent="-304800">
+            <a:lvl2pPr indent="-304800" lvl="1" marL="914400">
               <a:spcBef>
                 <a:spcPts val="0"/>
               </a:spcBef>
@@ -4581,7 +4554,7 @@
               <a:buChar char="○"/>
               <a:defRPr sz="1200"/>
             </a:lvl2pPr>
-            <a:lvl3pPr marL="1371600" lvl="2" indent="-304800">
+            <a:lvl3pPr indent="-304800" lvl="2" marL="1371600">
               <a:spcBef>
                 <a:spcPts val="0"/>
               </a:spcBef>
@@ -4592,7 +4565,7 @@
               <a:buChar char="■"/>
               <a:defRPr sz="1200"/>
             </a:lvl3pPr>
-            <a:lvl4pPr marL="1828800" lvl="3" indent="-304800">
+            <a:lvl4pPr indent="-304800" lvl="3" marL="1828800">
               <a:spcBef>
                 <a:spcPts val="0"/>
               </a:spcBef>
@@ -4603,7 +4576,7 @@
               <a:buChar char="●"/>
               <a:defRPr sz="1200"/>
             </a:lvl4pPr>
-            <a:lvl5pPr marL="2286000" lvl="4" indent="-304800">
+            <a:lvl5pPr indent="-304800" lvl="4" marL="2286000">
               <a:spcBef>
                 <a:spcPts val="0"/>
               </a:spcBef>
@@ -4614,7 +4587,7 @@
               <a:buChar char="○"/>
               <a:defRPr sz="1200"/>
             </a:lvl5pPr>
-            <a:lvl6pPr marL="2743200" lvl="5" indent="-304800">
+            <a:lvl6pPr indent="-304800" lvl="5" marL="2743200">
               <a:spcBef>
                 <a:spcPts val="0"/>
               </a:spcBef>
@@ -4625,7 +4598,7 @@
               <a:buChar char="■"/>
               <a:defRPr sz="1200"/>
             </a:lvl6pPr>
-            <a:lvl7pPr marL="3200400" lvl="6" indent="-304800">
+            <a:lvl7pPr indent="-304800" lvl="6" marL="3200400">
               <a:spcBef>
                 <a:spcPts val="0"/>
               </a:spcBef>
@@ -4636,7 +4609,7 @@
               <a:buChar char="●"/>
               <a:defRPr sz="1200"/>
             </a:lvl7pPr>
-            <a:lvl8pPr marL="3657600" lvl="7" indent="-304800">
+            <a:lvl8pPr indent="-304800" lvl="7" marL="3657600">
               <a:spcBef>
                 <a:spcPts val="0"/>
               </a:spcBef>
@@ -4647,7 +4620,7 @@
               <a:buChar char="○"/>
               <a:defRPr sz="1200"/>
             </a:lvl8pPr>
-            <a:lvl9pPr marL="4114800" lvl="8" indent="-304800">
+            <a:lvl9pPr indent="-304800" lvl="8" marL="4114800">
               <a:spcBef>
                 <a:spcPts val="0"/>
               </a:spcBef>
@@ -4659,19 +4632,15 @@
               <a:defRPr sz="1200"/>
             </a:lvl9pPr>
           </a:lstStyle>
-          <a:p>
-            <a:endParaRPr/>
-          </a:p>
+          <a:p/>
         </p:txBody>
       </p:sp>
       <p:sp>
         <p:nvSpPr>
           <p:cNvPr id="33" name="Google Shape;33;p7"/>
-          <p:cNvSpPr txBox="1">
-            <a:spLocks noGrp="1"/>
-          </p:cNvSpPr>
+          <p:cNvSpPr txBox="1"/>
           <p:nvPr>
-            <p:ph type="sldNum" idx="12"/>
+            <p:ph idx="12" type="sldNum"/>
           </p:nvPr>
         </p:nvSpPr>
         <p:spPr>
@@ -4684,7 +4653,7 @@
           </a:prstGeom>
         </p:spPr>
         <p:txBody>
-          <a:bodyPr spcFirstLastPara="1" wrap="square" lIns="91425" tIns="91425" rIns="91425" bIns="91425" anchor="ctr" anchorCtr="0">
+          <a:bodyPr anchorCtr="0" anchor="ctr" bIns="91425" lIns="91425" spcFirstLastPara="1" rIns="91425" wrap="square" tIns="91425">
             <a:normAutofit/>
           </a:bodyPr>
           <a:lstStyle>
@@ -4726,7 +4695,7 @@
             </a:lvl9pPr>
           </a:lstStyle>
           <a:p>
-            <a:pPr marL="0" lvl="0" indent="0" algn="r" rtl="0">
+            <a:pPr indent="0" lvl="0" marL="0" rtl="0" algn="r">
               <a:spcBef>
                 <a:spcPts val="0"/>
               </a:spcBef>
@@ -4752,19 +4721,18 @@
 </file>
 
 <file path=ppt/slideLayouts/slideLayout7.xml><?xml version="1.0" encoding="utf-8"?>
-<p:sldLayout xmlns:a="http://schemas.openxmlformats.org/drawingml/2006/main" xmlns:r="http://schemas.openxmlformats.org/officeDocument/2006/relationships" xmlns:p="http://schemas.openxmlformats.org/presentationml/2006/main" matchingName="Main point">
+<p:sldLayout xmlns:a="http://schemas.openxmlformats.org/drawingml/2006/main" xmlns:r="http://schemas.openxmlformats.org/officeDocument/2006/relationships" xmlns:mc="http://schemas.openxmlformats.org/markup-compatibility/2006" xmlns:mv="urn:schemas-microsoft-com:mac:vml" xmlns:p="http://schemas.openxmlformats.org/presentationml/2006/main" xmlns:c="http://schemas.openxmlformats.org/drawingml/2006/chart" xmlns:dgm="http://schemas.openxmlformats.org/drawingml/2006/diagram" xmlns:o="urn:schemas-microsoft-com:office:office" xmlns:v="urn:schemas-microsoft-com:vml" xmlns:pvml="urn:schemas-microsoft-com:office:powerpoint" xmlns:com="http://schemas.openxmlformats.org/drawingml/2006/compatibility" xmlns:p14="http://schemas.microsoft.com/office/powerpoint/2010/main" xmlns:p15="http://schemas.microsoft.com/office/powerpoint/2012/main" xmlns:ahyp="http://schemas.microsoft.com/office/drawing/2018/hyperlinkcolor" matchingName="Main point">
   <p:cSld name="MAIN_POINT">
     <p:bg>
       <p:bgPr>
         <a:solidFill>
           <a:schemeClr val="accent2"/>
         </a:solidFill>
-        <a:effectLst/>
       </p:bgPr>
     </p:bg>
     <p:spTree>
       <p:nvGrpSpPr>
-        <p:cNvPr id="1" name="Shape 34"/>
+        <p:cNvPr id="34" name="Shape 34"/>
         <p:cNvGrpSpPr/>
         <p:nvPr/>
       </p:nvGrpSpPr>
@@ -4779,9 +4747,7 @@
       <p:sp>
         <p:nvSpPr>
           <p:cNvPr id="35" name="Google Shape;35;p8"/>
-          <p:cNvSpPr txBox="1">
-            <a:spLocks noGrp="1"/>
-          </p:cNvSpPr>
+          <p:cNvSpPr txBox="1"/>
           <p:nvPr>
             <p:ph type="title"/>
           </p:nvPr>
@@ -4796,7 +4762,7 @@
           </a:prstGeom>
         </p:spPr>
         <p:txBody>
-          <a:bodyPr spcFirstLastPara="1" wrap="square" lIns="91425" tIns="91425" rIns="91425" bIns="91425" anchor="ctr" anchorCtr="0">
+          <a:bodyPr anchorCtr="0" anchor="ctr" bIns="91425" lIns="91425" spcFirstLastPara="1" rIns="91425" wrap="square" tIns="91425">
             <a:normAutofit/>
           </a:bodyPr>
           <a:lstStyle>
@@ -4963,19 +4929,15 @@
               </a:defRPr>
             </a:lvl9pPr>
           </a:lstStyle>
-          <a:p>
-            <a:endParaRPr/>
-          </a:p>
+          <a:p/>
         </p:txBody>
       </p:sp>
       <p:sp>
         <p:nvSpPr>
           <p:cNvPr id="36" name="Google Shape;36;p8"/>
-          <p:cNvSpPr txBox="1">
-            <a:spLocks noGrp="1"/>
-          </p:cNvSpPr>
+          <p:cNvSpPr txBox="1"/>
           <p:nvPr>
-            <p:ph type="sldNum" idx="12"/>
+            <p:ph idx="12" type="sldNum"/>
           </p:nvPr>
         </p:nvSpPr>
         <p:spPr>
@@ -4988,7 +4950,7 @@
           </a:prstGeom>
         </p:spPr>
         <p:txBody>
-          <a:bodyPr spcFirstLastPara="1" wrap="square" lIns="91425" tIns="91425" rIns="91425" bIns="91425" anchor="ctr" anchorCtr="0">
+          <a:bodyPr anchorCtr="0" anchor="ctr" bIns="91425" lIns="91425" spcFirstLastPara="1" rIns="91425" wrap="square" tIns="91425">
             <a:normAutofit/>
           </a:bodyPr>
           <a:lstStyle>
@@ -5066,7 +5028,7 @@
             </a:lvl9pPr>
           </a:lstStyle>
           <a:p>
-            <a:pPr marL="0" lvl="0" indent="0" algn="r" rtl="0">
+            <a:pPr indent="0" lvl="0" marL="0" rtl="0" algn="r">
               <a:spcBef>
                 <a:spcPts val="0"/>
               </a:spcBef>
@@ -5092,11 +5054,11 @@
 </file>
 
 <file path=ppt/slideLayouts/slideLayout8.xml><?xml version="1.0" encoding="utf-8"?>
-<p:sldLayout xmlns:a="http://schemas.openxmlformats.org/drawingml/2006/main" xmlns:r="http://schemas.openxmlformats.org/officeDocument/2006/relationships" xmlns:p="http://schemas.openxmlformats.org/presentationml/2006/main" matchingName="Section title and description">
+<p:sldLayout xmlns:a="http://schemas.openxmlformats.org/drawingml/2006/main" xmlns:r="http://schemas.openxmlformats.org/officeDocument/2006/relationships" xmlns:mc="http://schemas.openxmlformats.org/markup-compatibility/2006" xmlns:mv="urn:schemas-microsoft-com:mac:vml" xmlns:p="http://schemas.openxmlformats.org/presentationml/2006/main" xmlns:c="http://schemas.openxmlformats.org/drawingml/2006/chart" xmlns:dgm="http://schemas.openxmlformats.org/drawingml/2006/diagram" xmlns:o="urn:schemas-microsoft-com:office:office" xmlns:v="urn:schemas-microsoft-com:vml" xmlns:pvml="urn:schemas-microsoft-com:office:powerpoint" xmlns:com="http://schemas.openxmlformats.org/drawingml/2006/compatibility" xmlns:p14="http://schemas.microsoft.com/office/powerpoint/2010/main" xmlns:p15="http://schemas.microsoft.com/office/powerpoint/2012/main" xmlns:ahyp="http://schemas.microsoft.com/office/drawing/2018/hyperlinkcolor" matchingName="Section title and description">
   <p:cSld name="SECTION_TITLE_AND_DESCRIPTION">
     <p:spTree>
       <p:nvGrpSpPr>
-        <p:cNvPr id="1" name="Shape 37"/>
+        <p:cNvPr id="37" name="Shape 37"/>
         <p:cNvGrpSpPr/>
         <p:nvPr/>
       </p:nvGrpSpPr>
@@ -5130,12 +5092,12 @@
           </a:ln>
         </p:spPr>
         <p:txBody>
-          <a:bodyPr spcFirstLastPara="1" wrap="square" lIns="91425" tIns="91425" rIns="91425" bIns="91425" anchor="ctr" anchorCtr="0">
+          <a:bodyPr anchorCtr="0" anchor="ctr" bIns="91425" lIns="91425" spcFirstLastPara="1" rIns="91425" wrap="square" tIns="91425">
             <a:noAutofit/>
           </a:bodyPr>
           <a:lstStyle/>
           <a:p>
-            <a:pPr marL="0" lvl="0" indent="0" algn="l" rtl="0">
+            <a:pPr indent="0" lvl="0" marL="0" rtl="0" algn="l">
               <a:spcBef>
                 <a:spcPts val="0"/>
               </a:spcBef>
@@ -5144,6 +5106,9 @@
               </a:spcAft>
               <a:buNone/>
             </a:pPr>
+            <a:r>
+              <a:t/>
+            </a:r>
             <a:endParaRPr/>
           </a:p>
         </p:txBody>
@@ -5163,23 +5128,21 @@
             <a:avLst/>
           </a:prstGeom>
           <a:noFill/>
-          <a:ln w="19050" cap="flat" cmpd="sng">
+          <a:ln cap="flat" cmpd="sng" w="19050">
             <a:solidFill>
               <a:schemeClr val="lt1"/>
             </a:solidFill>
             <a:prstDash val="solid"/>
             <a:round/>
-            <a:headEnd type="none" w="sm" len="sm"/>
-            <a:tailEnd type="none" w="sm" len="sm"/>
+            <a:headEnd len="sm" w="sm" type="none"/>
+            <a:tailEnd len="sm" w="sm" type="none"/>
           </a:ln>
         </p:spPr>
       </p:cxnSp>
       <p:sp>
         <p:nvSpPr>
           <p:cNvPr id="40" name="Google Shape;40;p9"/>
-          <p:cNvSpPr txBox="1">
-            <a:spLocks noGrp="1"/>
-          </p:cNvSpPr>
+          <p:cNvSpPr txBox="1"/>
           <p:nvPr>
             <p:ph type="title"/>
           </p:nvPr>
@@ -5194,7 +5157,7 @@
           </a:prstGeom>
         </p:spPr>
         <p:txBody>
-          <a:bodyPr spcFirstLastPara="1" wrap="square" lIns="91425" tIns="91425" rIns="91425" bIns="91425" anchor="b" anchorCtr="0">
+          <a:bodyPr anchorCtr="0" anchor="b" bIns="91425" lIns="91425" spcFirstLastPara="1" rIns="91425" wrap="square" tIns="91425">
             <a:normAutofit/>
           </a:bodyPr>
           <a:lstStyle>
@@ -5298,19 +5261,15 @@
               <a:defRPr sz="3800"/>
             </a:lvl9pPr>
           </a:lstStyle>
-          <a:p>
-            <a:endParaRPr/>
-          </a:p>
+          <a:p/>
         </p:txBody>
       </p:sp>
       <p:sp>
         <p:nvSpPr>
           <p:cNvPr id="41" name="Google Shape;41;p9"/>
-          <p:cNvSpPr txBox="1">
-            <a:spLocks noGrp="1"/>
-          </p:cNvSpPr>
+          <p:cNvSpPr txBox="1"/>
           <p:nvPr>
-            <p:ph type="subTitle" idx="1"/>
+            <p:ph idx="1" type="subTitle"/>
           </p:nvPr>
         </p:nvSpPr>
         <p:spPr>
@@ -5323,7 +5282,7 @@
           </a:prstGeom>
         </p:spPr>
         <p:txBody>
-          <a:bodyPr spcFirstLastPara="1" wrap="square" lIns="91425" tIns="91425" rIns="91425" bIns="91425" anchor="t" anchorCtr="0">
+          <a:bodyPr anchorCtr="0" anchor="t" bIns="91425" lIns="91425" spcFirstLastPara="1" rIns="91425" wrap="square" tIns="91425">
             <a:normAutofit/>
           </a:bodyPr>
           <a:lstStyle>
@@ -5454,19 +5413,15 @@
               <a:defRPr sz="2100"/>
             </a:lvl9pPr>
           </a:lstStyle>
-          <a:p>
-            <a:endParaRPr/>
-          </a:p>
+          <a:p/>
         </p:txBody>
       </p:sp>
       <p:sp>
         <p:nvSpPr>
           <p:cNvPr id="42" name="Google Shape;42;p9"/>
-          <p:cNvSpPr txBox="1">
-            <a:spLocks noGrp="1"/>
-          </p:cNvSpPr>
+          <p:cNvSpPr txBox="1"/>
           <p:nvPr>
-            <p:ph type="body" idx="2"/>
+            <p:ph idx="2" type="body"/>
           </p:nvPr>
         </p:nvSpPr>
         <p:spPr>
@@ -5479,11 +5434,11 @@
           </a:prstGeom>
         </p:spPr>
         <p:txBody>
-          <a:bodyPr spcFirstLastPara="1" wrap="square" lIns="91425" tIns="91425" rIns="91425" bIns="91425" anchor="ctr" anchorCtr="0">
+          <a:bodyPr anchorCtr="0" anchor="ctr" bIns="91425" lIns="91425" spcFirstLastPara="1" rIns="91425" wrap="square" tIns="91425">
             <a:normAutofit/>
           </a:bodyPr>
           <a:lstStyle>
-            <a:lvl1pPr marL="457200" lvl="0" indent="-342900">
+            <a:lvl1pPr indent="-342900" lvl="0" marL="457200">
               <a:spcBef>
                 <a:spcPts val="0"/>
               </a:spcBef>
@@ -5501,7 +5456,7 @@
                 </a:solidFill>
               </a:defRPr>
             </a:lvl1pPr>
-            <a:lvl2pPr marL="914400" lvl="1" indent="-317500">
+            <a:lvl2pPr indent="-317500" lvl="1" marL="914400">
               <a:spcBef>
                 <a:spcPts val="0"/>
               </a:spcBef>
@@ -5519,7 +5474,7 @@
                 </a:solidFill>
               </a:defRPr>
             </a:lvl2pPr>
-            <a:lvl3pPr marL="1371600" lvl="2" indent="-317500">
+            <a:lvl3pPr indent="-317500" lvl="2" marL="1371600">
               <a:spcBef>
                 <a:spcPts val="0"/>
               </a:spcBef>
@@ -5537,7 +5492,7 @@
                 </a:solidFill>
               </a:defRPr>
             </a:lvl3pPr>
-            <a:lvl4pPr marL="1828800" lvl="3" indent="-317500">
+            <a:lvl4pPr indent="-317500" lvl="3" marL="1828800">
               <a:spcBef>
                 <a:spcPts val="0"/>
               </a:spcBef>
@@ -5555,7 +5510,7 @@
                 </a:solidFill>
               </a:defRPr>
             </a:lvl4pPr>
-            <a:lvl5pPr marL="2286000" lvl="4" indent="-317500">
+            <a:lvl5pPr indent="-317500" lvl="4" marL="2286000">
               <a:spcBef>
                 <a:spcPts val="0"/>
               </a:spcBef>
@@ -5573,7 +5528,7 @@
                 </a:solidFill>
               </a:defRPr>
             </a:lvl5pPr>
-            <a:lvl6pPr marL="2743200" lvl="5" indent="-317500">
+            <a:lvl6pPr indent="-317500" lvl="5" marL="2743200">
               <a:spcBef>
                 <a:spcPts val="0"/>
               </a:spcBef>
@@ -5591,7 +5546,7 @@
                 </a:solidFill>
               </a:defRPr>
             </a:lvl6pPr>
-            <a:lvl7pPr marL="3200400" lvl="6" indent="-317500">
+            <a:lvl7pPr indent="-317500" lvl="6" marL="3200400">
               <a:spcBef>
                 <a:spcPts val="0"/>
               </a:spcBef>
@@ -5609,7 +5564,7 @@
                 </a:solidFill>
               </a:defRPr>
             </a:lvl7pPr>
-            <a:lvl8pPr marL="3657600" lvl="7" indent="-317500">
+            <a:lvl8pPr indent="-317500" lvl="7" marL="3657600">
               <a:spcBef>
                 <a:spcPts val="0"/>
               </a:spcBef>
@@ -5627,7 +5582,7 @@
                 </a:solidFill>
               </a:defRPr>
             </a:lvl8pPr>
-            <a:lvl9pPr marL="4114800" lvl="8" indent="-317500">
+            <a:lvl9pPr indent="-317500" lvl="8" marL="4114800">
               <a:spcBef>
                 <a:spcPts val="0"/>
               </a:spcBef>
@@ -5646,19 +5601,15 @@
               </a:defRPr>
             </a:lvl9pPr>
           </a:lstStyle>
-          <a:p>
-            <a:endParaRPr/>
-          </a:p>
+          <a:p/>
         </p:txBody>
       </p:sp>
       <p:sp>
         <p:nvSpPr>
           <p:cNvPr id="43" name="Google Shape;43;p9"/>
-          <p:cNvSpPr txBox="1">
-            <a:spLocks noGrp="1"/>
-          </p:cNvSpPr>
+          <p:cNvSpPr txBox="1"/>
           <p:nvPr>
-            <p:ph type="sldNum" idx="12"/>
+            <p:ph idx="12" type="sldNum"/>
           </p:nvPr>
         </p:nvSpPr>
         <p:spPr>
@@ -5671,7 +5622,7 @@
           </a:prstGeom>
         </p:spPr>
         <p:txBody>
-          <a:bodyPr spcFirstLastPara="1" wrap="square" lIns="91425" tIns="91425" rIns="91425" bIns="91425" anchor="ctr" anchorCtr="0">
+          <a:bodyPr anchorCtr="0" anchor="ctr" bIns="91425" lIns="91425" spcFirstLastPara="1" rIns="91425" wrap="square" tIns="91425">
             <a:normAutofit/>
           </a:bodyPr>
           <a:lstStyle>
@@ -5749,7 +5700,7 @@
             </a:lvl9pPr>
           </a:lstStyle>
           <a:p>
-            <a:pPr marL="0" lvl="0" indent="0" algn="r" rtl="0">
+            <a:pPr indent="0" lvl="0" marL="0" rtl="0" algn="r">
               <a:spcBef>
                 <a:spcPts val="0"/>
               </a:spcBef>
@@ -5775,11 +5726,11 @@
 </file>
 
 <file path=ppt/slideLayouts/slideLayout9.xml><?xml version="1.0" encoding="utf-8"?>
-<p:sldLayout xmlns:a="http://schemas.openxmlformats.org/drawingml/2006/main" xmlns:r="http://schemas.openxmlformats.org/officeDocument/2006/relationships" xmlns:p="http://schemas.openxmlformats.org/presentationml/2006/main" matchingName="Caption">
+<p:sldLayout xmlns:a="http://schemas.openxmlformats.org/drawingml/2006/main" xmlns:r="http://schemas.openxmlformats.org/officeDocument/2006/relationships" xmlns:mc="http://schemas.openxmlformats.org/markup-compatibility/2006" xmlns:mv="urn:schemas-microsoft-com:mac:vml" xmlns:p="http://schemas.openxmlformats.org/presentationml/2006/main" xmlns:c="http://schemas.openxmlformats.org/drawingml/2006/chart" xmlns:dgm="http://schemas.openxmlformats.org/drawingml/2006/diagram" xmlns:o="urn:schemas-microsoft-com:office:office" xmlns:v="urn:schemas-microsoft-com:vml" xmlns:pvml="urn:schemas-microsoft-com:office:powerpoint" xmlns:com="http://schemas.openxmlformats.org/drawingml/2006/compatibility" xmlns:p14="http://schemas.microsoft.com/office/powerpoint/2010/main" xmlns:p15="http://schemas.microsoft.com/office/powerpoint/2012/main" xmlns:ahyp="http://schemas.microsoft.com/office/drawing/2018/hyperlinkcolor" matchingName="Caption">
   <p:cSld name="CAPTION_ONLY">
     <p:spTree>
       <p:nvGrpSpPr>
-        <p:cNvPr id="1" name="Shape 44"/>
+        <p:cNvPr id="44" name="Shape 44"/>
         <p:cNvGrpSpPr/>
         <p:nvPr/>
       </p:nvGrpSpPr>
@@ -5794,11 +5745,9 @@
       <p:sp>
         <p:nvSpPr>
           <p:cNvPr id="45" name="Google Shape;45;p10"/>
-          <p:cNvSpPr txBox="1">
-            <a:spLocks noGrp="1"/>
-          </p:cNvSpPr>
+          <p:cNvSpPr txBox="1"/>
           <p:nvPr>
-            <p:ph type="body" idx="1"/>
+            <p:ph idx="1" type="body"/>
           </p:nvPr>
         </p:nvSpPr>
         <p:spPr>
@@ -5811,11 +5760,11 @@
           </a:prstGeom>
         </p:spPr>
         <p:txBody>
-          <a:bodyPr spcFirstLastPara="1" wrap="square" lIns="91425" tIns="91425" rIns="91425" bIns="91425" anchor="ctr" anchorCtr="0">
+          <a:bodyPr anchorCtr="0" anchor="ctr" bIns="91425" lIns="91425" spcFirstLastPara="1" rIns="91425" wrap="square" tIns="91425">
             <a:normAutofit/>
           </a:bodyPr>
           <a:lstStyle>
-            <a:lvl1pPr marL="457200" lvl="0" indent="-228600">
+            <a:lvl1pPr indent="-228600" lvl="0" marL="457200">
               <a:lnSpc>
                 <a:spcPct val="100000"/>
               </a:lnSpc>
@@ -5830,19 +5779,15 @@
               <a:defRPr sz="2100"/>
             </a:lvl1pPr>
           </a:lstStyle>
-          <a:p>
-            <a:endParaRPr/>
-          </a:p>
+          <a:p/>
         </p:txBody>
       </p:sp>
       <p:sp>
         <p:nvSpPr>
           <p:cNvPr id="46" name="Google Shape;46;p10"/>
-          <p:cNvSpPr txBox="1">
-            <a:spLocks noGrp="1"/>
-          </p:cNvSpPr>
+          <p:cNvSpPr txBox="1"/>
           <p:nvPr>
-            <p:ph type="sldNum" idx="12"/>
+            <p:ph idx="12" type="sldNum"/>
           </p:nvPr>
         </p:nvSpPr>
         <p:spPr>
@@ -5855,7 +5800,7 @@
           </a:prstGeom>
         </p:spPr>
         <p:txBody>
-          <a:bodyPr spcFirstLastPara="1" wrap="square" lIns="91425" tIns="91425" rIns="91425" bIns="91425" anchor="ctr" anchorCtr="0">
+          <a:bodyPr anchorCtr="0" anchor="ctr" bIns="91425" lIns="91425" spcFirstLastPara="1" rIns="91425" wrap="square" tIns="91425">
             <a:normAutofit/>
           </a:bodyPr>
           <a:lstStyle>
@@ -5897,7 +5842,7 @@
             </a:lvl9pPr>
           </a:lstStyle>
           <a:p>
-            <a:pPr marL="0" lvl="0" indent="0" algn="r" rtl="0">
+            <a:pPr indent="0" lvl="0" marL="0" rtl="0" algn="r">
               <a:spcBef>
                 <a:spcPts val="0"/>
               </a:spcBef>
@@ -5923,19 +5868,18 @@
 </file>
 
 <file path=ppt/slideMasters/slideMaster1.xml><?xml version="1.0" encoding="utf-8"?>
-<p:sldMaster xmlns:a="http://schemas.openxmlformats.org/drawingml/2006/main" xmlns:r="http://schemas.openxmlformats.org/officeDocument/2006/relationships" xmlns:p="http://schemas.openxmlformats.org/presentationml/2006/main">
+<p:sldMaster xmlns:a="http://schemas.openxmlformats.org/drawingml/2006/main" xmlns:r="http://schemas.openxmlformats.org/officeDocument/2006/relationships" xmlns:mc="http://schemas.openxmlformats.org/markup-compatibility/2006" xmlns:mv="urn:schemas-microsoft-com:mac:vml" xmlns:p="http://schemas.openxmlformats.org/presentationml/2006/main" xmlns:c="http://schemas.openxmlformats.org/drawingml/2006/chart" xmlns:dgm="http://schemas.openxmlformats.org/drawingml/2006/diagram" xmlns:o="urn:schemas-microsoft-com:office:office" xmlns:v="urn:schemas-microsoft-com:vml" xmlns:pvml="urn:schemas-microsoft-com:office:powerpoint" xmlns:com="http://schemas.openxmlformats.org/drawingml/2006/compatibility" xmlns:p14="http://schemas.microsoft.com/office/powerpoint/2010/main" xmlns:p15="http://schemas.microsoft.com/office/powerpoint/2012/main" xmlns:ahyp="http://schemas.microsoft.com/office/drawing/2018/hyperlinkcolor">
   <p:cSld name="plum">
     <p:bg>
       <p:bgPr>
         <a:solidFill>
           <a:schemeClr val="lt1"/>
         </a:solidFill>
-        <a:effectLst/>
       </p:bgPr>
     </p:bg>
     <p:spTree>
       <p:nvGrpSpPr>
-        <p:cNvPr id="1" name="Shape 5"/>
+        <p:cNvPr id="5" name="Shape 5"/>
         <p:cNvGrpSpPr/>
         <p:nvPr/>
       </p:nvGrpSpPr>
@@ -5950,9 +5894,7 @@
       <p:sp>
         <p:nvSpPr>
           <p:cNvPr id="6" name="Google Shape;6;p1"/>
-          <p:cNvSpPr txBox="1">
-            <a:spLocks noGrp="1"/>
-          </p:cNvSpPr>
+          <p:cNvSpPr txBox="1"/>
           <p:nvPr>
             <p:ph type="title"/>
           </p:nvPr>
@@ -5971,7 +5913,7 @@
           </a:ln>
         </p:spPr>
         <p:txBody>
-          <a:bodyPr spcFirstLastPara="1" wrap="square" lIns="91425" tIns="91425" rIns="91425" bIns="91425" anchor="t" anchorCtr="0">
+          <a:bodyPr anchorCtr="0" anchor="t" bIns="91425" lIns="91425" spcFirstLastPara="1" rIns="91425" wrap="square" tIns="91425">
             <a:normAutofit/>
           </a:bodyPr>
           <a:lstStyle>
@@ -5988,7 +5930,7 @@
               <a:buSzPts val="3000"/>
               <a:buFont typeface="Raleway"/>
               <a:buNone/>
-              <a:defRPr sz="3000" b="1">
+              <a:defRPr b="1" sz="3000">
                 <a:solidFill>
                   <a:schemeClr val="dk2"/>
                 </a:solidFill>
@@ -6011,7 +5953,7 @@
               <a:buSzPts val="3000"/>
               <a:buFont typeface="Raleway"/>
               <a:buNone/>
-              <a:defRPr sz="3000" b="1">
+              <a:defRPr b="1" sz="3000">
                 <a:solidFill>
                   <a:schemeClr val="dk2"/>
                 </a:solidFill>
@@ -6034,7 +5976,7 @@
               <a:buSzPts val="3000"/>
               <a:buFont typeface="Raleway"/>
               <a:buNone/>
-              <a:defRPr sz="3000" b="1">
+              <a:defRPr b="1" sz="3000">
                 <a:solidFill>
                   <a:schemeClr val="dk2"/>
                 </a:solidFill>
@@ -6057,7 +5999,7 @@
               <a:buSzPts val="3000"/>
               <a:buFont typeface="Raleway"/>
               <a:buNone/>
-              <a:defRPr sz="3000" b="1">
+              <a:defRPr b="1" sz="3000">
                 <a:solidFill>
                   <a:schemeClr val="dk2"/>
                 </a:solidFill>
@@ -6080,7 +6022,7 @@
               <a:buSzPts val="3000"/>
               <a:buFont typeface="Raleway"/>
               <a:buNone/>
-              <a:defRPr sz="3000" b="1">
+              <a:defRPr b="1" sz="3000">
                 <a:solidFill>
                   <a:schemeClr val="dk2"/>
                 </a:solidFill>
@@ -6103,7 +6045,7 @@
               <a:buSzPts val="3000"/>
               <a:buFont typeface="Raleway"/>
               <a:buNone/>
-              <a:defRPr sz="3000" b="1">
+              <a:defRPr b="1" sz="3000">
                 <a:solidFill>
                   <a:schemeClr val="dk2"/>
                 </a:solidFill>
@@ -6126,7 +6068,7 @@
               <a:buSzPts val="3000"/>
               <a:buFont typeface="Raleway"/>
               <a:buNone/>
-              <a:defRPr sz="3000" b="1">
+              <a:defRPr b="1" sz="3000">
                 <a:solidFill>
                   <a:schemeClr val="dk2"/>
                 </a:solidFill>
@@ -6149,7 +6091,7 @@
               <a:buSzPts val="3000"/>
               <a:buFont typeface="Raleway"/>
               <a:buNone/>
-              <a:defRPr sz="3000" b="1">
+              <a:defRPr b="1" sz="3000">
                 <a:solidFill>
                   <a:schemeClr val="dk2"/>
                 </a:solidFill>
@@ -6172,7 +6114,7 @@
               <a:buSzPts val="3000"/>
               <a:buFont typeface="Raleway"/>
               <a:buNone/>
-              <a:defRPr sz="3000" b="1">
+              <a:defRPr b="1" sz="3000">
                 <a:solidFill>
                   <a:schemeClr val="dk2"/>
                 </a:solidFill>
@@ -6183,19 +6125,15 @@
               </a:defRPr>
             </a:lvl9pPr>
           </a:lstStyle>
-          <a:p>
-            <a:endParaRPr/>
-          </a:p>
+          <a:p/>
         </p:txBody>
       </p:sp>
       <p:sp>
         <p:nvSpPr>
           <p:cNvPr id="7" name="Google Shape;7;p1"/>
-          <p:cNvSpPr txBox="1">
-            <a:spLocks noGrp="1"/>
-          </p:cNvSpPr>
+          <p:cNvSpPr txBox="1"/>
           <p:nvPr>
-            <p:ph type="body" idx="1"/>
+            <p:ph idx="1" type="body"/>
           </p:nvPr>
         </p:nvSpPr>
         <p:spPr>
@@ -6212,11 +6150,11 @@
           </a:ln>
         </p:spPr>
         <p:txBody>
-          <a:bodyPr spcFirstLastPara="1" wrap="square" lIns="91425" tIns="91425" rIns="91425" bIns="91425" anchor="t" anchorCtr="0">
+          <a:bodyPr anchorCtr="0" anchor="t" bIns="91425" lIns="91425" spcFirstLastPara="1" rIns="91425" wrap="square" tIns="91425">
             <a:normAutofit/>
           </a:bodyPr>
           <a:lstStyle>
-            <a:lvl1pPr marL="457200" lvl="0" indent="-342900">
+            <a:lvl1pPr indent="-342900" lvl="0" marL="457200">
               <a:lnSpc>
                 <a:spcPct val="115000"/>
               </a:lnSpc>
@@ -6242,7 +6180,7 @@
                 <a:sym typeface="Source Sans Pro"/>
               </a:defRPr>
             </a:lvl1pPr>
-            <a:lvl2pPr marL="914400" lvl="1" indent="-317500">
+            <a:lvl2pPr indent="-317500" lvl="1" marL="914400">
               <a:lnSpc>
                 <a:spcPct val="115000"/>
               </a:lnSpc>
@@ -6268,7 +6206,7 @@
                 <a:sym typeface="Source Sans Pro"/>
               </a:defRPr>
             </a:lvl2pPr>
-            <a:lvl3pPr marL="1371600" lvl="2" indent="-317500">
+            <a:lvl3pPr indent="-317500" lvl="2" marL="1371600">
               <a:lnSpc>
                 <a:spcPct val="115000"/>
               </a:lnSpc>
@@ -6294,7 +6232,7 @@
                 <a:sym typeface="Source Sans Pro"/>
               </a:defRPr>
             </a:lvl3pPr>
-            <a:lvl4pPr marL="1828800" lvl="3" indent="-317500">
+            <a:lvl4pPr indent="-317500" lvl="3" marL="1828800">
               <a:lnSpc>
                 <a:spcPct val="115000"/>
               </a:lnSpc>
@@ -6320,7 +6258,7 @@
                 <a:sym typeface="Source Sans Pro"/>
               </a:defRPr>
             </a:lvl4pPr>
-            <a:lvl5pPr marL="2286000" lvl="4" indent="-317500">
+            <a:lvl5pPr indent="-317500" lvl="4" marL="2286000">
               <a:lnSpc>
                 <a:spcPct val="115000"/>
               </a:lnSpc>
@@ -6346,7 +6284,7 @@
                 <a:sym typeface="Source Sans Pro"/>
               </a:defRPr>
             </a:lvl5pPr>
-            <a:lvl6pPr marL="2743200" lvl="5" indent="-317500">
+            <a:lvl6pPr indent="-317500" lvl="5" marL="2743200">
               <a:lnSpc>
                 <a:spcPct val="115000"/>
               </a:lnSpc>
@@ -6372,7 +6310,7 @@
                 <a:sym typeface="Source Sans Pro"/>
               </a:defRPr>
             </a:lvl6pPr>
-            <a:lvl7pPr marL="3200400" lvl="6" indent="-317500">
+            <a:lvl7pPr indent="-317500" lvl="6" marL="3200400">
               <a:lnSpc>
                 <a:spcPct val="115000"/>
               </a:lnSpc>
@@ -6398,7 +6336,7 @@
                 <a:sym typeface="Source Sans Pro"/>
               </a:defRPr>
             </a:lvl7pPr>
-            <a:lvl8pPr marL="3657600" lvl="7" indent="-317500">
+            <a:lvl8pPr indent="-317500" lvl="7" marL="3657600">
               <a:lnSpc>
                 <a:spcPct val="115000"/>
               </a:lnSpc>
@@ -6424,7 +6362,7 @@
                 <a:sym typeface="Source Sans Pro"/>
               </a:defRPr>
             </a:lvl8pPr>
-            <a:lvl9pPr marL="4114800" lvl="8" indent="-317500">
+            <a:lvl9pPr indent="-317500" lvl="8" marL="4114800">
               <a:lnSpc>
                 <a:spcPct val="115000"/>
               </a:lnSpc>
@@ -6451,19 +6389,15 @@
               </a:defRPr>
             </a:lvl9pPr>
           </a:lstStyle>
-          <a:p>
-            <a:endParaRPr/>
-          </a:p>
+          <a:p/>
         </p:txBody>
       </p:sp>
       <p:sp>
         <p:nvSpPr>
           <p:cNvPr id="8" name="Google Shape;8;p1"/>
-          <p:cNvSpPr txBox="1">
-            <a:spLocks noGrp="1"/>
-          </p:cNvSpPr>
+          <p:cNvSpPr txBox="1"/>
           <p:nvPr>
-            <p:ph type="sldNum" idx="12"/>
+            <p:ph idx="12" type="sldNum"/>
           </p:nvPr>
         </p:nvSpPr>
         <p:spPr>
@@ -6480,7 +6414,7 @@
           </a:ln>
         </p:spPr>
         <p:txBody>
-          <a:bodyPr spcFirstLastPara="1" wrap="square" lIns="91425" tIns="91425" rIns="91425" bIns="91425" anchor="ctr" anchorCtr="0">
+          <a:bodyPr anchorCtr="0" anchor="ctr" bIns="91425" lIns="91425" spcFirstLastPara="1" rIns="91425" wrap="square" tIns="91425">
             <a:normAutofit/>
           </a:bodyPr>
           <a:lstStyle>
@@ -6594,7 +6528,7 @@
             </a:lvl9pPr>
           </a:lstStyle>
           <a:p>
-            <a:pPr marL="0" lvl="0" indent="0" algn="r" rtl="0">
+            <a:pPr indent="0" lvl="0" marL="0" rtl="0" algn="r">
               <a:spcBef>
                 <a:spcPts val="0"/>
               </a:spcBef>
@@ -6613,7 +6547,7 @@
       </p:sp>
     </p:spTree>
   </p:cSld>
-  <p:clrMap bg1="lt1" tx1="dk1" bg2="dk2" tx2="lt2" accent1="accent1" accent2="accent2" accent3="accent3" accent4="accent4" accent5="accent5" accent6="accent6" hlink="hlink" folHlink="folHlink"/>
+  <p:clrMap accent1="accent1" accent2="accent2" accent3="accent3" accent4="accent4" accent5="accent5" accent6="accent6" bg1="lt1" bg2="dk2" tx1="dk1" tx2="lt2" folHlink="folHlink" hlink="hlink"/>
   <p:sldLayoutIdLst>
     <p:sldLayoutId id="2147483648" r:id="rId1"/>
     <p:sldLayoutId id="2147483649" r:id="rId2"/>
@@ -6627,10 +6561,10 @@
     <p:sldLayoutId id="2147483657" r:id="rId10"/>
     <p:sldLayoutId id="2147483658" r:id="rId11"/>
   </p:sldLayoutIdLst>
-  <p:hf sldNum="0" hdr="0" ftr="0" dt="0"/>
+  <p:hf dt="0" ftr="0" hdr="0" sldNum="0"/>
   <p:txStyles>
     <p:titleStyle>
-      <a:defPPr marR="0" lvl="0" algn="l" rtl="0">
+      <a:defPPr lvl="0" marR="0" rtl="0" algn="l">
         <a:lnSpc>
           <a:spcPct val="100000"/>
         </a:lnSpc>
@@ -6641,7 +6575,7 @@
           <a:spcPts val="0"/>
         </a:spcAft>
       </a:defPPr>
-      <a:lvl1pPr marR="0" lvl="0" algn="l" rtl="0">
+      <a:lvl1pPr lvl="0" marR="0" rtl="0" algn="l">
         <a:lnSpc>
           <a:spcPct val="100000"/>
         </a:lnSpc>
@@ -6655,7 +6589,7 @@
           <a:srgbClr val="000000"/>
         </a:buClr>
         <a:buFont typeface="Arial"/>
-        <a:defRPr sz="1400" b="0" i="0" u="none" strike="noStrike" cap="none">
+        <a:defRPr b="0" i="0" sz="1400" u="none" cap="none" strike="noStrike">
           <a:solidFill>
             <a:srgbClr val="000000"/>
           </a:solidFill>
@@ -6665,7 +6599,7 @@
           <a:sym typeface="Arial"/>
         </a:defRPr>
       </a:lvl1pPr>
-      <a:lvl2pPr marR="0" lvl="1" algn="l" rtl="0">
+      <a:lvl2pPr lvl="1" marR="0" rtl="0" algn="l">
         <a:lnSpc>
           <a:spcPct val="100000"/>
         </a:lnSpc>
@@ -6679,7 +6613,7 @@
           <a:srgbClr val="000000"/>
         </a:buClr>
         <a:buFont typeface="Arial"/>
-        <a:defRPr sz="1400" b="0" i="0" u="none" strike="noStrike" cap="none">
+        <a:defRPr b="0" i="0" sz="1400" u="none" cap="none" strike="noStrike">
           <a:solidFill>
             <a:srgbClr val="000000"/>
           </a:solidFill>
@@ -6689,7 +6623,7 @@
           <a:sym typeface="Arial"/>
         </a:defRPr>
       </a:lvl2pPr>
-      <a:lvl3pPr marR="0" lvl="2" algn="l" rtl="0">
+      <a:lvl3pPr lvl="2" marR="0" rtl="0" algn="l">
         <a:lnSpc>
           <a:spcPct val="100000"/>
         </a:lnSpc>
@@ -6703,7 +6637,7 @@
           <a:srgbClr val="000000"/>
         </a:buClr>
         <a:buFont typeface="Arial"/>
-        <a:defRPr sz="1400" b="0" i="0" u="none" strike="noStrike" cap="none">
+        <a:defRPr b="0" i="0" sz="1400" u="none" cap="none" strike="noStrike">
           <a:solidFill>
             <a:srgbClr val="000000"/>
           </a:solidFill>
@@ -6713,7 +6647,7 @@
           <a:sym typeface="Arial"/>
         </a:defRPr>
       </a:lvl3pPr>
-      <a:lvl4pPr marR="0" lvl="3" algn="l" rtl="0">
+      <a:lvl4pPr lvl="3" marR="0" rtl="0" algn="l">
         <a:lnSpc>
           <a:spcPct val="100000"/>
         </a:lnSpc>
@@ -6727,7 +6661,7 @@
           <a:srgbClr val="000000"/>
         </a:buClr>
         <a:buFont typeface="Arial"/>
-        <a:defRPr sz="1400" b="0" i="0" u="none" strike="noStrike" cap="none">
+        <a:defRPr b="0" i="0" sz="1400" u="none" cap="none" strike="noStrike">
           <a:solidFill>
             <a:srgbClr val="000000"/>
           </a:solidFill>
@@ -6737,7 +6671,7 @@
           <a:sym typeface="Arial"/>
         </a:defRPr>
       </a:lvl4pPr>
-      <a:lvl5pPr marR="0" lvl="4" algn="l" rtl="0">
+      <a:lvl5pPr lvl="4" marR="0" rtl="0" algn="l">
         <a:lnSpc>
           <a:spcPct val="100000"/>
         </a:lnSpc>
@@ -6751,7 +6685,7 @@
           <a:srgbClr val="000000"/>
         </a:buClr>
         <a:buFont typeface="Arial"/>
-        <a:defRPr sz="1400" b="0" i="0" u="none" strike="noStrike" cap="none">
+        <a:defRPr b="0" i="0" sz="1400" u="none" cap="none" strike="noStrike">
           <a:solidFill>
             <a:srgbClr val="000000"/>
           </a:solidFill>
@@ -6761,7 +6695,7 @@
           <a:sym typeface="Arial"/>
         </a:defRPr>
       </a:lvl5pPr>
-      <a:lvl6pPr marR="0" lvl="5" algn="l" rtl="0">
+      <a:lvl6pPr lvl="5" marR="0" rtl="0" algn="l">
         <a:lnSpc>
           <a:spcPct val="100000"/>
         </a:lnSpc>
@@ -6775,7 +6709,7 @@
           <a:srgbClr val="000000"/>
         </a:buClr>
         <a:buFont typeface="Arial"/>
-        <a:defRPr sz="1400" b="0" i="0" u="none" strike="noStrike" cap="none">
+        <a:defRPr b="0" i="0" sz="1400" u="none" cap="none" strike="noStrike">
           <a:solidFill>
             <a:srgbClr val="000000"/>
           </a:solidFill>
@@ -6785,7 +6719,7 @@
           <a:sym typeface="Arial"/>
         </a:defRPr>
       </a:lvl6pPr>
-      <a:lvl7pPr marR="0" lvl="6" algn="l" rtl="0">
+      <a:lvl7pPr lvl="6" marR="0" rtl="0" algn="l">
         <a:lnSpc>
           <a:spcPct val="100000"/>
         </a:lnSpc>
@@ -6799,7 +6733,7 @@
           <a:srgbClr val="000000"/>
         </a:buClr>
         <a:buFont typeface="Arial"/>
-        <a:defRPr sz="1400" b="0" i="0" u="none" strike="noStrike" cap="none">
+        <a:defRPr b="0" i="0" sz="1400" u="none" cap="none" strike="noStrike">
           <a:solidFill>
             <a:srgbClr val="000000"/>
           </a:solidFill>
@@ -6809,7 +6743,7 @@
           <a:sym typeface="Arial"/>
         </a:defRPr>
       </a:lvl7pPr>
-      <a:lvl8pPr marR="0" lvl="7" algn="l" rtl="0">
+      <a:lvl8pPr lvl="7" marR="0" rtl="0" algn="l">
         <a:lnSpc>
           <a:spcPct val="100000"/>
         </a:lnSpc>
@@ -6823,7 +6757,7 @@
           <a:srgbClr val="000000"/>
         </a:buClr>
         <a:buFont typeface="Arial"/>
-        <a:defRPr sz="1400" b="0" i="0" u="none" strike="noStrike" cap="none">
+        <a:defRPr b="0" i="0" sz="1400" u="none" cap="none" strike="noStrike">
           <a:solidFill>
             <a:srgbClr val="000000"/>
           </a:solidFill>
@@ -6833,7 +6767,7 @@
           <a:sym typeface="Arial"/>
         </a:defRPr>
       </a:lvl8pPr>
-      <a:lvl9pPr marR="0" lvl="8" algn="l" rtl="0">
+      <a:lvl9pPr lvl="8" marR="0" rtl="0" algn="l">
         <a:lnSpc>
           <a:spcPct val="100000"/>
         </a:lnSpc>
@@ -6847,7 +6781,7 @@
           <a:srgbClr val="000000"/>
         </a:buClr>
         <a:buFont typeface="Arial"/>
-        <a:defRPr sz="1400" b="0" i="0" u="none" strike="noStrike" cap="none">
+        <a:defRPr b="0" i="0" sz="1400" u="none" cap="none" strike="noStrike">
           <a:solidFill>
             <a:srgbClr val="000000"/>
           </a:solidFill>
@@ -6859,7 +6793,7 @@
       </a:lvl9pPr>
     </p:titleStyle>
     <p:bodyStyle>
-      <a:defPPr marR="0" lvl="0" algn="l" rtl="0">
+      <a:defPPr lvl="0" marR="0" rtl="0" algn="l">
         <a:lnSpc>
           <a:spcPct val="100000"/>
         </a:lnSpc>
@@ -6870,7 +6804,7 @@
           <a:spcPts val="0"/>
         </a:spcAft>
       </a:defPPr>
-      <a:lvl1pPr marR="0" lvl="0" algn="l" rtl="0">
+      <a:lvl1pPr lvl="0" marR="0" rtl="0" algn="l">
         <a:lnSpc>
           <a:spcPct val="100000"/>
         </a:lnSpc>
@@ -6884,7 +6818,7 @@
           <a:srgbClr val="000000"/>
         </a:buClr>
         <a:buFont typeface="Arial"/>
-        <a:defRPr sz="1400" b="0" i="0" u="none" strike="noStrike" cap="none">
+        <a:defRPr b="0" i="0" sz="1400" u="none" cap="none" strike="noStrike">
           <a:solidFill>
             <a:srgbClr val="000000"/>
           </a:solidFill>
@@ -6894,7 +6828,7 @@
           <a:sym typeface="Arial"/>
         </a:defRPr>
       </a:lvl1pPr>
-      <a:lvl2pPr marR="0" lvl="1" algn="l" rtl="0">
+      <a:lvl2pPr lvl="1" marR="0" rtl="0" algn="l">
         <a:lnSpc>
           <a:spcPct val="100000"/>
         </a:lnSpc>
@@ -6908,7 +6842,7 @@
           <a:srgbClr val="000000"/>
         </a:buClr>
         <a:buFont typeface="Arial"/>
-        <a:defRPr sz="1400" b="0" i="0" u="none" strike="noStrike" cap="none">
+        <a:defRPr b="0" i="0" sz="1400" u="none" cap="none" strike="noStrike">
           <a:solidFill>
             <a:srgbClr val="000000"/>
           </a:solidFill>
@@ -6918,7 +6852,7 @@
           <a:sym typeface="Arial"/>
         </a:defRPr>
       </a:lvl2pPr>
-      <a:lvl3pPr marR="0" lvl="2" algn="l" rtl="0">
+      <a:lvl3pPr lvl="2" marR="0" rtl="0" algn="l">
         <a:lnSpc>
           <a:spcPct val="100000"/>
         </a:lnSpc>
@@ -6932,7 +6866,7 @@
           <a:srgbClr val="000000"/>
         </a:buClr>
         <a:buFont typeface="Arial"/>
-        <a:defRPr sz="1400" b="0" i="0" u="none" strike="noStrike" cap="none">
+        <a:defRPr b="0" i="0" sz="1400" u="none" cap="none" strike="noStrike">
           <a:solidFill>
             <a:srgbClr val="000000"/>
           </a:solidFill>
@@ -6942,7 +6876,7 @@
           <a:sym typeface="Arial"/>
         </a:defRPr>
       </a:lvl3pPr>
-      <a:lvl4pPr marR="0" lvl="3" algn="l" rtl="0">
+      <a:lvl4pPr lvl="3" marR="0" rtl="0" algn="l">
         <a:lnSpc>
           <a:spcPct val="100000"/>
         </a:lnSpc>
@@ -6956,7 +6890,7 @@
           <a:srgbClr val="000000"/>
         </a:buClr>
         <a:buFont typeface="Arial"/>
-        <a:defRPr sz="1400" b="0" i="0" u="none" strike="noStrike" cap="none">
+        <a:defRPr b="0" i="0" sz="1400" u="none" cap="none" strike="noStrike">
           <a:solidFill>
             <a:srgbClr val="000000"/>
           </a:solidFill>
@@ -6966,7 +6900,7 @@
           <a:sym typeface="Arial"/>
         </a:defRPr>
       </a:lvl4pPr>
-      <a:lvl5pPr marR="0" lvl="4" algn="l" rtl="0">
+      <a:lvl5pPr lvl="4" marR="0" rtl="0" algn="l">
         <a:lnSpc>
           <a:spcPct val="100000"/>
         </a:lnSpc>
@@ -6980,7 +6914,7 @@
           <a:srgbClr val="000000"/>
         </a:buClr>
         <a:buFont typeface="Arial"/>
-        <a:defRPr sz="1400" b="0" i="0" u="none" strike="noStrike" cap="none">
+        <a:defRPr b="0" i="0" sz="1400" u="none" cap="none" strike="noStrike">
           <a:solidFill>
             <a:srgbClr val="000000"/>
           </a:solidFill>
@@ -6990,7 +6924,7 @@
           <a:sym typeface="Arial"/>
         </a:defRPr>
       </a:lvl5pPr>
-      <a:lvl6pPr marR="0" lvl="5" algn="l" rtl="0">
+      <a:lvl6pPr lvl="5" marR="0" rtl="0" algn="l">
         <a:lnSpc>
           <a:spcPct val="100000"/>
         </a:lnSpc>
@@ -7004,7 +6938,7 @@
           <a:srgbClr val="000000"/>
         </a:buClr>
         <a:buFont typeface="Arial"/>
-        <a:defRPr sz="1400" b="0" i="0" u="none" strike="noStrike" cap="none">
+        <a:defRPr b="0" i="0" sz="1400" u="none" cap="none" strike="noStrike">
           <a:solidFill>
             <a:srgbClr val="000000"/>
           </a:solidFill>
@@ -7014,7 +6948,7 @@
           <a:sym typeface="Arial"/>
         </a:defRPr>
       </a:lvl6pPr>
-      <a:lvl7pPr marR="0" lvl="6" algn="l" rtl="0">
+      <a:lvl7pPr lvl="6" marR="0" rtl="0" algn="l">
         <a:lnSpc>
           <a:spcPct val="100000"/>
         </a:lnSpc>
@@ -7028,7 +6962,7 @@
           <a:srgbClr val="000000"/>
         </a:buClr>
         <a:buFont typeface="Arial"/>
-        <a:defRPr sz="1400" b="0" i="0" u="none" strike="noStrike" cap="none">
+        <a:defRPr b="0" i="0" sz="1400" u="none" cap="none" strike="noStrike">
           <a:solidFill>
             <a:srgbClr val="000000"/>
           </a:solidFill>
@@ -7038,7 +6972,7 @@
           <a:sym typeface="Arial"/>
         </a:defRPr>
       </a:lvl7pPr>
-      <a:lvl8pPr marR="0" lvl="7" algn="l" rtl="0">
+      <a:lvl8pPr lvl="7" marR="0" rtl="0" algn="l">
         <a:lnSpc>
           <a:spcPct val="100000"/>
         </a:lnSpc>
@@ -7052,7 +6986,7 @@
           <a:srgbClr val="000000"/>
         </a:buClr>
         <a:buFont typeface="Arial"/>
-        <a:defRPr sz="1400" b="0" i="0" u="none" strike="noStrike" cap="none">
+        <a:defRPr b="0" i="0" sz="1400" u="none" cap="none" strike="noStrike">
           <a:solidFill>
             <a:srgbClr val="000000"/>
           </a:solidFill>
@@ -7062,7 +6996,7 @@
           <a:sym typeface="Arial"/>
         </a:defRPr>
       </a:lvl8pPr>
-      <a:lvl9pPr marR="0" lvl="8" algn="l" rtl="0">
+      <a:lvl9pPr lvl="8" marR="0" rtl="0" algn="l">
         <a:lnSpc>
           <a:spcPct val="100000"/>
         </a:lnSpc>
@@ -7076,7 +7010,7 @@
           <a:srgbClr val="000000"/>
         </a:buClr>
         <a:buFont typeface="Arial"/>
-        <a:defRPr sz="1400" b="0" i="0" u="none" strike="noStrike" cap="none">
+        <a:defRPr b="0" i="0" sz="1400" u="none" cap="none" strike="noStrike">
           <a:solidFill>
             <a:srgbClr val="000000"/>
           </a:solidFill>
@@ -7088,7 +7022,7 @@
       </a:lvl9pPr>
     </p:bodyStyle>
     <p:otherStyle>
-      <a:defPPr marR="0" lvl="0" algn="l" rtl="0">
+      <a:defPPr lvl="0" marR="0" rtl="0" algn="l">
         <a:lnSpc>
           <a:spcPct val="100000"/>
         </a:lnSpc>
@@ -7099,7 +7033,7 @@
           <a:spcPts val="0"/>
         </a:spcAft>
       </a:defPPr>
-      <a:lvl1pPr marR="0" lvl="0" algn="l" rtl="0">
+      <a:lvl1pPr lvl="0" marR="0" rtl="0" algn="l">
         <a:lnSpc>
           <a:spcPct val="100000"/>
         </a:lnSpc>
@@ -7113,7 +7047,7 @@
           <a:srgbClr val="000000"/>
         </a:buClr>
         <a:buFont typeface="Arial"/>
-        <a:defRPr sz="1400" b="0" i="0" u="none" strike="noStrike" cap="none">
+        <a:defRPr b="0" i="0" sz="1400" u="none" cap="none" strike="noStrike">
           <a:solidFill>
             <a:srgbClr val="000000"/>
           </a:solidFill>
@@ -7123,7 +7057,7 @@
           <a:sym typeface="Arial"/>
         </a:defRPr>
       </a:lvl1pPr>
-      <a:lvl2pPr marR="0" lvl="1" algn="l" rtl="0">
+      <a:lvl2pPr lvl="1" marR="0" rtl="0" algn="l">
         <a:lnSpc>
           <a:spcPct val="100000"/>
         </a:lnSpc>
@@ -7137,7 +7071,7 @@
           <a:srgbClr val="000000"/>
         </a:buClr>
         <a:buFont typeface="Arial"/>
-        <a:defRPr sz="1400" b="0" i="0" u="none" strike="noStrike" cap="none">
+        <a:defRPr b="0" i="0" sz="1400" u="none" cap="none" strike="noStrike">
           <a:solidFill>
             <a:srgbClr val="000000"/>
           </a:solidFill>
@@ -7147,7 +7081,7 @@
           <a:sym typeface="Arial"/>
         </a:defRPr>
       </a:lvl2pPr>
-      <a:lvl3pPr marR="0" lvl="2" algn="l" rtl="0">
+      <a:lvl3pPr lvl="2" marR="0" rtl="0" algn="l">
         <a:lnSpc>
           <a:spcPct val="100000"/>
         </a:lnSpc>
@@ -7161,7 +7095,7 @@
           <a:srgbClr val="000000"/>
         </a:buClr>
         <a:buFont typeface="Arial"/>
-        <a:defRPr sz="1400" b="0" i="0" u="none" strike="noStrike" cap="none">
+        <a:defRPr b="0" i="0" sz="1400" u="none" cap="none" strike="noStrike">
           <a:solidFill>
             <a:srgbClr val="000000"/>
           </a:solidFill>
@@ -7171,7 +7105,7 @@
           <a:sym typeface="Arial"/>
         </a:defRPr>
       </a:lvl3pPr>
-      <a:lvl4pPr marR="0" lvl="3" algn="l" rtl="0">
+      <a:lvl4pPr lvl="3" marR="0" rtl="0" algn="l">
         <a:lnSpc>
           <a:spcPct val="100000"/>
         </a:lnSpc>
@@ -7185,7 +7119,7 @@
           <a:srgbClr val="000000"/>
         </a:buClr>
         <a:buFont typeface="Arial"/>
-        <a:defRPr sz="1400" b="0" i="0" u="none" strike="noStrike" cap="none">
+        <a:defRPr b="0" i="0" sz="1400" u="none" cap="none" strike="noStrike">
           <a:solidFill>
             <a:srgbClr val="000000"/>
           </a:solidFill>
@@ -7195,7 +7129,7 @@
           <a:sym typeface="Arial"/>
         </a:defRPr>
       </a:lvl4pPr>
-      <a:lvl5pPr marR="0" lvl="4" algn="l" rtl="0">
+      <a:lvl5pPr lvl="4" marR="0" rtl="0" algn="l">
         <a:lnSpc>
           <a:spcPct val="100000"/>
         </a:lnSpc>
@@ -7209,7 +7143,7 @@
           <a:srgbClr val="000000"/>
         </a:buClr>
         <a:buFont typeface="Arial"/>
-        <a:defRPr sz="1400" b="0" i="0" u="none" strike="noStrike" cap="none">
+        <a:defRPr b="0" i="0" sz="1400" u="none" cap="none" strike="noStrike">
           <a:solidFill>
             <a:srgbClr val="000000"/>
           </a:solidFill>
@@ -7219,7 +7153,7 @@
           <a:sym typeface="Arial"/>
         </a:defRPr>
       </a:lvl5pPr>
-      <a:lvl6pPr marR="0" lvl="5" algn="l" rtl="0">
+      <a:lvl6pPr lvl="5" marR="0" rtl="0" algn="l">
         <a:lnSpc>
           <a:spcPct val="100000"/>
         </a:lnSpc>
@@ -7233,7 +7167,7 @@
           <a:srgbClr val="000000"/>
         </a:buClr>
         <a:buFont typeface="Arial"/>
-        <a:defRPr sz="1400" b="0" i="0" u="none" strike="noStrike" cap="none">
+        <a:defRPr b="0" i="0" sz="1400" u="none" cap="none" strike="noStrike">
           <a:solidFill>
             <a:srgbClr val="000000"/>
           </a:solidFill>
@@ -7243,7 +7177,7 @@
           <a:sym typeface="Arial"/>
         </a:defRPr>
       </a:lvl6pPr>
-      <a:lvl7pPr marR="0" lvl="6" algn="l" rtl="0">
+      <a:lvl7pPr lvl="6" marR="0" rtl="0" algn="l">
         <a:lnSpc>
           <a:spcPct val="100000"/>
         </a:lnSpc>
@@ -7257,7 +7191,7 @@
           <a:srgbClr val="000000"/>
         </a:buClr>
         <a:buFont typeface="Arial"/>
-        <a:defRPr sz="1400" b="0" i="0" u="none" strike="noStrike" cap="none">
+        <a:defRPr b="0" i="0" sz="1400" u="none" cap="none" strike="noStrike">
           <a:solidFill>
             <a:srgbClr val="000000"/>
           </a:solidFill>
@@ -7267,7 +7201,7 @@
           <a:sym typeface="Arial"/>
         </a:defRPr>
       </a:lvl7pPr>
-      <a:lvl8pPr marR="0" lvl="7" algn="l" rtl="0">
+      <a:lvl8pPr lvl="7" marR="0" rtl="0" algn="l">
         <a:lnSpc>
           <a:spcPct val="100000"/>
         </a:lnSpc>
@@ -7281,7 +7215,7 @@
           <a:srgbClr val="000000"/>
         </a:buClr>
         <a:buFont typeface="Arial"/>
-        <a:defRPr sz="1400" b="0" i="0" u="none" strike="noStrike" cap="none">
+        <a:defRPr b="0" i="0" sz="1400" u="none" cap="none" strike="noStrike">
           <a:solidFill>
             <a:srgbClr val="000000"/>
           </a:solidFill>
@@ -7291,7 +7225,7 @@
           <a:sym typeface="Arial"/>
         </a:defRPr>
       </a:lvl8pPr>
-      <a:lvl9pPr marR="0" lvl="8" algn="l" rtl="0">
+      <a:lvl9pPr lvl="8" marR="0" rtl="0" algn="l">
         <a:lnSpc>
           <a:spcPct val="100000"/>
         </a:lnSpc>
@@ -7305,7 +7239,7 @@
           <a:srgbClr val="000000"/>
         </a:buClr>
         <a:buFont typeface="Arial"/>
-        <a:defRPr sz="1400" b="0" i="0" u="none" strike="noStrike" cap="none">
+        <a:defRPr b="0" i="0" sz="1400" u="none" cap="none" strike="noStrike">
           <a:solidFill>
             <a:srgbClr val="000000"/>
           </a:solidFill>
@@ -7321,11 +7255,11 @@
 </file>
 
 <file path=ppt/slides/slide1.xml><?xml version="1.0" encoding="utf-8"?>
-<p:sld xmlns:a="http://schemas.openxmlformats.org/drawingml/2006/main" xmlns:r="http://schemas.openxmlformats.org/officeDocument/2006/relationships" xmlns:p="http://schemas.openxmlformats.org/presentationml/2006/main">
+<p:sld xmlns:a="http://schemas.openxmlformats.org/drawingml/2006/main" xmlns:r="http://schemas.openxmlformats.org/officeDocument/2006/relationships" xmlns:mc="http://schemas.openxmlformats.org/markup-compatibility/2006" xmlns:mv="urn:schemas-microsoft-com:mac:vml" xmlns:p="http://schemas.openxmlformats.org/presentationml/2006/main" xmlns:c="http://schemas.openxmlformats.org/drawingml/2006/chart" xmlns:dgm="http://schemas.openxmlformats.org/drawingml/2006/diagram" xmlns:o="urn:schemas-microsoft-com:office:office" xmlns:v="urn:schemas-microsoft-com:vml" xmlns:pvml="urn:schemas-microsoft-com:office:powerpoint" xmlns:com="http://schemas.openxmlformats.org/drawingml/2006/compatibility" xmlns:p14="http://schemas.microsoft.com/office/powerpoint/2010/main" xmlns:p15="http://schemas.microsoft.com/office/powerpoint/2012/main" xmlns:ahyp="http://schemas.microsoft.com/office/drawing/2018/hyperlinkcolor">
   <p:cSld>
     <p:spTree>
       <p:nvGrpSpPr>
-        <p:cNvPr id="1" name="Shape 57"/>
+        <p:cNvPr id="57" name="Shape 57"/>
         <p:cNvGrpSpPr/>
         <p:nvPr/>
       </p:nvGrpSpPr>
@@ -7340,9 +7274,7 @@
       <p:sp>
         <p:nvSpPr>
           <p:cNvPr id="58" name="Google Shape;58;p13"/>
-          <p:cNvSpPr txBox="1">
-            <a:spLocks noGrp="1"/>
-          </p:cNvSpPr>
+          <p:cNvSpPr txBox="1"/>
           <p:nvPr>
             <p:ph type="ctrTitle"/>
           </p:nvPr>
@@ -7357,12 +7289,12 @@
           </a:prstGeom>
         </p:spPr>
         <p:txBody>
-          <a:bodyPr spcFirstLastPara="1" wrap="square" lIns="91425" tIns="91425" rIns="91425" bIns="91425" anchor="b" anchorCtr="0">
+          <a:bodyPr anchorCtr="0" anchor="b" bIns="91425" lIns="91425" spcFirstLastPara="1" rIns="91425" wrap="square" tIns="91425">
             <a:normAutofit/>
           </a:bodyPr>
           <a:lstStyle/>
           <a:p>
-            <a:pPr marL="0" lvl="0" indent="0" algn="l" rtl="0">
+            <a:pPr indent="0" lvl="0" marL="0" rtl="0" algn="l">
               <a:spcBef>
                 <a:spcPts val="0"/>
               </a:spcBef>
@@ -7382,11 +7314,9 @@
       <p:sp>
         <p:nvSpPr>
           <p:cNvPr id="59" name="Google Shape;59;p13"/>
-          <p:cNvSpPr txBox="1">
-            <a:spLocks noGrp="1"/>
-          </p:cNvSpPr>
+          <p:cNvSpPr txBox="1"/>
           <p:nvPr>
-            <p:ph type="subTitle" idx="1"/>
+            <p:ph idx="1" type="subTitle"/>
           </p:nvPr>
         </p:nvSpPr>
         <p:spPr>
@@ -7399,12 +7329,12 @@
           </a:prstGeom>
         </p:spPr>
         <p:txBody>
-          <a:bodyPr spcFirstLastPara="1" wrap="square" lIns="91425" tIns="91425" rIns="91425" bIns="91425" anchor="t" anchorCtr="0">
+          <a:bodyPr anchorCtr="0" anchor="t" bIns="91425" lIns="91425" spcFirstLastPara="1" rIns="91425" wrap="square" tIns="91425">
             <a:normAutofit lnSpcReduction="20000"/>
           </a:bodyPr>
           <a:lstStyle/>
           <a:p>
-            <a:pPr marL="0" lvl="0" indent="0" algn="r" rtl="0">
+            <a:pPr indent="0" lvl="0" marL="0" rtl="0" algn="r">
               <a:spcBef>
                 <a:spcPts val="0"/>
               </a:spcBef>
@@ -7453,11 +7383,11 @@
 </file>
 
 <file path=ppt/slides/slide10.xml><?xml version="1.0" encoding="utf-8"?>
-<p:sld xmlns:a="http://schemas.openxmlformats.org/drawingml/2006/main" xmlns:r="http://schemas.openxmlformats.org/officeDocument/2006/relationships" xmlns:p="http://schemas.openxmlformats.org/presentationml/2006/main">
+<p:sld xmlns:a="http://schemas.openxmlformats.org/drawingml/2006/main" xmlns:r="http://schemas.openxmlformats.org/officeDocument/2006/relationships" xmlns:mc="http://schemas.openxmlformats.org/markup-compatibility/2006" xmlns:mv="urn:schemas-microsoft-com:mac:vml" xmlns:p="http://schemas.openxmlformats.org/presentationml/2006/main" xmlns:c="http://schemas.openxmlformats.org/drawingml/2006/chart" xmlns:dgm="http://schemas.openxmlformats.org/drawingml/2006/diagram" xmlns:o="urn:schemas-microsoft-com:office:office" xmlns:v="urn:schemas-microsoft-com:vml" xmlns:pvml="urn:schemas-microsoft-com:office:powerpoint" xmlns:com="http://schemas.openxmlformats.org/drawingml/2006/compatibility" xmlns:p14="http://schemas.microsoft.com/office/powerpoint/2010/main" xmlns:p15="http://schemas.microsoft.com/office/powerpoint/2012/main" xmlns:ahyp="http://schemas.microsoft.com/office/drawing/2018/hyperlinkcolor">
   <p:cSld>
     <p:spTree>
       <p:nvGrpSpPr>
-        <p:cNvPr id="1" name="Shape 107"/>
+        <p:cNvPr id="107" name="Shape 107"/>
         <p:cNvGrpSpPr/>
         <p:nvPr/>
       </p:nvGrpSpPr>
@@ -7472,9 +7402,7 @@
       <p:sp>
         <p:nvSpPr>
           <p:cNvPr id="108" name="Google Shape;108;p22"/>
-          <p:cNvSpPr txBox="1">
-            <a:spLocks noGrp="1"/>
-          </p:cNvSpPr>
+          <p:cNvSpPr txBox="1"/>
           <p:nvPr>
             <p:ph type="title"/>
           </p:nvPr>
@@ -7489,12 +7417,12 @@
           </a:prstGeom>
         </p:spPr>
         <p:txBody>
-          <a:bodyPr spcFirstLastPara="1" wrap="square" lIns="91425" tIns="91425" rIns="91425" bIns="91425" anchor="t" anchorCtr="0">
+          <a:bodyPr anchorCtr="0" anchor="t" bIns="91425" lIns="91425" spcFirstLastPara="1" rIns="91425" wrap="square" tIns="91425">
             <a:normAutofit fontScale="90000"/>
           </a:bodyPr>
           <a:lstStyle/>
           <a:p>
-            <a:pPr marL="0" lvl="0" indent="0" algn="ctr" rtl="0">
+            <a:pPr indent="0" lvl="0" marL="0" rtl="0" algn="ctr">
               <a:spcBef>
                 <a:spcPts val="0"/>
               </a:spcBef>
@@ -7519,37 +7447,19 @@
         </p:nvGraphicFramePr>
         <p:xfrm>
           <a:off x="1857375" y="1398150"/>
-          <a:ext cx="5429250" cy="3311400"/>
+          <a:ext cx="3000000" cy="3000000"/>
         </p:xfrm>
         <a:graphic>
           <a:graphicData uri="http://schemas.openxmlformats.org/drawingml/2006/table">
             <a:tbl>
               <a:tblPr>
                 <a:noFill/>
-                <a:tableStyleId>{04C82B5E-6D9D-424B-9A40-26C975ACC433}</a:tableStyleId>
+                <a:tableStyleId>{89FE0AA5-49AA-4839-A657-6D68C9E0F3EE}</a:tableStyleId>
               </a:tblPr>
               <a:tblGrid>
-                <a:gridCol w="1809750">
-                  <a:extLst>
-                    <a:ext uri="{9D8B030D-6E8A-4147-A177-3AD203B41FA5}">
-                      <a16:colId xmlns:a16="http://schemas.microsoft.com/office/drawing/2014/main" val="20000"/>
-                    </a:ext>
-                  </a:extLst>
-                </a:gridCol>
-                <a:gridCol w="1809750">
-                  <a:extLst>
-                    <a:ext uri="{9D8B030D-6E8A-4147-A177-3AD203B41FA5}">
-                      <a16:colId xmlns:a16="http://schemas.microsoft.com/office/drawing/2014/main" val="20001"/>
-                    </a:ext>
-                  </a:extLst>
-                </a:gridCol>
-                <a:gridCol w="1809750">
-                  <a:extLst>
-                    <a:ext uri="{9D8B030D-6E8A-4147-A177-3AD203B41FA5}">
-                      <a16:colId xmlns:a16="http://schemas.microsoft.com/office/drawing/2014/main" val="20002"/>
-                    </a:ext>
-                  </a:extLst>
-                </a:gridCol>
+                <a:gridCol w="1809750"/>
+                <a:gridCol w="1809750"/>
+                <a:gridCol w="1809750"/>
               </a:tblGrid>
               <a:tr h="827850">
                 <a:tc>
@@ -7557,7 +7467,7 @@
                     <a:bodyPr/>
                     <a:lstStyle/>
                     <a:p>
-                      <a:pPr marL="0" lvl="0" indent="0" algn="l" rtl="0">
+                      <a:pPr indent="0" lvl="0" marL="0" rtl="0" algn="l">
                         <a:spcBef>
                           <a:spcPts val="0"/>
                         </a:spcBef>
@@ -7573,14 +7483,14 @@
                       <a:endParaRPr/>
                     </a:p>
                   </a:txBody>
-                  <a:tcPr marL="91425" marR="91425" marT="91425" marB="91425"/>
+                  <a:tcPr marT="91425" marB="91425" marR="91425" marL="91425"/>
                 </a:tc>
                 <a:tc>
                   <a:txBody>
                     <a:bodyPr/>
                     <a:lstStyle/>
                     <a:p>
-                      <a:pPr marL="0" lvl="0" indent="0" algn="l" rtl="0">
+                      <a:pPr indent="0" lvl="0" marL="0" rtl="0" algn="l">
                         <a:spcBef>
                           <a:spcPts val="0"/>
                         </a:spcBef>
@@ -7596,14 +7506,14 @@
                       <a:endParaRPr/>
                     </a:p>
                   </a:txBody>
-                  <a:tcPr marL="91425" marR="91425" marT="91425" marB="91425"/>
+                  <a:tcPr marT="91425" marB="91425" marR="91425" marL="91425"/>
                 </a:tc>
                 <a:tc>
                   <a:txBody>
                     <a:bodyPr/>
                     <a:lstStyle/>
                     <a:p>
-                      <a:pPr marL="0" lvl="0" indent="0" algn="l" rtl="0">
+                      <a:pPr indent="0" lvl="0" marL="0" rtl="0" algn="l">
                         <a:spcBef>
                           <a:spcPts val="0"/>
                         </a:spcBef>
@@ -7619,13 +7529,8 @@
                       <a:endParaRPr/>
                     </a:p>
                   </a:txBody>
-                  <a:tcPr marL="91425" marR="91425" marT="91425" marB="91425"/>
+                  <a:tcPr marT="91425" marB="91425" marR="91425" marL="91425"/>
                 </a:tc>
-                <a:extLst>
-                  <a:ext uri="{0D108BD9-81ED-4DB2-BD59-A6C34878D82A}">
-                    <a16:rowId xmlns:a16="http://schemas.microsoft.com/office/drawing/2014/main" val="10000"/>
-                  </a:ext>
-                </a:extLst>
               </a:tr>
               <a:tr h="827850">
                 <a:tc>
@@ -7633,7 +7538,7 @@
                     <a:bodyPr/>
                     <a:lstStyle/>
                     <a:p>
-                      <a:pPr marL="0" lvl="0" indent="0" algn="l" rtl="0">
+                      <a:pPr indent="0" lvl="0" marL="0" rtl="0" algn="l">
                         <a:spcBef>
                           <a:spcPts val="0"/>
                         </a:spcBef>
@@ -7657,14 +7562,14 @@
                       </a:endParaRPr>
                     </a:p>
                   </a:txBody>
-                  <a:tcPr marL="91425" marR="91425" marT="91425" marB="91425"/>
+                  <a:tcPr marT="91425" marB="91425" marR="91425" marL="91425"/>
                 </a:tc>
                 <a:tc>
                   <a:txBody>
                     <a:bodyPr/>
                     <a:lstStyle/>
                     <a:p>
-                      <a:pPr marL="0" lvl="0" indent="0" algn="l" rtl="0">
+                      <a:pPr indent="0" lvl="0" marL="0" rtl="0" algn="l">
                         <a:spcBef>
                           <a:spcPts val="0"/>
                         </a:spcBef>
@@ -7688,14 +7593,14 @@
                       </a:endParaRPr>
                     </a:p>
                   </a:txBody>
-                  <a:tcPr marL="91425" marR="91425" marT="91425" marB="91425"/>
+                  <a:tcPr marT="91425" marB="91425" marR="91425" marL="91425"/>
                 </a:tc>
                 <a:tc>
                   <a:txBody>
                     <a:bodyPr/>
                     <a:lstStyle/>
                     <a:p>
-                      <a:pPr marL="0" lvl="0" indent="0" algn="l" rtl="0">
+                      <a:pPr indent="0" lvl="0" marL="0" rtl="0" algn="l">
                         <a:spcBef>
                           <a:spcPts val="0"/>
                         </a:spcBef>
@@ -7719,13 +7624,8 @@
                       </a:endParaRPr>
                     </a:p>
                   </a:txBody>
-                  <a:tcPr marL="91425" marR="91425" marT="91425" marB="91425"/>
+                  <a:tcPr marT="91425" marB="91425" marR="91425" marL="91425"/>
                 </a:tc>
-                <a:extLst>
-                  <a:ext uri="{0D108BD9-81ED-4DB2-BD59-A6C34878D82A}">
-                    <a16:rowId xmlns:a16="http://schemas.microsoft.com/office/drawing/2014/main" val="10001"/>
-                  </a:ext>
-                </a:extLst>
               </a:tr>
               <a:tr h="827850">
                 <a:tc>
@@ -7733,7 +7633,7 @@
                     <a:bodyPr/>
                     <a:lstStyle/>
                     <a:p>
-                      <a:pPr marL="0" lvl="0" indent="0" algn="l" rtl="0">
+                      <a:pPr indent="0" lvl="0" marL="0" rtl="0" algn="l">
                         <a:spcBef>
                           <a:spcPts val="0"/>
                         </a:spcBef>
@@ -7749,14 +7649,14 @@
                       <a:endParaRPr/>
                     </a:p>
                   </a:txBody>
-                  <a:tcPr marL="91425" marR="91425" marT="91425" marB="91425"/>
+                  <a:tcPr marT="91425" marB="91425" marR="91425" marL="91425"/>
                 </a:tc>
                 <a:tc>
                   <a:txBody>
                     <a:bodyPr/>
                     <a:lstStyle/>
                     <a:p>
-                      <a:pPr marL="0" lvl="0" indent="0" algn="l" rtl="0">
+                      <a:pPr indent="0" lvl="0" marL="0" rtl="0" algn="l">
                         <a:spcBef>
                           <a:spcPts val="0"/>
                         </a:spcBef>
@@ -7772,14 +7672,14 @@
                       <a:endParaRPr/>
                     </a:p>
                   </a:txBody>
-                  <a:tcPr marL="91425" marR="91425" marT="91425" marB="91425"/>
+                  <a:tcPr marT="91425" marB="91425" marR="91425" marL="91425"/>
                 </a:tc>
                 <a:tc>
                   <a:txBody>
                     <a:bodyPr/>
                     <a:lstStyle/>
                     <a:p>
-                      <a:pPr marL="0" lvl="0" indent="0" algn="l" rtl="0">
+                      <a:pPr indent="0" lvl="0" marL="0" rtl="0" algn="l">
                         <a:spcBef>
                           <a:spcPts val="0"/>
                         </a:spcBef>
@@ -7804,13 +7704,8 @@
                       <a:endParaRPr/>
                     </a:p>
                   </a:txBody>
-                  <a:tcPr marL="91425" marR="91425" marT="91425" marB="91425"/>
+                  <a:tcPr marT="91425" marB="91425" marR="91425" marL="91425"/>
                 </a:tc>
-                <a:extLst>
-                  <a:ext uri="{0D108BD9-81ED-4DB2-BD59-A6C34878D82A}">
-                    <a16:rowId xmlns:a16="http://schemas.microsoft.com/office/drawing/2014/main" val="10002"/>
-                  </a:ext>
-                </a:extLst>
               </a:tr>
               <a:tr h="827850">
                 <a:tc>
@@ -7818,7 +7713,7 @@
                     <a:bodyPr/>
                     <a:lstStyle/>
                     <a:p>
-                      <a:pPr marL="0" lvl="0" indent="0" algn="l" rtl="0">
+                      <a:pPr indent="0" lvl="0" marL="0" rtl="0" algn="l">
                         <a:spcBef>
                           <a:spcPts val="0"/>
                         </a:spcBef>
@@ -7834,14 +7729,14 @@
                       <a:endParaRPr/>
                     </a:p>
                   </a:txBody>
-                  <a:tcPr marL="91425" marR="91425" marT="91425" marB="91425"/>
+                  <a:tcPr marT="91425" marB="91425" marR="91425" marL="91425"/>
                 </a:tc>
                 <a:tc>
                   <a:txBody>
                     <a:bodyPr/>
                     <a:lstStyle/>
                     <a:p>
-                      <a:pPr marL="0" lvl="0" indent="0" algn="l" rtl="0">
+                      <a:pPr indent="0" lvl="0" marL="0" rtl="0" algn="l">
                         <a:spcBef>
                           <a:spcPts val="0"/>
                         </a:spcBef>
@@ -7857,14 +7752,14 @@
                       <a:endParaRPr/>
                     </a:p>
                   </a:txBody>
-                  <a:tcPr marL="91425" marR="91425" marT="91425" marB="91425"/>
+                  <a:tcPr marT="91425" marB="91425" marR="91425" marL="91425"/>
                 </a:tc>
                 <a:tc>
                   <a:txBody>
                     <a:bodyPr/>
                     <a:lstStyle/>
                     <a:p>
-                      <a:pPr marL="0" lvl="0" indent="0" algn="l" rtl="0">
+                      <a:pPr indent="0" lvl="0" marL="0" rtl="0" algn="l">
                         <a:spcBef>
                           <a:spcPts val="0"/>
                         </a:spcBef>
@@ -7880,13 +7775,8 @@
                       <a:endParaRPr/>
                     </a:p>
                   </a:txBody>
-                  <a:tcPr marL="91425" marR="91425" marT="91425" marB="91425"/>
+                  <a:tcPr marT="91425" marB="91425" marR="91425" marL="91425"/>
                 </a:tc>
-                <a:extLst>
-                  <a:ext uri="{0D108BD9-81ED-4DB2-BD59-A6C34878D82A}">
-                    <a16:rowId xmlns:a16="http://schemas.microsoft.com/office/drawing/2014/main" val="10003"/>
-                  </a:ext>
-                </a:extLst>
               </a:tr>
             </a:tbl>
           </a:graphicData>
@@ -7901,11 +7791,11 @@
 </file>
 
 <file path=ppt/slides/slide11.xml><?xml version="1.0" encoding="utf-8"?>
-<p:sld xmlns:a="http://schemas.openxmlformats.org/drawingml/2006/main" xmlns:r="http://schemas.openxmlformats.org/officeDocument/2006/relationships" xmlns:p="http://schemas.openxmlformats.org/presentationml/2006/main">
+<p:sld xmlns:a="http://schemas.openxmlformats.org/drawingml/2006/main" xmlns:r="http://schemas.openxmlformats.org/officeDocument/2006/relationships" xmlns:mc="http://schemas.openxmlformats.org/markup-compatibility/2006" xmlns:mv="urn:schemas-microsoft-com:mac:vml" xmlns:p="http://schemas.openxmlformats.org/presentationml/2006/main" xmlns:c="http://schemas.openxmlformats.org/drawingml/2006/chart" xmlns:dgm="http://schemas.openxmlformats.org/drawingml/2006/diagram" xmlns:o="urn:schemas-microsoft-com:office:office" xmlns:v="urn:schemas-microsoft-com:vml" xmlns:pvml="urn:schemas-microsoft-com:office:powerpoint" xmlns:com="http://schemas.openxmlformats.org/drawingml/2006/compatibility" xmlns:p14="http://schemas.microsoft.com/office/powerpoint/2010/main" xmlns:p15="http://schemas.microsoft.com/office/powerpoint/2012/main" xmlns:ahyp="http://schemas.microsoft.com/office/drawing/2018/hyperlinkcolor">
   <p:cSld>
     <p:spTree>
       <p:nvGrpSpPr>
-        <p:cNvPr id="1" name="Shape 113"/>
+        <p:cNvPr id="113" name="Shape 113"/>
         <p:cNvGrpSpPr/>
         <p:nvPr/>
       </p:nvGrpSpPr>
@@ -7920,16 +7810,14 @@
       <p:sp>
         <p:nvSpPr>
           <p:cNvPr id="114" name="Google Shape;114;p23"/>
-          <p:cNvSpPr txBox="1">
-            <a:spLocks noGrp="1"/>
-          </p:cNvSpPr>
+          <p:cNvSpPr txBox="1"/>
           <p:nvPr>
             <p:ph type="title"/>
           </p:nvPr>
         </p:nvSpPr>
         <p:spPr>
           <a:xfrm>
-            <a:off x="311700" y="317206"/>
+            <a:off x="311700" y="445025"/>
             <a:ext cx="8520600" cy="623400"/>
           </a:xfrm>
           <a:prstGeom prst="rect">
@@ -7937,12 +7825,12 @@
           </a:prstGeom>
         </p:spPr>
         <p:txBody>
-          <a:bodyPr spcFirstLastPara="1" wrap="square" lIns="91425" tIns="91425" rIns="91425" bIns="91425" anchor="t" anchorCtr="0">
+          <a:bodyPr anchorCtr="0" anchor="t" bIns="91425" lIns="91425" spcFirstLastPara="1" rIns="91425" wrap="square" tIns="91425">
             <a:normAutofit fontScale="90000"/>
           </a:bodyPr>
           <a:lstStyle/>
           <a:p>
-            <a:pPr marL="0" lvl="0" indent="0" algn="ctr" rtl="0">
+            <a:pPr indent="0" lvl="0" marL="0" rtl="0" algn="ctr">
               <a:spcBef>
                 <a:spcPts val="0"/>
               </a:spcBef>
@@ -7952,39 +7840,37 @@
               <a:buNone/>
             </a:pPr>
             <a:r>
-              <a:rPr lang="en" dirty="0"/>
+              <a:rPr lang="en"/>
               <a:t>Вывод</a:t>
             </a:r>
-            <a:endParaRPr dirty="0"/>
+            <a:endParaRPr/>
           </a:p>
         </p:txBody>
       </p:sp>
       <p:sp>
         <p:nvSpPr>
           <p:cNvPr id="115" name="Google Shape;115;p23"/>
-          <p:cNvSpPr txBox="1">
-            <a:spLocks noGrp="1"/>
-          </p:cNvSpPr>
+          <p:cNvSpPr txBox="1"/>
           <p:nvPr>
-            <p:ph type="body" idx="1"/>
+            <p:ph idx="1" type="body"/>
           </p:nvPr>
         </p:nvSpPr>
         <p:spPr>
           <a:xfrm>
-            <a:off x="311700" y="1103314"/>
-            <a:ext cx="8520600" cy="3532500"/>
+            <a:off x="311700" y="1152475"/>
+            <a:ext cx="8520600" cy="3673500"/>
           </a:xfrm>
           <a:prstGeom prst="rect">
             <a:avLst/>
           </a:prstGeom>
         </p:spPr>
         <p:txBody>
-          <a:bodyPr spcFirstLastPara="1" wrap="square" lIns="91425" tIns="91425" rIns="91425" bIns="91425" anchor="t" anchorCtr="0">
+          <a:bodyPr anchorCtr="0" anchor="t" bIns="91425" lIns="91425" spcFirstLastPara="1" rIns="91425" wrap="square" tIns="91425">
             <a:normAutofit lnSpcReduction="10000"/>
           </a:bodyPr>
           <a:lstStyle/>
           <a:p>
-            <a:pPr marL="0" lvl="0" indent="0" algn="l" rtl="0">
+            <a:pPr indent="0" lvl="0" marL="0" rtl="0" algn="l">
               <a:spcBef>
                 <a:spcPts val="0"/>
               </a:spcBef>
@@ -7994,13 +7880,13 @@
               <a:buNone/>
             </a:pPr>
             <a:r>
-              <a:rPr lang="en" dirty="0"/>
+              <a:rPr lang="en"/>
               <a:t>Алгоритм Хаффмана эффективнее всего использовать на файлах формата .txt.</a:t>
             </a:r>
-            <a:endParaRPr dirty="0"/>
+            <a:endParaRPr/>
           </a:p>
           <a:p>
-            <a:pPr marL="0" lvl="0" indent="0" algn="l" rtl="0">
+            <a:pPr indent="0" lvl="0" marL="0" rtl="0" algn="l">
               <a:spcBef>
                 <a:spcPts val="1200"/>
               </a:spcBef>
@@ -8010,19 +7896,27 @@
               <a:buNone/>
             </a:pPr>
             <a:br>
-              <a:rPr lang="en" dirty="0"/>
+              <a:rPr lang="en"/>
             </a:br>
             <a:r>
-              <a:rPr lang="en" dirty="0"/>
-              <a:t>Это легко объясняется тем, что в текстах используется меньшее число символов и они чаще повторяются. Например, в произведении “Мертвые души” из 1 950 645 символов уникальных всего 139.</a:t>
+              <a:rPr lang="en"/>
+              <a:t>Это легко объясняется тем, что в текстах используется меньшее число символов и они чаще повторяются. Например, в произведении “Мертвые души” из 1 950 645 символов </a:t>
+            </a:r>
+            <a:r>
+              <a:rPr lang="en"/>
+              <a:t>уникальных </a:t>
+            </a:r>
+            <a:r>
+              <a:rPr lang="en"/>
+              <a:t>всего 139, тогда как в других типах данных встречаются все 256 и они распределены более равномерно.</a:t>
             </a:r>
             <a:br>
-              <a:rPr lang="en" dirty="0"/>
+              <a:rPr lang="en"/>
             </a:br>
-            <a:endParaRPr dirty="0"/>
+            <a:endParaRPr/>
           </a:p>
           <a:p>
-            <a:pPr marL="0" lvl="0" indent="0" algn="l" rtl="0">
+            <a:pPr indent="0" lvl="0" marL="0" rtl="0" algn="l">
               <a:spcBef>
                 <a:spcPts val="1200"/>
               </a:spcBef>
@@ -8032,17 +7926,316 @@
               <a:buNone/>
             </a:pPr>
             <a:r>
-              <a:rPr lang="en" dirty="0"/>
-              <a:t>Из-за меньшего количества уникальных символов дерево имеет меньшую глубину, что увеличивает скорость его построения и уменьшает размер файла.</a:t>
+              <a:rPr lang="en"/>
+              <a:t>Из-за меньшего количества уникальных символов дерево </a:t>
+            </a:r>
+            <a:r>
+              <a:rPr lang="en"/>
+              <a:t>имеет меньшую глубину, </a:t>
+            </a:r>
+            <a:r>
+              <a:rPr lang="en"/>
+              <a:t>что увеличивает скорость его построения и уменьшает размер файла.</a:t>
             </a:r>
             <a:br>
-              <a:rPr lang="en" dirty="0"/>
+              <a:rPr lang="en"/>
             </a:br>
             <a:r>
-              <a:rPr lang="en" dirty="0"/>
-              <a:t>А из-за распространенности некоторых букв алфавита, они будут иметь код меньшей длины, что тоже снижает общий размер сжатого файла.</a:t>
+              <a:rPr lang="en"/>
+              <a:t>А из-за распространенности некоторых букв алфавита, они будут иметь код меньшей длины, что тоже снижает общ</a:t>
             </a:r>
-            <a:endParaRPr dirty="0"/>
+            <a:r>
+              <a:rPr lang="en"/>
+              <a:t>ий размер сжатого файла.</a:t>
+            </a:r>
+            <a:endParaRPr/>
+          </a:p>
+        </p:txBody>
+      </p:sp>
+    </p:spTree>
+  </p:cSld>
+  <p:clrMapOvr>
+    <a:masterClrMapping/>
+  </p:clrMapOvr>
+</p:sld>
+</file>
+
+<file path=ppt/slides/slide12.xml><?xml version="1.0" encoding="utf-8"?>
+<p:sld xmlns:a="http://schemas.openxmlformats.org/drawingml/2006/main" xmlns:r="http://schemas.openxmlformats.org/officeDocument/2006/relationships" xmlns:mc="http://schemas.openxmlformats.org/markup-compatibility/2006" xmlns:mv="urn:schemas-microsoft-com:mac:vml" xmlns:p="http://schemas.openxmlformats.org/presentationml/2006/main" xmlns:c="http://schemas.openxmlformats.org/drawingml/2006/chart" xmlns:dgm="http://schemas.openxmlformats.org/drawingml/2006/diagram" xmlns:o="urn:schemas-microsoft-com:office:office" xmlns:v="urn:schemas-microsoft-com:vml" xmlns:pvml="urn:schemas-microsoft-com:office:powerpoint" xmlns:com="http://schemas.openxmlformats.org/drawingml/2006/compatibility" xmlns:p14="http://schemas.microsoft.com/office/powerpoint/2010/main" xmlns:p15="http://schemas.microsoft.com/office/powerpoint/2012/main" xmlns:ahyp="http://schemas.microsoft.com/office/drawing/2018/hyperlinkcolor">
+  <p:cSld>
+    <p:spTree>
+      <p:nvGrpSpPr>
+        <p:cNvPr id="119" name="Shape 119"/>
+        <p:cNvGrpSpPr/>
+        <p:nvPr/>
+      </p:nvGrpSpPr>
+      <p:grpSpPr>
+        <a:xfrm>
+          <a:off x="0" y="0"/>
+          <a:ext cx="0" cy="0"/>
+          <a:chOff x="0" y="0"/>
+          <a:chExt cx="0" cy="0"/>
+        </a:xfrm>
+      </p:grpSpPr>
+      <p:sp>
+        <p:nvSpPr>
+          <p:cNvPr id="120" name="Google Shape;120;p24"/>
+          <p:cNvSpPr txBox="1"/>
+          <p:nvPr>
+            <p:ph idx="1" type="body"/>
+          </p:nvPr>
+        </p:nvSpPr>
+        <p:spPr>
+          <a:xfrm>
+            <a:off x="311700" y="207875"/>
+            <a:ext cx="8520600" cy="932700"/>
+          </a:xfrm>
+          <a:prstGeom prst="rect">
+            <a:avLst/>
+          </a:prstGeom>
+        </p:spPr>
+        <p:txBody>
+          <a:bodyPr anchorCtr="0" anchor="t" bIns="91425" lIns="91425" spcFirstLastPara="1" rIns="91425" wrap="square" tIns="91425">
+            <a:normAutofit/>
+          </a:bodyPr>
+          <a:lstStyle/>
+          <a:p>
+            <a:pPr indent="0" lvl="0" marL="0" rtl="0" algn="l">
+              <a:spcBef>
+                <a:spcPts val="0"/>
+              </a:spcBef>
+              <a:spcAft>
+                <a:spcPts val="1200"/>
+              </a:spcAft>
+              <a:buNone/>
+            </a:pPr>
+            <a:r>
+              <a:rPr lang="en"/>
+              <a:t>Эффективность и время сжатия других форматов зависит от однообразности их данных (цветов или звуков). Возьмем два .bmp файла размера 50 МБ:</a:t>
+            </a:r>
+            <a:endParaRPr/>
+          </a:p>
+        </p:txBody>
+      </p:sp>
+      <p:pic>
+        <p:nvPicPr>
+          <p:cNvPr id="121" name="Google Shape;121;p24"/>
+          <p:cNvPicPr preferRelativeResize="0"/>
+          <p:nvPr/>
+        </p:nvPicPr>
+        <p:blipFill>
+          <a:blip r:embed="rId3">
+            <a:alphaModFix/>
+          </a:blip>
+          <a:stretch>
+            <a:fillRect/>
+          </a:stretch>
+        </p:blipFill>
+        <p:spPr>
+          <a:xfrm>
+            <a:off x="803438" y="1140575"/>
+            <a:ext cx="2806575" cy="2832799"/>
+          </a:xfrm>
+          <a:prstGeom prst="rect">
+            <a:avLst/>
+          </a:prstGeom>
+          <a:noFill/>
+          <a:ln>
+            <a:noFill/>
+          </a:ln>
+        </p:spPr>
+      </p:pic>
+      <p:pic>
+        <p:nvPicPr>
+          <p:cNvPr id="122" name="Google Shape;122;p24"/>
+          <p:cNvPicPr preferRelativeResize="0"/>
+          <p:nvPr/>
+        </p:nvPicPr>
+        <p:blipFill>
+          <a:blip r:embed="rId4">
+            <a:alphaModFix/>
+          </a:blip>
+          <a:stretch>
+            <a:fillRect/>
+          </a:stretch>
+        </p:blipFill>
+        <p:spPr>
+          <a:xfrm>
+            <a:off x="4208263" y="1140575"/>
+            <a:ext cx="4217726" cy="2832799"/>
+          </a:xfrm>
+          <a:prstGeom prst="rect">
+            <a:avLst/>
+          </a:prstGeom>
+          <a:noFill/>
+          <a:ln>
+            <a:noFill/>
+          </a:ln>
+        </p:spPr>
+      </p:pic>
+      <p:sp>
+        <p:nvSpPr>
+          <p:cNvPr id="123" name="Google Shape;123;p24"/>
+          <p:cNvSpPr txBox="1"/>
+          <p:nvPr/>
+        </p:nvSpPr>
+        <p:spPr>
+          <a:xfrm>
+            <a:off x="718013" y="4186225"/>
+            <a:ext cx="2892000" cy="738900"/>
+          </a:xfrm>
+          <a:prstGeom prst="rect">
+            <a:avLst/>
+          </a:prstGeom>
+          <a:solidFill>
+            <a:srgbClr val="B6D7A8"/>
+          </a:solidFill>
+          <a:ln>
+            <a:noFill/>
+          </a:ln>
+        </p:spPr>
+        <p:txBody>
+          <a:bodyPr anchorCtr="0" anchor="t" bIns="91425" lIns="91425" spcFirstLastPara="1" rIns="91425" wrap="square" tIns="91425">
+            <a:spAutoFit/>
+          </a:bodyPr>
+          <a:lstStyle/>
+          <a:p>
+            <a:pPr indent="0" lvl="0" marL="0" rtl="0" algn="ctr">
+              <a:spcBef>
+                <a:spcPts val="0"/>
+              </a:spcBef>
+              <a:spcAft>
+                <a:spcPts val="0"/>
+              </a:spcAft>
+              <a:buNone/>
+            </a:pPr>
+            <a:r>
+              <a:rPr lang="en" sz="1800">
+                <a:solidFill>
+                  <a:schemeClr val="lt2"/>
+                </a:solidFill>
+                <a:latin typeface="Source Sans Pro"/>
+                <a:ea typeface="Source Sans Pro"/>
+                <a:cs typeface="Source Sans Pro"/>
+                <a:sym typeface="Source Sans Pro"/>
+              </a:rPr>
+              <a:t>Сжатие: 41.8%</a:t>
+            </a:r>
+            <a:br>
+              <a:rPr lang="en" sz="1800">
+                <a:solidFill>
+                  <a:schemeClr val="lt2"/>
+                </a:solidFill>
+                <a:latin typeface="Source Sans Pro"/>
+                <a:ea typeface="Source Sans Pro"/>
+                <a:cs typeface="Source Sans Pro"/>
+                <a:sym typeface="Source Sans Pro"/>
+              </a:rPr>
+            </a:br>
+            <a:r>
+              <a:rPr lang="en" sz="1800">
+                <a:solidFill>
+                  <a:schemeClr val="lt2"/>
+                </a:solidFill>
+                <a:latin typeface="Source Sans Pro"/>
+                <a:ea typeface="Source Sans Pro"/>
+                <a:cs typeface="Source Sans Pro"/>
+                <a:sym typeface="Source Sans Pro"/>
+              </a:rPr>
+              <a:t>Скорость сжатия: 3.1 Б/сек</a:t>
+            </a:r>
+            <a:endParaRPr sz="1800">
+              <a:solidFill>
+                <a:schemeClr val="lt2"/>
+              </a:solidFill>
+              <a:latin typeface="Source Sans Pro"/>
+              <a:ea typeface="Source Sans Pro"/>
+              <a:cs typeface="Source Sans Pro"/>
+              <a:sym typeface="Source Sans Pro"/>
+            </a:endParaRPr>
+          </a:p>
+        </p:txBody>
+      </p:sp>
+      <p:sp>
+        <p:nvSpPr>
+          <p:cNvPr id="124" name="Google Shape;124;p24"/>
+          <p:cNvSpPr txBox="1"/>
+          <p:nvPr/>
+        </p:nvSpPr>
+        <p:spPr>
+          <a:xfrm>
+            <a:off x="4208288" y="4186225"/>
+            <a:ext cx="4217700" cy="738900"/>
+          </a:xfrm>
+          <a:prstGeom prst="rect">
+            <a:avLst/>
+          </a:prstGeom>
+          <a:solidFill>
+            <a:srgbClr val="EA9999"/>
+          </a:solidFill>
+          <a:ln>
+            <a:noFill/>
+          </a:ln>
+        </p:spPr>
+        <p:txBody>
+          <a:bodyPr anchorCtr="0" anchor="t" bIns="91425" lIns="91425" spcFirstLastPara="1" rIns="91425" wrap="square" tIns="91425">
+            <a:noAutofit/>
+          </a:bodyPr>
+          <a:lstStyle/>
+          <a:p>
+            <a:pPr indent="0" lvl="0" marL="0" rtl="0" algn="ctr">
+              <a:spcBef>
+                <a:spcPts val="0"/>
+              </a:spcBef>
+              <a:spcAft>
+                <a:spcPts val="0"/>
+              </a:spcAft>
+              <a:buNone/>
+            </a:pPr>
+            <a:r>
+              <a:rPr lang="en" sz="1800">
+                <a:solidFill>
+                  <a:schemeClr val="lt2"/>
+                </a:solidFill>
+                <a:latin typeface="Source Sans Pro"/>
+                <a:ea typeface="Source Sans Pro"/>
+                <a:cs typeface="Source Sans Pro"/>
+                <a:sym typeface="Source Sans Pro"/>
+              </a:rPr>
+              <a:t>Сжатие 1.3%</a:t>
+            </a:r>
+            <a:br>
+              <a:rPr lang="en" sz="1800">
+                <a:solidFill>
+                  <a:schemeClr val="lt2"/>
+                </a:solidFill>
+                <a:latin typeface="Source Sans Pro"/>
+                <a:ea typeface="Source Sans Pro"/>
+                <a:cs typeface="Source Sans Pro"/>
+                <a:sym typeface="Source Sans Pro"/>
+              </a:rPr>
+            </a:br>
+            <a:r>
+              <a:rPr lang="en" sz="1800">
+                <a:solidFill>
+                  <a:schemeClr val="lt2"/>
+                </a:solidFill>
+                <a:latin typeface="Source Sans Pro"/>
+                <a:ea typeface="Source Sans Pro"/>
+                <a:cs typeface="Source Sans Pro"/>
+                <a:sym typeface="Source Sans Pro"/>
+              </a:rPr>
+              <a:t>Скорость сжатия: 1.9 Б/сек</a:t>
+            </a:r>
+            <a:endParaRPr sz="1800">
+              <a:solidFill>
+                <a:schemeClr val="lt2"/>
+              </a:solidFill>
+              <a:latin typeface="Source Sans Pro"/>
+              <a:ea typeface="Source Sans Pro"/>
+              <a:cs typeface="Source Sans Pro"/>
+              <a:sym typeface="Source Sans Pro"/>
+            </a:endParaRPr>
           </a:p>
         </p:txBody>
       </p:sp>
@@ -8055,11 +8248,11 @@
 </file>
 
 <file path=ppt/slides/slide2.xml><?xml version="1.0" encoding="utf-8"?>
-<p:sld xmlns:a="http://schemas.openxmlformats.org/drawingml/2006/main" xmlns:r="http://schemas.openxmlformats.org/officeDocument/2006/relationships" xmlns:p="http://schemas.openxmlformats.org/presentationml/2006/main">
+<p:sld xmlns:a="http://schemas.openxmlformats.org/drawingml/2006/main" xmlns:r="http://schemas.openxmlformats.org/officeDocument/2006/relationships" xmlns:mc="http://schemas.openxmlformats.org/markup-compatibility/2006" xmlns:mv="urn:schemas-microsoft-com:mac:vml" xmlns:p="http://schemas.openxmlformats.org/presentationml/2006/main" xmlns:c="http://schemas.openxmlformats.org/drawingml/2006/chart" xmlns:dgm="http://schemas.openxmlformats.org/drawingml/2006/diagram" xmlns:o="urn:schemas-microsoft-com:office:office" xmlns:v="urn:schemas-microsoft-com:vml" xmlns:pvml="urn:schemas-microsoft-com:office:powerpoint" xmlns:com="http://schemas.openxmlformats.org/drawingml/2006/compatibility" xmlns:p14="http://schemas.microsoft.com/office/powerpoint/2010/main" xmlns:p15="http://schemas.microsoft.com/office/powerpoint/2012/main" xmlns:ahyp="http://schemas.microsoft.com/office/drawing/2018/hyperlinkcolor">
   <p:cSld>
     <p:spTree>
       <p:nvGrpSpPr>
-        <p:cNvPr id="1" name="Shape 63"/>
+        <p:cNvPr id="63" name="Shape 63"/>
         <p:cNvGrpSpPr/>
         <p:nvPr/>
       </p:nvGrpSpPr>
@@ -8074,9 +8267,7 @@
       <p:sp>
         <p:nvSpPr>
           <p:cNvPr id="64" name="Google Shape;64;p14"/>
-          <p:cNvSpPr txBox="1">
-            <a:spLocks noGrp="1"/>
-          </p:cNvSpPr>
+          <p:cNvSpPr txBox="1"/>
           <p:nvPr>
             <p:ph type="title"/>
           </p:nvPr>
@@ -8091,12 +8282,12 @@
           </a:prstGeom>
         </p:spPr>
         <p:txBody>
-          <a:bodyPr spcFirstLastPara="1" wrap="square" lIns="91425" tIns="91425" rIns="91425" bIns="91425" anchor="b" anchorCtr="0">
+          <a:bodyPr anchorCtr="0" anchor="b" bIns="91425" lIns="91425" spcFirstLastPara="1" rIns="91425" wrap="square" tIns="91425">
             <a:normAutofit/>
           </a:bodyPr>
           <a:lstStyle/>
           <a:p>
-            <a:pPr marL="0" lvl="0" indent="0" algn="ctr" rtl="0">
+            <a:pPr indent="0" lvl="0" marL="0" rtl="0" algn="ctr">
               <a:spcBef>
                 <a:spcPts val="0"/>
               </a:spcBef>
@@ -8122,11 +8313,11 @@
 </file>
 
 <file path=ppt/slides/slide3.xml><?xml version="1.0" encoding="utf-8"?>
-<p:sld xmlns:a="http://schemas.openxmlformats.org/drawingml/2006/main" xmlns:r="http://schemas.openxmlformats.org/officeDocument/2006/relationships" xmlns:p="http://schemas.openxmlformats.org/presentationml/2006/main">
+<p:sld xmlns:a="http://schemas.openxmlformats.org/drawingml/2006/main" xmlns:r="http://schemas.openxmlformats.org/officeDocument/2006/relationships" xmlns:mc="http://schemas.openxmlformats.org/markup-compatibility/2006" xmlns:mv="urn:schemas-microsoft-com:mac:vml" xmlns:p="http://schemas.openxmlformats.org/presentationml/2006/main" xmlns:c="http://schemas.openxmlformats.org/drawingml/2006/chart" xmlns:dgm="http://schemas.openxmlformats.org/drawingml/2006/diagram" xmlns:o="urn:schemas-microsoft-com:office:office" xmlns:v="urn:schemas-microsoft-com:vml" xmlns:pvml="urn:schemas-microsoft-com:office:powerpoint" xmlns:com="http://schemas.openxmlformats.org/drawingml/2006/compatibility" xmlns:p14="http://schemas.microsoft.com/office/powerpoint/2010/main" xmlns:p15="http://schemas.microsoft.com/office/powerpoint/2012/main" xmlns:ahyp="http://schemas.microsoft.com/office/drawing/2018/hyperlinkcolor">
   <p:cSld>
     <p:spTree>
       <p:nvGrpSpPr>
-        <p:cNvPr id="1" name="Shape 68"/>
+        <p:cNvPr id="68" name="Shape 68"/>
         <p:cNvGrpSpPr/>
         <p:nvPr/>
       </p:nvGrpSpPr>
@@ -8146,58 +8337,22 @@
         </p:nvGraphicFramePr>
         <p:xfrm>
           <a:off x="0" y="0"/>
-          <a:ext cx="9144025" cy="5143500"/>
+          <a:ext cx="3000000" cy="3000000"/>
         </p:xfrm>
         <a:graphic>
           <a:graphicData uri="http://schemas.openxmlformats.org/drawingml/2006/table">
             <a:tbl>
               <a:tblPr>
                 <a:noFill/>
-                <a:tableStyleId>{04C82B5E-6D9D-424B-9A40-26C975ACC433}</a:tableStyleId>
+                <a:tableStyleId>{89FE0AA5-49AA-4839-A657-6D68C9E0F3EE}</a:tableStyleId>
               </a:tblPr>
               <a:tblGrid>
-                <a:gridCol w="761700">
-                  <a:extLst>
-                    <a:ext uri="{9D8B030D-6E8A-4147-A177-3AD203B41FA5}">
-                      <a16:colId xmlns:a16="http://schemas.microsoft.com/office/drawing/2014/main" val="20000"/>
-                    </a:ext>
-                  </a:extLst>
-                </a:gridCol>
-                <a:gridCol w="2082750">
-                  <a:extLst>
-                    <a:ext uri="{9D8B030D-6E8A-4147-A177-3AD203B41FA5}">
-                      <a16:colId xmlns:a16="http://schemas.microsoft.com/office/drawing/2014/main" val="20001"/>
-                    </a:ext>
-                  </a:extLst>
-                </a:gridCol>
-                <a:gridCol w="1338925">
-                  <a:extLst>
-                    <a:ext uri="{9D8B030D-6E8A-4147-A177-3AD203B41FA5}">
-                      <a16:colId xmlns:a16="http://schemas.microsoft.com/office/drawing/2014/main" val="20002"/>
-                    </a:ext>
-                  </a:extLst>
-                </a:gridCol>
-                <a:gridCol w="1836975">
-                  <a:extLst>
-                    <a:ext uri="{9D8B030D-6E8A-4147-A177-3AD203B41FA5}">
-                      <a16:colId xmlns:a16="http://schemas.microsoft.com/office/drawing/2014/main" val="20003"/>
-                    </a:ext>
-                  </a:extLst>
-                </a:gridCol>
-                <a:gridCol w="1426275">
-                  <a:extLst>
-                    <a:ext uri="{9D8B030D-6E8A-4147-A177-3AD203B41FA5}">
-                      <a16:colId xmlns:a16="http://schemas.microsoft.com/office/drawing/2014/main" val="20004"/>
-                    </a:ext>
-                  </a:extLst>
-                </a:gridCol>
-                <a:gridCol w="1697400">
-                  <a:extLst>
-                    <a:ext uri="{9D8B030D-6E8A-4147-A177-3AD203B41FA5}">
-                      <a16:colId xmlns:a16="http://schemas.microsoft.com/office/drawing/2014/main" val="20005"/>
-                    </a:ext>
-                  </a:extLst>
-                </a:gridCol>
+                <a:gridCol w="761700"/>
+                <a:gridCol w="2082750"/>
+                <a:gridCol w="1338925"/>
+                <a:gridCol w="1836975"/>
+                <a:gridCol w="1426275"/>
+                <a:gridCol w="1697400"/>
               </a:tblGrid>
               <a:tr h="910600">
                 <a:tc>
@@ -8205,7 +8360,7 @@
                     <a:bodyPr/>
                     <a:lstStyle/>
                     <a:p>
-                      <a:pPr marL="0" lvl="0" indent="0" algn="l" rtl="0">
+                      <a:pPr indent="0" lvl="0" marL="0" rtl="0" algn="l">
                         <a:spcBef>
                           <a:spcPts val="0"/>
                         </a:spcBef>
@@ -8221,14 +8376,14 @@
                       <a:endParaRPr/>
                     </a:p>
                   </a:txBody>
-                  <a:tcPr marL="91425" marR="91425" marT="91425" marB="91425"/>
+                  <a:tcPr marT="91425" marB="91425" marR="91425" marL="91425"/>
                 </a:tc>
                 <a:tc>
                   <a:txBody>
                     <a:bodyPr/>
                     <a:lstStyle/>
                     <a:p>
-                      <a:pPr marL="0" lvl="0" indent="0" algn="l" rtl="0">
+                      <a:pPr indent="0" lvl="0" marL="0" rtl="0" algn="l">
                         <a:spcBef>
                           <a:spcPts val="0"/>
                         </a:spcBef>
@@ -8244,14 +8399,14 @@
                       <a:endParaRPr/>
                     </a:p>
                   </a:txBody>
-                  <a:tcPr marL="91425" marR="91425" marT="91425" marB="91425"/>
+                  <a:tcPr marT="91425" marB="91425" marR="91425" marL="91425"/>
                 </a:tc>
                 <a:tc>
                   <a:txBody>
                     <a:bodyPr/>
                     <a:lstStyle/>
                     <a:p>
-                      <a:pPr marL="0" lvl="0" indent="0" algn="l" rtl="0">
+                      <a:pPr indent="0" lvl="0" marL="0" rtl="0" algn="l">
                         <a:spcBef>
                           <a:spcPts val="0"/>
                         </a:spcBef>
@@ -8267,14 +8422,14 @@
                       <a:endParaRPr/>
                     </a:p>
                   </a:txBody>
-                  <a:tcPr marL="91425" marR="91425" marT="91425" marB="91425"/>
+                  <a:tcPr marT="91425" marB="91425" marR="91425" marL="91425"/>
                 </a:tc>
                 <a:tc>
                   <a:txBody>
                     <a:bodyPr/>
                     <a:lstStyle/>
                     <a:p>
-                      <a:pPr marL="0" lvl="0" indent="0" algn="l" rtl="0">
+                      <a:pPr indent="0" lvl="0" marL="0" rtl="0" algn="l">
                         <a:spcBef>
                           <a:spcPts val="0"/>
                         </a:spcBef>
@@ -8290,14 +8445,14 @@
                       <a:endParaRPr/>
                     </a:p>
                   </a:txBody>
-                  <a:tcPr marL="91425" marR="91425" marT="91425" marB="91425"/>
+                  <a:tcPr marT="91425" marB="91425" marR="91425" marL="91425"/>
                 </a:tc>
                 <a:tc>
                   <a:txBody>
                     <a:bodyPr/>
                     <a:lstStyle/>
                     <a:p>
-                      <a:pPr marL="0" lvl="0" indent="0" algn="l" rtl="0">
+                      <a:pPr indent="0" lvl="0" marL="0" rtl="0" algn="l">
                         <a:spcBef>
                           <a:spcPts val="0"/>
                         </a:spcBef>
@@ -8313,14 +8468,14 @@
                       <a:endParaRPr/>
                     </a:p>
                   </a:txBody>
-                  <a:tcPr marL="91425" marR="91425" marT="91425" marB="91425"/>
+                  <a:tcPr marT="91425" marB="91425" marR="91425" marL="91425"/>
                 </a:tc>
                 <a:tc>
                   <a:txBody>
                     <a:bodyPr/>
                     <a:lstStyle/>
                     <a:p>
-                      <a:pPr marL="0" lvl="0" indent="0" algn="l" rtl="0">
+                      <a:pPr indent="0" lvl="0" marL="0" rtl="0" algn="l">
                         <a:spcBef>
                           <a:spcPts val="0"/>
                         </a:spcBef>
@@ -8336,13 +8491,8 @@
                       <a:endParaRPr/>
                     </a:p>
                   </a:txBody>
-                  <a:tcPr marL="91425" marR="91425" marT="91425" marB="91425"/>
+                  <a:tcPr marT="91425" marB="91425" marR="91425" marL="91425"/>
                 </a:tc>
-                <a:extLst>
-                  <a:ext uri="{0D108BD9-81ED-4DB2-BD59-A6C34878D82A}">
-                    <a16:rowId xmlns:a16="http://schemas.microsoft.com/office/drawing/2014/main" val="10000"/>
-                  </a:ext>
-                </a:extLst>
               </a:tr>
               <a:tr h="1157000">
                 <a:tc>
@@ -8350,7 +8500,7 @@
                     <a:bodyPr/>
                     <a:lstStyle/>
                     <a:p>
-                      <a:pPr marL="0" lvl="0" indent="0" algn="l" rtl="0">
+                      <a:pPr indent="0" lvl="0" marL="0" rtl="0" algn="l">
                         <a:spcBef>
                           <a:spcPts val="0"/>
                         </a:spcBef>
@@ -8366,14 +8516,14 @@
                       <a:endParaRPr/>
                     </a:p>
                   </a:txBody>
-                  <a:tcPr marL="91425" marR="91425" marT="91425" marB="91425"/>
+                  <a:tcPr marT="91425" marB="91425" marR="91425" marL="91425"/>
                 </a:tc>
                 <a:tc>
                   <a:txBody>
                     <a:bodyPr/>
                     <a:lstStyle/>
                     <a:p>
-                      <a:pPr marL="0" lvl="0" indent="0" algn="l" rtl="0">
+                      <a:pPr indent="0" lvl="0" marL="0" rtl="0" algn="l">
                         <a:spcBef>
                           <a:spcPts val="0"/>
                         </a:spcBef>
@@ -8389,14 +8539,14 @@
                       <a:endParaRPr/>
                     </a:p>
                   </a:txBody>
-                  <a:tcPr marL="91425" marR="91425" marT="91425" marB="91425"/>
+                  <a:tcPr marT="91425" marB="91425" marR="91425" marL="91425"/>
                 </a:tc>
                 <a:tc>
                   <a:txBody>
                     <a:bodyPr/>
                     <a:lstStyle/>
                     <a:p>
-                      <a:pPr marL="0" lvl="0" indent="0" algn="l" rtl="0">
+                      <a:pPr indent="0" lvl="0" marL="0" rtl="0" algn="l">
                         <a:spcBef>
                           <a:spcPts val="0"/>
                         </a:spcBef>
@@ -8436,14 +8586,14 @@
                       <a:endParaRPr/>
                     </a:p>
                   </a:txBody>
-                  <a:tcPr marL="91425" marR="91425" marT="91425" marB="91425"/>
+                  <a:tcPr marT="91425" marB="91425" marR="91425" marL="91425"/>
                 </a:tc>
                 <a:tc>
                   <a:txBody>
                     <a:bodyPr/>
                     <a:lstStyle/>
                     <a:p>
-                      <a:pPr marL="0" lvl="0" indent="0" algn="l" rtl="0">
+                      <a:pPr indent="0" lvl="0" marL="0" rtl="0" algn="l">
                         <a:spcBef>
                           <a:spcPts val="0"/>
                         </a:spcBef>
@@ -8468,14 +8618,14 @@
                       <a:endParaRPr/>
                     </a:p>
                   </a:txBody>
-                  <a:tcPr marL="91425" marR="91425" marT="91425" marB="91425"/>
+                  <a:tcPr marT="91425" marB="91425" marR="91425" marL="91425"/>
                 </a:tc>
                 <a:tc>
                   <a:txBody>
                     <a:bodyPr/>
                     <a:lstStyle/>
                     <a:p>
-                      <a:pPr marL="0" lvl="0" indent="0" algn="l" rtl="0">
+                      <a:pPr indent="0" lvl="0" marL="0" rtl="0" algn="l">
                         <a:spcBef>
                           <a:spcPts val="0"/>
                         </a:spcBef>
@@ -8491,14 +8641,14 @@
                       <a:endParaRPr/>
                     </a:p>
                   </a:txBody>
-                  <a:tcPr marL="91425" marR="91425" marT="91425" marB="91425"/>
+                  <a:tcPr marT="91425" marB="91425" marR="91425" marL="91425"/>
                 </a:tc>
                 <a:tc>
                   <a:txBody>
                     <a:bodyPr/>
                     <a:lstStyle/>
                     <a:p>
-                      <a:pPr marL="0" lvl="0" indent="0" algn="l" rtl="0">
+                      <a:pPr indent="0" lvl="0" marL="0" rtl="0" algn="l">
                         <a:spcBef>
                           <a:spcPts val="0"/>
                         </a:spcBef>
@@ -8514,13 +8664,8 @@
                       <a:endParaRPr/>
                     </a:p>
                   </a:txBody>
-                  <a:tcPr marL="91425" marR="91425" marT="91425" marB="91425"/>
+                  <a:tcPr marT="91425" marB="91425" marR="91425" marL="91425"/>
                 </a:tc>
-                <a:extLst>
-                  <a:ext uri="{0D108BD9-81ED-4DB2-BD59-A6C34878D82A}">
-                    <a16:rowId xmlns:a16="http://schemas.microsoft.com/office/drawing/2014/main" val="10001"/>
-                  </a:ext>
-                </a:extLst>
               </a:tr>
               <a:tr h="1157000">
                 <a:tc>
@@ -8528,7 +8673,7 @@
                     <a:bodyPr/>
                     <a:lstStyle/>
                     <a:p>
-                      <a:pPr marL="0" lvl="0" indent="0" algn="l" rtl="0">
+                      <a:pPr indent="0" lvl="0" marL="0" rtl="0" algn="l">
                         <a:spcBef>
                           <a:spcPts val="0"/>
                         </a:spcBef>
@@ -8544,14 +8689,14 @@
                       <a:endParaRPr/>
                     </a:p>
                   </a:txBody>
-                  <a:tcPr marL="91425" marR="91425" marT="91425" marB="91425"/>
+                  <a:tcPr marT="91425" marB="91425" marR="91425" marL="91425"/>
                 </a:tc>
                 <a:tc>
                   <a:txBody>
                     <a:bodyPr/>
                     <a:lstStyle/>
                     <a:p>
-                      <a:pPr marL="0" lvl="0" indent="0" algn="l" rtl="0">
+                      <a:pPr indent="0" lvl="0" marL="0" rtl="0" algn="l">
                         <a:spcBef>
                           <a:spcPts val="0"/>
                         </a:spcBef>
@@ -8576,14 +8721,14 @@
                       <a:endParaRPr/>
                     </a:p>
                   </a:txBody>
-                  <a:tcPr marL="91425" marR="91425" marT="91425" marB="91425"/>
+                  <a:tcPr marT="91425" marB="91425" marR="91425" marL="91425"/>
                 </a:tc>
                 <a:tc>
                   <a:txBody>
                     <a:bodyPr/>
                     <a:lstStyle/>
                     <a:p>
-                      <a:pPr marL="0" lvl="0" indent="0" algn="l" rtl="0">
+                      <a:pPr indent="0" lvl="0" marL="0" rtl="0" algn="l">
                         <a:spcBef>
                           <a:spcPts val="0"/>
                         </a:spcBef>
@@ -8606,14 +8751,14 @@
                       <a:endParaRPr/>
                     </a:p>
                   </a:txBody>
-                  <a:tcPr marL="91425" marR="91425" marT="91425" marB="91425"/>
+                  <a:tcPr marT="91425" marB="91425" marR="91425" marL="91425"/>
                 </a:tc>
                 <a:tc>
                   <a:txBody>
                     <a:bodyPr/>
                     <a:lstStyle/>
                     <a:p>
-                      <a:pPr marL="0" lvl="0" indent="0" algn="l" rtl="0">
+                      <a:pPr indent="0" lvl="0" marL="0" rtl="0" algn="l">
                         <a:spcBef>
                           <a:spcPts val="0"/>
                         </a:spcBef>
@@ -8638,14 +8783,14 @@
                       <a:endParaRPr/>
                     </a:p>
                   </a:txBody>
-                  <a:tcPr marL="91425" marR="91425" marT="91425" marB="91425"/>
+                  <a:tcPr marT="91425" marB="91425" marR="91425" marL="91425"/>
                 </a:tc>
                 <a:tc>
                   <a:txBody>
                     <a:bodyPr/>
                     <a:lstStyle/>
                     <a:p>
-                      <a:pPr marL="0" lvl="0" indent="0" algn="l" rtl="0">
+                      <a:pPr indent="0" lvl="0" marL="0" rtl="0" algn="l">
                         <a:spcBef>
                           <a:spcPts val="0"/>
                         </a:spcBef>
@@ -8661,14 +8806,14 @@
                       <a:endParaRPr/>
                     </a:p>
                   </a:txBody>
-                  <a:tcPr marL="91425" marR="91425" marT="91425" marB="91425"/>
+                  <a:tcPr marT="91425" marB="91425" marR="91425" marL="91425"/>
                 </a:tc>
                 <a:tc>
                   <a:txBody>
                     <a:bodyPr/>
                     <a:lstStyle/>
                     <a:p>
-                      <a:pPr marL="0" lvl="0" indent="0" algn="l" rtl="0">
+                      <a:pPr indent="0" lvl="0" marL="0" rtl="0" algn="l">
                         <a:spcBef>
                           <a:spcPts val="0"/>
                         </a:spcBef>
@@ -8684,13 +8829,8 @@
                       <a:endParaRPr/>
                     </a:p>
                   </a:txBody>
-                  <a:tcPr marL="91425" marR="91425" marT="91425" marB="91425"/>
+                  <a:tcPr marT="91425" marB="91425" marR="91425" marL="91425"/>
                 </a:tc>
-                <a:extLst>
-                  <a:ext uri="{0D108BD9-81ED-4DB2-BD59-A6C34878D82A}">
-                    <a16:rowId xmlns:a16="http://schemas.microsoft.com/office/drawing/2014/main" val="10002"/>
-                  </a:ext>
-                </a:extLst>
               </a:tr>
               <a:tr h="1157000">
                 <a:tc>
@@ -8698,7 +8838,7 @@
                     <a:bodyPr/>
                     <a:lstStyle/>
                     <a:p>
-                      <a:pPr marL="0" lvl="0" indent="0" algn="l" rtl="0">
+                      <a:pPr indent="0" lvl="0" marL="0" rtl="0" algn="l">
                         <a:spcBef>
                           <a:spcPts val="0"/>
                         </a:spcBef>
@@ -8714,14 +8854,14 @@
                       <a:endParaRPr/>
                     </a:p>
                   </a:txBody>
-                  <a:tcPr marL="91425" marR="91425" marT="91425" marB="91425"/>
+                  <a:tcPr marT="91425" marB="91425" marR="91425" marL="91425"/>
                 </a:tc>
                 <a:tc>
                   <a:txBody>
                     <a:bodyPr/>
                     <a:lstStyle/>
                     <a:p>
-                      <a:pPr marL="0" lvl="0" indent="0" algn="l" rtl="0">
+                      <a:pPr indent="0" lvl="0" marL="0" rtl="0" algn="l">
                         <a:spcBef>
                           <a:spcPts val="0"/>
                         </a:spcBef>
@@ -8746,14 +8886,14 @@
                       <a:endParaRPr/>
                     </a:p>
                   </a:txBody>
-                  <a:tcPr marL="91425" marR="91425" marT="91425" marB="91425"/>
+                  <a:tcPr marT="91425" marB="91425" marR="91425" marL="91425"/>
                 </a:tc>
                 <a:tc>
                   <a:txBody>
                     <a:bodyPr/>
                     <a:lstStyle/>
                     <a:p>
-                      <a:pPr marL="0" lvl="0" indent="0" algn="l" rtl="0">
+                      <a:pPr indent="0" lvl="0" marL="0" rtl="0" algn="l">
                         <a:spcBef>
                           <a:spcPts val="0"/>
                         </a:spcBef>
@@ -8793,14 +8933,14 @@
                       <a:endParaRPr/>
                     </a:p>
                   </a:txBody>
-                  <a:tcPr marL="91425" marR="91425" marT="91425" marB="91425"/>
+                  <a:tcPr marT="91425" marB="91425" marR="91425" marL="91425"/>
                 </a:tc>
                 <a:tc>
                   <a:txBody>
                     <a:bodyPr/>
                     <a:lstStyle/>
                     <a:p>
-                      <a:pPr marL="0" lvl="0" indent="0" algn="l" rtl="0">
+                      <a:pPr indent="0" lvl="0" marL="0" rtl="0" algn="l">
                         <a:spcBef>
                           <a:spcPts val="0"/>
                         </a:spcBef>
@@ -8825,14 +8965,14 @@
                       <a:endParaRPr/>
                     </a:p>
                   </a:txBody>
-                  <a:tcPr marL="91425" marR="91425" marT="91425" marB="91425"/>
+                  <a:tcPr marT="91425" marB="91425" marR="91425" marL="91425"/>
                 </a:tc>
                 <a:tc>
                   <a:txBody>
                     <a:bodyPr/>
                     <a:lstStyle/>
                     <a:p>
-                      <a:pPr marL="0" lvl="0" indent="0" algn="l" rtl="0">
+                      <a:pPr indent="0" lvl="0" marL="0" rtl="0" algn="l">
                         <a:spcBef>
                           <a:spcPts val="0"/>
                         </a:spcBef>
@@ -8848,14 +8988,14 @@
                       <a:endParaRPr/>
                     </a:p>
                   </a:txBody>
-                  <a:tcPr marL="91425" marR="91425" marT="91425" marB="91425"/>
+                  <a:tcPr marT="91425" marB="91425" marR="91425" marL="91425"/>
                 </a:tc>
                 <a:tc>
                   <a:txBody>
                     <a:bodyPr/>
                     <a:lstStyle/>
                     <a:p>
-                      <a:pPr marL="0" lvl="0" indent="0" algn="l" rtl="0">
+                      <a:pPr indent="0" lvl="0" marL="0" rtl="0" algn="l">
                         <a:spcBef>
                           <a:spcPts val="0"/>
                         </a:spcBef>
@@ -8871,13 +9011,8 @@
                       <a:endParaRPr/>
                     </a:p>
                   </a:txBody>
-                  <a:tcPr marL="91425" marR="91425" marT="91425" marB="91425"/>
+                  <a:tcPr marT="91425" marB="91425" marR="91425" marL="91425"/>
                 </a:tc>
-                <a:extLst>
-                  <a:ext uri="{0D108BD9-81ED-4DB2-BD59-A6C34878D82A}">
-                    <a16:rowId xmlns:a16="http://schemas.microsoft.com/office/drawing/2014/main" val="10003"/>
-                  </a:ext>
-                </a:extLst>
               </a:tr>
               <a:tr h="761900">
                 <a:tc>
@@ -8885,7 +9020,7 @@
                     <a:bodyPr/>
                     <a:lstStyle/>
                     <a:p>
-                      <a:pPr marL="0" lvl="0" indent="0" algn="l" rtl="0">
+                      <a:pPr indent="0" lvl="0" marL="0" rtl="0" algn="l">
                         <a:spcBef>
                           <a:spcPts val="0"/>
                         </a:spcBef>
@@ -8901,14 +9036,14 @@
                       <a:endParaRPr/>
                     </a:p>
                   </a:txBody>
-                  <a:tcPr marL="91425" marR="91425" marT="91425" marB="91425"/>
+                  <a:tcPr marT="91425" marB="91425" marR="91425" marL="91425"/>
                 </a:tc>
                 <a:tc>
                   <a:txBody>
                     <a:bodyPr/>
                     <a:lstStyle/>
                     <a:p>
-                      <a:pPr marL="0" lvl="0" indent="0" algn="l" rtl="0">
+                      <a:pPr indent="0" lvl="0" marL="0" rtl="0" algn="l">
                         <a:spcBef>
                           <a:spcPts val="0"/>
                         </a:spcBef>
@@ -8924,14 +9059,14 @@
                       <a:endParaRPr/>
                     </a:p>
                   </a:txBody>
-                  <a:tcPr marL="91425" marR="91425" marT="91425" marB="91425"/>
+                  <a:tcPr marT="91425" marB="91425" marR="91425" marL="91425"/>
                 </a:tc>
                 <a:tc>
                   <a:txBody>
                     <a:bodyPr/>
                     <a:lstStyle/>
                     <a:p>
-                      <a:pPr marL="0" lvl="0" indent="0" algn="l" rtl="0">
+                      <a:pPr indent="0" lvl="0" marL="0" rtl="0" algn="l">
                         <a:spcBef>
                           <a:spcPts val="0"/>
                         </a:spcBef>
@@ -8947,14 +9082,14 @@
                       <a:endParaRPr/>
                     </a:p>
                   </a:txBody>
-                  <a:tcPr marL="91425" marR="91425" marT="91425" marB="91425"/>
+                  <a:tcPr marT="91425" marB="91425" marR="91425" marL="91425"/>
                 </a:tc>
                 <a:tc>
                   <a:txBody>
                     <a:bodyPr/>
                     <a:lstStyle/>
                     <a:p>
-                      <a:pPr marL="0" lvl="0" indent="0" algn="l" rtl="0">
+                      <a:pPr indent="0" lvl="0" marL="0" rtl="0" algn="l">
                         <a:spcBef>
                           <a:spcPts val="0"/>
                         </a:spcBef>
@@ -8970,14 +9105,14 @@
                       <a:endParaRPr/>
                     </a:p>
                   </a:txBody>
-                  <a:tcPr marL="91425" marR="91425" marT="91425" marB="91425"/>
+                  <a:tcPr marT="91425" marB="91425" marR="91425" marL="91425"/>
                 </a:tc>
                 <a:tc>
                   <a:txBody>
                     <a:bodyPr/>
                     <a:lstStyle/>
                     <a:p>
-                      <a:pPr marL="0" lvl="0" indent="0" algn="l" rtl="0">
+                      <a:pPr indent="0" lvl="0" marL="0" rtl="0" algn="l">
                         <a:spcBef>
                           <a:spcPts val="0"/>
                         </a:spcBef>
@@ -8993,14 +9128,14 @@
                       <a:endParaRPr/>
                     </a:p>
                   </a:txBody>
-                  <a:tcPr marL="91425" marR="91425" marT="91425" marB="91425"/>
+                  <a:tcPr marT="91425" marB="91425" marR="91425" marL="91425"/>
                 </a:tc>
                 <a:tc>
                   <a:txBody>
                     <a:bodyPr/>
                     <a:lstStyle/>
                     <a:p>
-                      <a:pPr marL="0" lvl="0" indent="0" algn="l" rtl="0">
+                      <a:pPr indent="0" lvl="0" marL="0" rtl="0" algn="l">
                         <a:spcBef>
                           <a:spcPts val="0"/>
                         </a:spcBef>
@@ -9016,13 +9151,8 @@
                       <a:endParaRPr/>
                     </a:p>
                   </a:txBody>
-                  <a:tcPr marL="91425" marR="91425" marT="91425" marB="91425"/>
+                  <a:tcPr marT="91425" marB="91425" marR="91425" marL="91425"/>
                 </a:tc>
-                <a:extLst>
-                  <a:ext uri="{0D108BD9-81ED-4DB2-BD59-A6C34878D82A}">
-                    <a16:rowId xmlns:a16="http://schemas.microsoft.com/office/drawing/2014/main" val="10004"/>
-                  </a:ext>
-                </a:extLst>
               </a:tr>
             </a:tbl>
           </a:graphicData>
@@ -9037,11 +9167,11 @@
 </file>
 
 <file path=ppt/slides/slide4.xml><?xml version="1.0" encoding="utf-8"?>
-<p:sld xmlns:a="http://schemas.openxmlformats.org/drawingml/2006/main" xmlns:r="http://schemas.openxmlformats.org/officeDocument/2006/relationships" xmlns:p="http://schemas.openxmlformats.org/presentationml/2006/main">
+<p:sld xmlns:a="http://schemas.openxmlformats.org/drawingml/2006/main" xmlns:r="http://schemas.openxmlformats.org/officeDocument/2006/relationships" xmlns:mc="http://schemas.openxmlformats.org/markup-compatibility/2006" xmlns:mv="urn:schemas-microsoft-com:mac:vml" xmlns:p="http://schemas.openxmlformats.org/presentationml/2006/main" xmlns:c="http://schemas.openxmlformats.org/drawingml/2006/chart" xmlns:dgm="http://schemas.openxmlformats.org/drawingml/2006/diagram" xmlns:o="urn:schemas-microsoft-com:office:office" xmlns:v="urn:schemas-microsoft-com:vml" xmlns:pvml="urn:schemas-microsoft-com:office:powerpoint" xmlns:com="http://schemas.openxmlformats.org/drawingml/2006/compatibility" xmlns:p14="http://schemas.microsoft.com/office/powerpoint/2010/main" xmlns:p15="http://schemas.microsoft.com/office/powerpoint/2012/main" xmlns:ahyp="http://schemas.microsoft.com/office/drawing/2018/hyperlinkcolor">
   <p:cSld>
     <p:spTree>
       <p:nvGrpSpPr>
-        <p:cNvPr id="1" name="Shape 73"/>
+        <p:cNvPr id="73" name="Shape 73"/>
         <p:cNvGrpSpPr/>
         <p:nvPr/>
       </p:nvGrpSpPr>
@@ -9061,58 +9191,22 @@
         </p:nvGraphicFramePr>
         <p:xfrm>
           <a:off x="0" y="0"/>
-          <a:ext cx="9144025" cy="5153130"/>
+          <a:ext cx="3000000" cy="3000000"/>
         </p:xfrm>
         <a:graphic>
           <a:graphicData uri="http://schemas.openxmlformats.org/drawingml/2006/table">
             <a:tbl>
               <a:tblPr>
                 <a:noFill/>
-                <a:tableStyleId>{04C82B5E-6D9D-424B-9A40-26C975ACC433}</a:tableStyleId>
+                <a:tableStyleId>{89FE0AA5-49AA-4839-A657-6D68C9E0F3EE}</a:tableStyleId>
               </a:tblPr>
               <a:tblGrid>
-                <a:gridCol w="761700">
-                  <a:extLst>
-                    <a:ext uri="{9D8B030D-6E8A-4147-A177-3AD203B41FA5}">
-                      <a16:colId xmlns:a16="http://schemas.microsoft.com/office/drawing/2014/main" val="20000"/>
-                    </a:ext>
-                  </a:extLst>
-                </a:gridCol>
-                <a:gridCol w="2082750">
-                  <a:extLst>
-                    <a:ext uri="{9D8B030D-6E8A-4147-A177-3AD203B41FA5}">
-                      <a16:colId xmlns:a16="http://schemas.microsoft.com/office/drawing/2014/main" val="20001"/>
-                    </a:ext>
-                  </a:extLst>
-                </a:gridCol>
-                <a:gridCol w="1338925">
-                  <a:extLst>
-                    <a:ext uri="{9D8B030D-6E8A-4147-A177-3AD203B41FA5}">
-                      <a16:colId xmlns:a16="http://schemas.microsoft.com/office/drawing/2014/main" val="20002"/>
-                    </a:ext>
-                  </a:extLst>
-                </a:gridCol>
-                <a:gridCol w="1836975">
-                  <a:extLst>
-                    <a:ext uri="{9D8B030D-6E8A-4147-A177-3AD203B41FA5}">
-                      <a16:colId xmlns:a16="http://schemas.microsoft.com/office/drawing/2014/main" val="20003"/>
-                    </a:ext>
-                  </a:extLst>
-                </a:gridCol>
-                <a:gridCol w="1426275">
-                  <a:extLst>
-                    <a:ext uri="{9D8B030D-6E8A-4147-A177-3AD203B41FA5}">
-                      <a16:colId xmlns:a16="http://schemas.microsoft.com/office/drawing/2014/main" val="20004"/>
-                    </a:ext>
-                  </a:extLst>
-                </a:gridCol>
-                <a:gridCol w="1697400">
-                  <a:extLst>
-                    <a:ext uri="{9D8B030D-6E8A-4147-A177-3AD203B41FA5}">
-                      <a16:colId xmlns:a16="http://schemas.microsoft.com/office/drawing/2014/main" val="20005"/>
-                    </a:ext>
-                  </a:extLst>
-                </a:gridCol>
+                <a:gridCol w="761700"/>
+                <a:gridCol w="2082750"/>
+                <a:gridCol w="1338925"/>
+                <a:gridCol w="1836975"/>
+                <a:gridCol w="1426275"/>
+                <a:gridCol w="1697400"/>
               </a:tblGrid>
               <a:tr h="899925">
                 <a:tc>
@@ -9120,7 +9214,7 @@
                     <a:bodyPr/>
                     <a:lstStyle/>
                     <a:p>
-                      <a:pPr marL="0" lvl="0" indent="0" algn="l" rtl="0">
+                      <a:pPr indent="0" lvl="0" marL="0" rtl="0" algn="l">
                         <a:spcBef>
                           <a:spcPts val="0"/>
                         </a:spcBef>
@@ -9136,14 +9230,14 @@
                       <a:endParaRPr/>
                     </a:p>
                   </a:txBody>
-                  <a:tcPr marL="91425" marR="91425" marT="91425" marB="91425"/>
+                  <a:tcPr marT="91425" marB="91425" marR="91425" marL="91425"/>
                 </a:tc>
                 <a:tc>
                   <a:txBody>
                     <a:bodyPr/>
                     <a:lstStyle/>
                     <a:p>
-                      <a:pPr marL="0" lvl="0" indent="0" algn="l" rtl="0">
+                      <a:pPr indent="0" lvl="0" marL="0" rtl="0" algn="l">
                         <a:spcBef>
                           <a:spcPts val="0"/>
                         </a:spcBef>
@@ -9159,14 +9253,14 @@
                       <a:endParaRPr/>
                     </a:p>
                   </a:txBody>
-                  <a:tcPr marL="91425" marR="91425" marT="91425" marB="91425"/>
+                  <a:tcPr marT="91425" marB="91425" marR="91425" marL="91425"/>
                 </a:tc>
                 <a:tc>
                   <a:txBody>
                     <a:bodyPr/>
                     <a:lstStyle/>
                     <a:p>
-                      <a:pPr marL="0" lvl="0" indent="0" algn="l" rtl="0">
+                      <a:pPr indent="0" lvl="0" marL="0" rtl="0" algn="l">
                         <a:spcBef>
                           <a:spcPts val="0"/>
                         </a:spcBef>
@@ -9182,14 +9276,14 @@
                       <a:endParaRPr/>
                     </a:p>
                   </a:txBody>
-                  <a:tcPr marL="91425" marR="91425" marT="91425" marB="91425"/>
+                  <a:tcPr marT="91425" marB="91425" marR="91425" marL="91425"/>
                 </a:tc>
                 <a:tc>
                   <a:txBody>
                     <a:bodyPr/>
                     <a:lstStyle/>
                     <a:p>
-                      <a:pPr marL="0" lvl="0" indent="0" algn="l" rtl="0">
+                      <a:pPr indent="0" lvl="0" marL="0" rtl="0" algn="l">
                         <a:spcBef>
                           <a:spcPts val="0"/>
                         </a:spcBef>
@@ -9205,14 +9299,14 @@
                       <a:endParaRPr/>
                     </a:p>
                   </a:txBody>
-                  <a:tcPr marL="91425" marR="91425" marT="91425" marB="91425"/>
+                  <a:tcPr marT="91425" marB="91425" marR="91425" marL="91425"/>
                 </a:tc>
                 <a:tc>
                   <a:txBody>
                     <a:bodyPr/>
                     <a:lstStyle/>
                     <a:p>
-                      <a:pPr marL="0" lvl="0" indent="0" algn="l" rtl="0">
+                      <a:pPr indent="0" lvl="0" marL="0" rtl="0" algn="l">
                         <a:spcBef>
                           <a:spcPts val="0"/>
                         </a:spcBef>
@@ -9228,14 +9322,14 @@
                       <a:endParaRPr/>
                     </a:p>
                   </a:txBody>
-                  <a:tcPr marL="91425" marR="91425" marT="91425" marB="91425"/>
+                  <a:tcPr marT="91425" marB="91425" marR="91425" marL="91425"/>
                 </a:tc>
                 <a:tc>
                   <a:txBody>
                     <a:bodyPr/>
                     <a:lstStyle/>
                     <a:p>
-                      <a:pPr marL="0" lvl="0" indent="0" algn="l" rtl="0">
+                      <a:pPr indent="0" lvl="0" marL="0" rtl="0" algn="l">
                         <a:spcBef>
                           <a:spcPts val="0"/>
                         </a:spcBef>
@@ -9251,13 +9345,8 @@
                       <a:endParaRPr/>
                     </a:p>
                   </a:txBody>
-                  <a:tcPr marL="91425" marR="91425" marT="91425" marB="91425"/>
+                  <a:tcPr marT="91425" marB="91425" marR="91425" marL="91425"/>
                 </a:tc>
-                <a:extLst>
-                  <a:ext uri="{0D108BD9-81ED-4DB2-BD59-A6C34878D82A}">
-                    <a16:rowId xmlns:a16="http://schemas.microsoft.com/office/drawing/2014/main" val="10000"/>
-                  </a:ext>
-                </a:extLst>
               </a:tr>
               <a:tr h="1143425">
                 <a:tc>
@@ -9265,7 +9354,7 @@
                     <a:bodyPr/>
                     <a:lstStyle/>
                     <a:p>
-                      <a:pPr marL="0" lvl="0" indent="0" algn="l" rtl="0">
+                      <a:pPr indent="0" lvl="0" marL="0" rtl="0" algn="l">
                         <a:spcBef>
                           <a:spcPts val="0"/>
                         </a:spcBef>
@@ -9281,14 +9370,14 @@
                       <a:endParaRPr/>
                     </a:p>
                   </a:txBody>
-                  <a:tcPr marL="91425" marR="91425" marT="91425" marB="91425"/>
+                  <a:tcPr marT="91425" marB="91425" marR="91425" marL="91425"/>
                 </a:tc>
                 <a:tc>
                   <a:txBody>
                     <a:bodyPr/>
                     <a:lstStyle/>
                     <a:p>
-                      <a:pPr marL="0" lvl="0" indent="0" algn="l" rtl="0">
+                      <a:pPr indent="0" lvl="0" marL="0" rtl="0" algn="l">
                         <a:spcBef>
                           <a:spcPts val="0"/>
                         </a:spcBef>
@@ -9304,14 +9393,14 @@
                       <a:endParaRPr/>
                     </a:p>
                   </a:txBody>
-                  <a:tcPr marL="91425" marR="91425" marT="91425" marB="91425"/>
+                  <a:tcPr marT="91425" marB="91425" marR="91425" marL="91425"/>
                 </a:tc>
                 <a:tc>
                   <a:txBody>
                     <a:bodyPr/>
                     <a:lstStyle/>
                     <a:p>
-                      <a:pPr marL="0" lvl="0" indent="0" algn="l" rtl="0">
+                      <a:pPr indent="0" lvl="0" marL="0" rtl="0" algn="l">
                         <a:spcBef>
                           <a:spcPts val="0"/>
                         </a:spcBef>
@@ -9346,14 +9435,14 @@
                       <a:endParaRPr/>
                     </a:p>
                   </a:txBody>
-                  <a:tcPr marL="91425" marR="91425" marT="91425" marB="91425"/>
+                  <a:tcPr marT="91425" marB="91425" marR="91425" marL="91425"/>
                 </a:tc>
                 <a:tc>
                   <a:txBody>
                     <a:bodyPr/>
                     <a:lstStyle/>
                     <a:p>
-                      <a:pPr marL="0" lvl="0" indent="0" algn="l" rtl="0">
+                      <a:pPr indent="0" lvl="0" marL="0" rtl="0" algn="l">
                         <a:spcBef>
                           <a:spcPts val="0"/>
                         </a:spcBef>
@@ -9373,14 +9462,14 @@
                       <a:endParaRPr/>
                     </a:p>
                   </a:txBody>
-                  <a:tcPr marL="91425" marR="91425" marT="91425" marB="91425"/>
+                  <a:tcPr marT="91425" marB="91425" marR="91425" marL="91425"/>
                 </a:tc>
                 <a:tc>
                   <a:txBody>
                     <a:bodyPr/>
                     <a:lstStyle/>
                     <a:p>
-                      <a:pPr marL="0" lvl="0" indent="0" algn="l" rtl="0">
+                      <a:pPr indent="0" lvl="0" marL="0" rtl="0" algn="l">
                         <a:spcBef>
                           <a:spcPts val="0"/>
                         </a:spcBef>
@@ -9403,14 +9492,14 @@
                       <a:endParaRPr/>
                     </a:p>
                   </a:txBody>
-                  <a:tcPr marL="91425" marR="91425" marT="91425" marB="91425"/>
+                  <a:tcPr marT="91425" marB="91425" marR="91425" marL="91425"/>
                 </a:tc>
                 <a:tc>
                   <a:txBody>
                     <a:bodyPr/>
                     <a:lstStyle/>
                     <a:p>
-                      <a:pPr marL="0" lvl="0" indent="0" algn="l" rtl="0">
+                      <a:pPr indent="0" lvl="0" marL="0" rtl="0" algn="l">
                         <a:spcBef>
                           <a:spcPts val="0"/>
                         </a:spcBef>
@@ -9433,13 +9522,8 @@
                       <a:endParaRPr/>
                     </a:p>
                   </a:txBody>
-                  <a:tcPr marL="91425" marR="91425" marT="91425" marB="91425"/>
+                  <a:tcPr marT="91425" marB="91425" marR="91425" marL="91425"/>
                 </a:tc>
-                <a:extLst>
-                  <a:ext uri="{0D108BD9-81ED-4DB2-BD59-A6C34878D82A}">
-                    <a16:rowId xmlns:a16="http://schemas.microsoft.com/office/drawing/2014/main" val="10001"/>
-                  </a:ext>
-                </a:extLst>
               </a:tr>
               <a:tr h="1143425">
                 <a:tc>
@@ -9447,7 +9531,7 @@
                     <a:bodyPr/>
                     <a:lstStyle/>
                     <a:p>
-                      <a:pPr marL="0" lvl="0" indent="0" algn="l" rtl="0">
+                      <a:pPr indent="0" lvl="0" marL="0" rtl="0" algn="l">
                         <a:spcBef>
                           <a:spcPts val="0"/>
                         </a:spcBef>
@@ -9463,14 +9547,14 @@
                       <a:endParaRPr/>
                     </a:p>
                   </a:txBody>
-                  <a:tcPr marL="91425" marR="91425" marT="91425" marB="91425"/>
+                  <a:tcPr marT="91425" marB="91425" marR="91425" marL="91425"/>
                 </a:tc>
                 <a:tc>
                   <a:txBody>
                     <a:bodyPr/>
                     <a:lstStyle/>
                     <a:p>
-                      <a:pPr marL="0" lvl="0" indent="0" algn="l" rtl="0">
+                      <a:pPr indent="0" lvl="0" marL="0" rtl="0" algn="l">
                         <a:spcBef>
                           <a:spcPts val="0"/>
                         </a:spcBef>
@@ -9490,14 +9574,14 @@
                       <a:endParaRPr/>
                     </a:p>
                   </a:txBody>
-                  <a:tcPr marL="91425" marR="91425" marT="91425" marB="91425"/>
+                  <a:tcPr marT="91425" marB="91425" marR="91425" marL="91425"/>
                 </a:tc>
                 <a:tc>
                   <a:txBody>
                     <a:bodyPr/>
                     <a:lstStyle/>
                     <a:p>
-                      <a:pPr marL="0" lvl="0" indent="0" algn="l" rtl="0">
+                      <a:pPr indent="0" lvl="0" marL="0" rtl="0" algn="l">
                         <a:spcBef>
                           <a:spcPts val="0"/>
                         </a:spcBef>
@@ -9513,14 +9597,14 @@
                       <a:endParaRPr/>
                     </a:p>
                   </a:txBody>
-                  <a:tcPr marL="91425" marR="91425" marT="91425" marB="91425"/>
+                  <a:tcPr marT="91425" marB="91425" marR="91425" marL="91425"/>
                 </a:tc>
                 <a:tc>
                   <a:txBody>
                     <a:bodyPr/>
                     <a:lstStyle/>
                     <a:p>
-                      <a:pPr marL="0" lvl="0" indent="0" algn="l" rtl="0">
+                      <a:pPr indent="0" lvl="0" marL="0" rtl="0" algn="l">
                         <a:spcBef>
                           <a:spcPts val="0"/>
                         </a:spcBef>
@@ -9540,14 +9624,14 @@
                       <a:endParaRPr/>
                     </a:p>
                   </a:txBody>
-                  <a:tcPr marL="91425" marR="91425" marT="91425" marB="91425"/>
+                  <a:tcPr marT="91425" marB="91425" marR="91425" marL="91425"/>
                 </a:tc>
                 <a:tc>
                   <a:txBody>
                     <a:bodyPr/>
                     <a:lstStyle/>
                     <a:p>
-                      <a:pPr marL="0" lvl="0" indent="0" algn="l" rtl="0">
+                      <a:pPr indent="0" lvl="0" marL="0" rtl="0" algn="l">
                         <a:spcBef>
                           <a:spcPts val="0"/>
                         </a:spcBef>
@@ -9563,14 +9647,14 @@
                       <a:endParaRPr/>
                     </a:p>
                   </a:txBody>
-                  <a:tcPr marL="91425" marR="91425" marT="91425" marB="91425"/>
+                  <a:tcPr marT="91425" marB="91425" marR="91425" marL="91425"/>
                 </a:tc>
                 <a:tc>
                   <a:txBody>
                     <a:bodyPr/>
                     <a:lstStyle/>
                     <a:p>
-                      <a:pPr marL="0" lvl="0" indent="0" algn="l" rtl="0">
+                      <a:pPr indent="0" lvl="0" marL="0" rtl="0" algn="l">
                         <a:spcBef>
                           <a:spcPts val="0"/>
                         </a:spcBef>
@@ -9586,13 +9670,8 @@
                       <a:endParaRPr/>
                     </a:p>
                   </a:txBody>
-                  <a:tcPr marL="91425" marR="91425" marT="91425" marB="91425"/>
+                  <a:tcPr marT="91425" marB="91425" marR="91425" marL="91425"/>
                 </a:tc>
-                <a:extLst>
-                  <a:ext uri="{0D108BD9-81ED-4DB2-BD59-A6C34878D82A}">
-                    <a16:rowId xmlns:a16="http://schemas.microsoft.com/office/drawing/2014/main" val="10002"/>
-                  </a:ext>
-                </a:extLst>
               </a:tr>
               <a:tr h="1143425">
                 <a:tc>
@@ -9600,7 +9679,7 @@
                     <a:bodyPr/>
                     <a:lstStyle/>
                     <a:p>
-                      <a:pPr marL="0" lvl="0" indent="0" algn="l" rtl="0">
+                      <a:pPr indent="0" lvl="0" marL="0" rtl="0" algn="l">
                         <a:spcBef>
                           <a:spcPts val="0"/>
                         </a:spcBef>
@@ -9616,14 +9695,14 @@
                       <a:endParaRPr/>
                     </a:p>
                   </a:txBody>
-                  <a:tcPr marL="91425" marR="91425" marT="91425" marB="91425"/>
+                  <a:tcPr marT="91425" marB="91425" marR="91425" marL="91425"/>
                 </a:tc>
                 <a:tc>
                   <a:txBody>
                     <a:bodyPr/>
                     <a:lstStyle/>
                     <a:p>
-                      <a:pPr marL="0" lvl="0" indent="0" algn="l" rtl="0">
+                      <a:pPr indent="0" lvl="0" marL="0" rtl="0" algn="l">
                         <a:spcBef>
                           <a:spcPts val="0"/>
                         </a:spcBef>
@@ -9639,14 +9718,14 @@
                       <a:endParaRPr/>
                     </a:p>
                   </a:txBody>
-                  <a:tcPr marL="91425" marR="91425" marT="91425" marB="91425"/>
+                  <a:tcPr marT="91425" marB="91425" marR="91425" marL="91425"/>
                 </a:tc>
                 <a:tc>
                   <a:txBody>
                     <a:bodyPr/>
                     <a:lstStyle/>
                     <a:p>
-                      <a:pPr marL="0" lvl="0" indent="0" algn="l" rtl="0">
+                      <a:pPr indent="0" lvl="0" marL="0" rtl="0" algn="l">
                         <a:spcBef>
                           <a:spcPts val="0"/>
                         </a:spcBef>
@@ -9681,14 +9760,14 @@
                       <a:endParaRPr/>
                     </a:p>
                   </a:txBody>
-                  <a:tcPr marL="91425" marR="91425" marT="91425" marB="91425"/>
+                  <a:tcPr marT="91425" marB="91425" marR="91425" marL="91425"/>
                 </a:tc>
                 <a:tc>
                   <a:txBody>
                     <a:bodyPr/>
                     <a:lstStyle/>
                     <a:p>
-                      <a:pPr marL="0" lvl="0" indent="0" algn="l" rtl="0">
+                      <a:pPr indent="0" lvl="0" marL="0" rtl="0" algn="l">
                         <a:spcBef>
                           <a:spcPts val="0"/>
                         </a:spcBef>
@@ -9704,14 +9783,14 @@
                       <a:endParaRPr/>
                     </a:p>
                   </a:txBody>
-                  <a:tcPr marL="91425" marR="91425" marT="91425" marB="91425"/>
+                  <a:tcPr marT="91425" marB="91425" marR="91425" marL="91425"/>
                 </a:tc>
                 <a:tc>
                   <a:txBody>
                     <a:bodyPr/>
                     <a:lstStyle/>
                     <a:p>
-                      <a:pPr marL="0" lvl="0" indent="0" algn="l" rtl="0">
+                      <a:pPr indent="0" lvl="0" marL="0" rtl="0" algn="l">
                         <a:spcBef>
                           <a:spcPts val="0"/>
                         </a:spcBef>
@@ -9727,14 +9806,14 @@
                       <a:endParaRPr/>
                     </a:p>
                   </a:txBody>
-                  <a:tcPr marL="91425" marR="91425" marT="91425" marB="91425"/>
+                  <a:tcPr marT="91425" marB="91425" marR="91425" marL="91425"/>
                 </a:tc>
                 <a:tc>
                   <a:txBody>
                     <a:bodyPr/>
                     <a:lstStyle/>
                     <a:p>
-                      <a:pPr marL="0" lvl="0" indent="0" algn="l" rtl="0">
+                      <a:pPr indent="0" lvl="0" marL="0" rtl="0" algn="l">
                         <a:spcBef>
                           <a:spcPts val="0"/>
                         </a:spcBef>
@@ -9750,21 +9829,16 @@
                       <a:endParaRPr/>
                     </a:p>
                   </a:txBody>
-                  <a:tcPr marL="91425" marR="91425" marT="91425" marB="91425"/>
+                  <a:tcPr marT="91425" marB="91425" marR="91425" marL="91425"/>
                 </a:tc>
-                <a:extLst>
-                  <a:ext uri="{0D108BD9-81ED-4DB2-BD59-A6C34878D82A}">
-                    <a16:rowId xmlns:a16="http://schemas.microsoft.com/office/drawing/2014/main" val="10003"/>
-                  </a:ext>
-                </a:extLst>
               </a:tr>
-              <a:tr h="813275">
+              <a:tr h="813300">
                 <a:tc>
                   <a:txBody>
                     <a:bodyPr/>
                     <a:lstStyle/>
                     <a:p>
-                      <a:pPr marL="0" lvl="0" indent="0" algn="l" rtl="0">
+                      <a:pPr indent="0" lvl="0" marL="0" rtl="0" algn="l">
                         <a:spcBef>
                           <a:spcPts val="0"/>
                         </a:spcBef>
@@ -9780,14 +9854,14 @@
                       <a:endParaRPr/>
                     </a:p>
                   </a:txBody>
-                  <a:tcPr marL="91425" marR="91425" marT="91425" marB="91425"/>
+                  <a:tcPr marT="91425" marB="91425" marR="91425" marL="91425"/>
                 </a:tc>
                 <a:tc>
                   <a:txBody>
                     <a:bodyPr/>
                     <a:lstStyle/>
                     <a:p>
-                      <a:pPr marL="0" lvl="0" indent="0" algn="l" rtl="0">
+                      <a:pPr indent="0" lvl="0" marL="0" rtl="0" algn="l">
                         <a:spcBef>
                           <a:spcPts val="0"/>
                         </a:spcBef>
@@ -9803,14 +9877,14 @@
                       <a:endParaRPr/>
                     </a:p>
                   </a:txBody>
-                  <a:tcPr marL="91425" marR="91425" marT="91425" marB="91425"/>
+                  <a:tcPr marT="91425" marB="91425" marR="91425" marL="91425"/>
                 </a:tc>
                 <a:tc>
                   <a:txBody>
                     <a:bodyPr/>
                     <a:lstStyle/>
                     <a:p>
-                      <a:pPr marL="0" lvl="0" indent="0" algn="l" rtl="0">
+                      <a:pPr indent="0" lvl="0" marL="0" rtl="0" algn="l">
                         <a:spcBef>
                           <a:spcPts val="0"/>
                         </a:spcBef>
@@ -9835,14 +9909,14 @@
                       <a:endParaRPr/>
                     </a:p>
                   </a:txBody>
-                  <a:tcPr marL="91425" marR="91425" marT="91425" marB="91425"/>
+                  <a:tcPr marT="91425" marB="91425" marR="91425" marL="91425"/>
                 </a:tc>
                 <a:tc>
                   <a:txBody>
                     <a:bodyPr/>
                     <a:lstStyle/>
                     <a:p>
-                      <a:pPr marL="0" lvl="0" indent="0" algn="l" rtl="0">
+                      <a:pPr indent="0" lvl="0" marL="0" rtl="0" algn="l">
                         <a:spcBef>
                           <a:spcPts val="0"/>
                         </a:spcBef>
@@ -9867,14 +9941,14 @@
                       <a:endParaRPr/>
                     </a:p>
                   </a:txBody>
-                  <a:tcPr marL="91425" marR="91425" marT="91425" marB="91425"/>
+                  <a:tcPr marT="91425" marB="91425" marR="91425" marL="91425"/>
                 </a:tc>
                 <a:tc>
                   <a:txBody>
                     <a:bodyPr/>
                     <a:lstStyle/>
                     <a:p>
-                      <a:pPr marL="0" lvl="0" indent="0" algn="l" rtl="0">
+                      <a:pPr indent="0" lvl="0" marL="0" rtl="0" algn="l">
                         <a:spcBef>
                           <a:spcPts val="0"/>
                         </a:spcBef>
@@ -9890,14 +9964,14 @@
                       <a:endParaRPr/>
                     </a:p>
                   </a:txBody>
-                  <a:tcPr marL="91425" marR="91425" marT="91425" marB="91425"/>
+                  <a:tcPr marT="91425" marB="91425" marR="91425" marL="91425"/>
                 </a:tc>
                 <a:tc>
                   <a:txBody>
                     <a:bodyPr/>
                     <a:lstStyle/>
                     <a:p>
-                      <a:pPr marL="0" lvl="0" indent="0" algn="l" rtl="0">
+                      <a:pPr indent="0" lvl="0" marL="0" rtl="0" algn="l">
                         <a:spcBef>
                           <a:spcPts val="0"/>
                         </a:spcBef>
@@ -9908,18 +9982,17 @@
                       </a:pPr>
                       <a:r>
                         <a:rPr lang="en"/>
-                        <a:t>Сообщение об ошибке</a:t>
+                        <a:t>УСПЕШНО!!</a:t>
                       </a:r>
                       <a:endParaRPr/>
                     </a:p>
                   </a:txBody>
-                  <a:tcPr marL="91425" marR="91425" marT="91425" marB="91425"/>
+                  <a:tcPr marT="91425" marB="91425" marR="91425" marL="91425">
+                    <a:solidFill>
+                      <a:srgbClr val="93C47D"/>
+                    </a:solidFill>
+                  </a:tcPr>
                 </a:tc>
-                <a:extLst>
-                  <a:ext uri="{0D108BD9-81ED-4DB2-BD59-A6C34878D82A}">
-                    <a16:rowId xmlns:a16="http://schemas.microsoft.com/office/drawing/2014/main" val="10004"/>
-                  </a:ext>
-                </a:extLst>
               </a:tr>
             </a:tbl>
           </a:graphicData>
@@ -9934,11 +10007,11 @@
 </file>
 
 <file path=ppt/slides/slide5.xml><?xml version="1.0" encoding="utf-8"?>
-<p:sld xmlns:a="http://schemas.openxmlformats.org/drawingml/2006/main" xmlns:r="http://schemas.openxmlformats.org/officeDocument/2006/relationships" xmlns:p="http://schemas.openxmlformats.org/presentationml/2006/main">
+<p:sld xmlns:a="http://schemas.openxmlformats.org/drawingml/2006/main" xmlns:r="http://schemas.openxmlformats.org/officeDocument/2006/relationships" xmlns:mc="http://schemas.openxmlformats.org/markup-compatibility/2006" xmlns:mv="urn:schemas-microsoft-com:mac:vml" xmlns:p="http://schemas.openxmlformats.org/presentationml/2006/main" xmlns:c="http://schemas.openxmlformats.org/drawingml/2006/chart" xmlns:dgm="http://schemas.openxmlformats.org/drawingml/2006/diagram" xmlns:o="urn:schemas-microsoft-com:office:office" xmlns:v="urn:schemas-microsoft-com:vml" xmlns:pvml="urn:schemas-microsoft-com:office:powerpoint" xmlns:com="http://schemas.openxmlformats.org/drawingml/2006/compatibility" xmlns:p14="http://schemas.microsoft.com/office/powerpoint/2010/main" xmlns:p15="http://schemas.microsoft.com/office/powerpoint/2012/main" xmlns:ahyp="http://schemas.microsoft.com/office/drawing/2018/hyperlinkcolor">
   <p:cSld>
     <p:spTree>
       <p:nvGrpSpPr>
-        <p:cNvPr id="1" name="Shape 78"/>
+        <p:cNvPr id="78" name="Shape 78"/>
         <p:cNvGrpSpPr/>
         <p:nvPr/>
       </p:nvGrpSpPr>
@@ -9953,9 +10026,7 @@
       <p:sp>
         <p:nvSpPr>
           <p:cNvPr id="79" name="Google Shape;79;p17"/>
-          <p:cNvSpPr txBox="1">
-            <a:spLocks noGrp="1"/>
-          </p:cNvSpPr>
+          <p:cNvSpPr txBox="1"/>
           <p:nvPr>
             <p:ph type="title"/>
           </p:nvPr>
@@ -9970,12 +10041,12 @@
           </a:prstGeom>
         </p:spPr>
         <p:txBody>
-          <a:bodyPr spcFirstLastPara="1" wrap="square" lIns="91425" tIns="91425" rIns="91425" bIns="91425" anchor="b" anchorCtr="0">
+          <a:bodyPr anchorCtr="0" anchor="b" bIns="91425" lIns="91425" spcFirstLastPara="1" rIns="91425" wrap="square" tIns="91425">
             <a:normAutofit/>
           </a:bodyPr>
           <a:lstStyle/>
           <a:p>
-            <a:pPr marL="0" lvl="0" indent="0" algn="ctr" rtl="0">
+            <a:pPr indent="0" lvl="0" marL="0" rtl="0" algn="ctr">
               <a:spcBef>
                 <a:spcPts val="0"/>
               </a:spcBef>
@@ -10001,11 +10072,11 @@
 </file>
 
 <file path=ppt/slides/slide6.xml><?xml version="1.0" encoding="utf-8"?>
-<p:sld xmlns:a="http://schemas.openxmlformats.org/drawingml/2006/main" xmlns:r="http://schemas.openxmlformats.org/officeDocument/2006/relationships" xmlns:p="http://schemas.openxmlformats.org/presentationml/2006/main">
+<p:sld xmlns:a="http://schemas.openxmlformats.org/drawingml/2006/main" xmlns:r="http://schemas.openxmlformats.org/officeDocument/2006/relationships" xmlns:mc="http://schemas.openxmlformats.org/markup-compatibility/2006" xmlns:mv="urn:schemas-microsoft-com:mac:vml" xmlns:p="http://schemas.openxmlformats.org/presentationml/2006/main" xmlns:c="http://schemas.openxmlformats.org/drawingml/2006/chart" xmlns:dgm="http://schemas.openxmlformats.org/drawingml/2006/diagram" xmlns:o="urn:schemas-microsoft-com:office:office" xmlns:v="urn:schemas-microsoft-com:vml" xmlns:pvml="urn:schemas-microsoft-com:office:powerpoint" xmlns:com="http://schemas.openxmlformats.org/drawingml/2006/compatibility" xmlns:p14="http://schemas.microsoft.com/office/powerpoint/2010/main" xmlns:p15="http://schemas.microsoft.com/office/powerpoint/2012/main" xmlns:ahyp="http://schemas.microsoft.com/office/drawing/2018/hyperlinkcolor">
   <p:cSld>
     <p:spTree>
       <p:nvGrpSpPr>
-        <p:cNvPr id="1" name="Shape 83"/>
+        <p:cNvPr id="83" name="Shape 83"/>
         <p:cNvGrpSpPr/>
         <p:nvPr/>
       </p:nvGrpSpPr>
@@ -10020,9 +10091,7 @@
       <p:sp>
         <p:nvSpPr>
           <p:cNvPr id="84" name="Google Shape;84;p18"/>
-          <p:cNvSpPr txBox="1">
-            <a:spLocks noGrp="1"/>
-          </p:cNvSpPr>
+          <p:cNvSpPr txBox="1"/>
           <p:nvPr>
             <p:ph type="title"/>
           </p:nvPr>
@@ -10037,12 +10106,12 @@
           </a:prstGeom>
         </p:spPr>
         <p:txBody>
-          <a:bodyPr spcFirstLastPara="1" wrap="square" lIns="91425" tIns="91425" rIns="91425" bIns="91425" anchor="t" anchorCtr="0">
+          <a:bodyPr anchorCtr="0" anchor="t" bIns="91425" lIns="91425" spcFirstLastPara="1" rIns="91425" wrap="square" tIns="91425">
             <a:normAutofit fontScale="90000"/>
           </a:bodyPr>
           <a:lstStyle/>
           <a:p>
-            <a:pPr marL="0" lvl="0" indent="0" algn="ctr" rtl="0">
+            <a:pPr indent="0" lvl="0" marL="0" rtl="0" algn="ctr">
               <a:spcBef>
                 <a:spcPts val="0"/>
               </a:spcBef>
@@ -10062,11 +10131,9 @@
       <p:sp>
         <p:nvSpPr>
           <p:cNvPr id="85" name="Google Shape;85;p18"/>
-          <p:cNvSpPr txBox="1">
-            <a:spLocks noGrp="1"/>
-          </p:cNvSpPr>
+          <p:cNvSpPr txBox="1"/>
           <p:nvPr>
-            <p:ph type="body" idx="1"/>
+            <p:ph idx="1" type="body"/>
           </p:nvPr>
         </p:nvSpPr>
         <p:spPr>
@@ -10079,12 +10146,12 @@
           </a:prstGeom>
         </p:spPr>
         <p:txBody>
-          <a:bodyPr spcFirstLastPara="1" wrap="square" lIns="91425" tIns="91425" rIns="91425" bIns="91425" anchor="t" anchorCtr="0">
+          <a:bodyPr anchorCtr="0" anchor="t" bIns="91425" lIns="91425" spcFirstLastPara="1" rIns="91425" wrap="square" tIns="91425">
             <a:normAutofit/>
           </a:bodyPr>
           <a:lstStyle/>
           <a:p>
-            <a:pPr marL="0" lvl="0" indent="0" algn="l" rtl="0">
+            <a:pPr indent="0" lvl="0" marL="0" rtl="0" algn="l">
               <a:spcBef>
                 <a:spcPts val="0"/>
               </a:spcBef>
@@ -10100,7 +10167,7 @@
             <a:endParaRPr/>
           </a:p>
           <a:p>
-            <a:pPr marL="0" lvl="0" indent="0" algn="l" rtl="0">
+            <a:pPr indent="0" lvl="0" marL="0" rtl="0" algn="l">
               <a:spcBef>
                 <a:spcPts val="1200"/>
               </a:spcBef>
@@ -10119,7 +10186,7 @@
             <a:endParaRPr/>
           </a:p>
           <a:p>
-            <a:pPr marL="0" lvl="0" indent="0" algn="l" rtl="0">
+            <a:pPr indent="0" lvl="0" marL="0" rtl="0" algn="l">
               <a:spcBef>
                 <a:spcPts val="1200"/>
               </a:spcBef>
@@ -10145,11 +10212,11 @@
 </file>
 
 <file path=ppt/slides/slide7.xml><?xml version="1.0" encoding="utf-8"?>
-<p:sld xmlns:a="http://schemas.openxmlformats.org/drawingml/2006/main" xmlns:r="http://schemas.openxmlformats.org/officeDocument/2006/relationships" xmlns:p="http://schemas.openxmlformats.org/presentationml/2006/main">
+<p:sld xmlns:a="http://schemas.openxmlformats.org/drawingml/2006/main" xmlns:r="http://schemas.openxmlformats.org/officeDocument/2006/relationships" xmlns:mc="http://schemas.openxmlformats.org/markup-compatibility/2006" xmlns:mv="urn:schemas-microsoft-com:mac:vml" xmlns:p="http://schemas.openxmlformats.org/presentationml/2006/main" xmlns:c="http://schemas.openxmlformats.org/drawingml/2006/chart" xmlns:dgm="http://schemas.openxmlformats.org/drawingml/2006/diagram" xmlns:o="urn:schemas-microsoft-com:office:office" xmlns:v="urn:schemas-microsoft-com:vml" xmlns:pvml="urn:schemas-microsoft-com:office:powerpoint" xmlns:com="http://schemas.openxmlformats.org/drawingml/2006/compatibility" xmlns:p14="http://schemas.microsoft.com/office/powerpoint/2010/main" xmlns:p15="http://schemas.microsoft.com/office/powerpoint/2012/main" xmlns:ahyp="http://schemas.microsoft.com/office/drawing/2018/hyperlinkcolor">
   <p:cSld>
     <p:spTree>
       <p:nvGrpSpPr>
-        <p:cNvPr id="1" name="Shape 89"/>
+        <p:cNvPr id="89" name="Shape 89"/>
         <p:cNvGrpSpPr/>
         <p:nvPr/>
       </p:nvGrpSpPr>
@@ -10164,9 +10231,7 @@
       <p:sp>
         <p:nvSpPr>
           <p:cNvPr id="90" name="Google Shape;90;p19"/>
-          <p:cNvSpPr txBox="1">
-            <a:spLocks noGrp="1"/>
-          </p:cNvSpPr>
+          <p:cNvSpPr txBox="1"/>
           <p:nvPr>
             <p:ph type="title"/>
           </p:nvPr>
@@ -10181,12 +10246,12 @@
           </a:prstGeom>
         </p:spPr>
         <p:txBody>
-          <a:bodyPr spcFirstLastPara="1" wrap="square" lIns="91425" tIns="91425" rIns="91425" bIns="91425" anchor="t" anchorCtr="0">
+          <a:bodyPr anchorCtr="0" anchor="t" bIns="91425" lIns="91425" spcFirstLastPara="1" rIns="91425" wrap="square" tIns="91425">
             <a:normAutofit fontScale="90000"/>
           </a:bodyPr>
           <a:lstStyle/>
           <a:p>
-            <a:pPr marL="0" lvl="0" indent="0" algn="ctr" rtl="0">
+            <a:pPr indent="0" lvl="0" marL="0" rtl="0" algn="ctr">
               <a:spcBef>
                 <a:spcPts val="0"/>
               </a:spcBef>
@@ -10240,11 +10305,11 @@
 </file>
 
 <file path=ppt/slides/slide8.xml><?xml version="1.0" encoding="utf-8"?>
-<p:sld xmlns:a="http://schemas.openxmlformats.org/drawingml/2006/main" xmlns:r="http://schemas.openxmlformats.org/officeDocument/2006/relationships" xmlns:p="http://schemas.openxmlformats.org/presentationml/2006/main">
+<p:sld xmlns:a="http://schemas.openxmlformats.org/drawingml/2006/main" xmlns:r="http://schemas.openxmlformats.org/officeDocument/2006/relationships" xmlns:mc="http://schemas.openxmlformats.org/markup-compatibility/2006" xmlns:mv="urn:schemas-microsoft-com:mac:vml" xmlns:p="http://schemas.openxmlformats.org/presentationml/2006/main" xmlns:c="http://schemas.openxmlformats.org/drawingml/2006/chart" xmlns:dgm="http://schemas.openxmlformats.org/drawingml/2006/diagram" xmlns:o="urn:schemas-microsoft-com:office:office" xmlns:v="urn:schemas-microsoft-com:vml" xmlns:pvml="urn:schemas-microsoft-com:office:powerpoint" xmlns:com="http://schemas.openxmlformats.org/drawingml/2006/compatibility" xmlns:p14="http://schemas.microsoft.com/office/powerpoint/2010/main" xmlns:p15="http://schemas.microsoft.com/office/powerpoint/2012/main" xmlns:ahyp="http://schemas.microsoft.com/office/drawing/2018/hyperlinkcolor">
   <p:cSld>
     <p:spTree>
       <p:nvGrpSpPr>
-        <p:cNvPr id="1" name="Shape 95"/>
+        <p:cNvPr id="95" name="Shape 95"/>
         <p:cNvGrpSpPr/>
         <p:nvPr/>
       </p:nvGrpSpPr>
@@ -10259,9 +10324,7 @@
       <p:sp>
         <p:nvSpPr>
           <p:cNvPr id="96" name="Google Shape;96;p20"/>
-          <p:cNvSpPr txBox="1">
-            <a:spLocks noGrp="1"/>
-          </p:cNvSpPr>
+          <p:cNvSpPr txBox="1"/>
           <p:nvPr>
             <p:ph type="title"/>
           </p:nvPr>
@@ -10276,12 +10339,12 @@
           </a:prstGeom>
         </p:spPr>
         <p:txBody>
-          <a:bodyPr spcFirstLastPara="1" wrap="square" lIns="91425" tIns="91425" rIns="91425" bIns="91425" anchor="t" anchorCtr="0">
+          <a:bodyPr anchorCtr="0" anchor="t" bIns="91425" lIns="91425" spcFirstLastPara="1" rIns="91425" wrap="square" tIns="91425">
             <a:normAutofit fontScale="90000"/>
           </a:bodyPr>
           <a:lstStyle/>
           <a:p>
-            <a:pPr marL="0" lvl="0" indent="0" algn="ctr" rtl="0">
+            <a:pPr indent="0" lvl="0" marL="0" rtl="0" algn="ctr">
               <a:spcBef>
                 <a:spcPts val="0"/>
               </a:spcBef>
@@ -10292,7 +10355,11 @@
             </a:pPr>
             <a:r>
               <a:rPr lang="en"/>
-              <a:t>Эффективность сжатия формата .bmp</a:t>
+              <a:t>Эффективность сжатия формата</a:t>
+            </a:r>
+            <a:r>
+              <a:rPr lang="en"/>
+              <a:t> .bmp</a:t>
             </a:r>
             <a:endParaRPr/>
           </a:p>
@@ -10335,11 +10402,11 @@
 </file>
 
 <file path=ppt/slides/slide9.xml><?xml version="1.0" encoding="utf-8"?>
-<p:sld xmlns:a="http://schemas.openxmlformats.org/drawingml/2006/main" xmlns:r="http://schemas.openxmlformats.org/officeDocument/2006/relationships" xmlns:p="http://schemas.openxmlformats.org/presentationml/2006/main">
+<p:sld xmlns:a="http://schemas.openxmlformats.org/drawingml/2006/main" xmlns:r="http://schemas.openxmlformats.org/officeDocument/2006/relationships" xmlns:mc="http://schemas.openxmlformats.org/markup-compatibility/2006" xmlns:mv="urn:schemas-microsoft-com:mac:vml" xmlns:p="http://schemas.openxmlformats.org/presentationml/2006/main" xmlns:c="http://schemas.openxmlformats.org/drawingml/2006/chart" xmlns:dgm="http://schemas.openxmlformats.org/drawingml/2006/diagram" xmlns:o="urn:schemas-microsoft-com:office:office" xmlns:v="urn:schemas-microsoft-com:vml" xmlns:pvml="urn:schemas-microsoft-com:office:powerpoint" xmlns:com="http://schemas.openxmlformats.org/drawingml/2006/compatibility" xmlns:p14="http://schemas.microsoft.com/office/powerpoint/2010/main" xmlns:p15="http://schemas.microsoft.com/office/powerpoint/2012/main" xmlns:ahyp="http://schemas.microsoft.com/office/drawing/2018/hyperlinkcolor">
   <p:cSld>
     <p:spTree>
       <p:nvGrpSpPr>
-        <p:cNvPr id="1" name="Shape 101"/>
+        <p:cNvPr id="101" name="Shape 101"/>
         <p:cNvGrpSpPr/>
         <p:nvPr/>
       </p:nvGrpSpPr>
@@ -10354,9 +10421,7 @@
       <p:sp>
         <p:nvSpPr>
           <p:cNvPr id="102" name="Google Shape;102;p21"/>
-          <p:cNvSpPr txBox="1">
-            <a:spLocks noGrp="1"/>
-          </p:cNvSpPr>
+          <p:cNvSpPr txBox="1"/>
           <p:nvPr>
             <p:ph type="title"/>
           </p:nvPr>
@@ -10371,12 +10436,12 @@
           </a:prstGeom>
         </p:spPr>
         <p:txBody>
-          <a:bodyPr spcFirstLastPara="1" wrap="square" lIns="91425" tIns="91425" rIns="91425" bIns="91425" anchor="t" anchorCtr="0">
+          <a:bodyPr anchorCtr="0" anchor="t" bIns="91425" lIns="91425" spcFirstLastPara="1" rIns="91425" wrap="square" tIns="91425">
             <a:normAutofit fontScale="90000"/>
           </a:bodyPr>
           <a:lstStyle/>
           <a:p>
-            <a:pPr marL="0" lvl="0" indent="0" algn="ctr" rtl="0">
+            <a:pPr indent="0" lvl="0" marL="0" rtl="0" algn="ctr">
               <a:spcBef>
                 <a:spcPts val="0"/>
               </a:spcBef>
@@ -10387,7 +10452,11 @@
             </a:pPr>
             <a:r>
               <a:rPr lang="en"/>
-              <a:t>Эффективность сжатия формата .txt</a:t>
+              <a:t>Эффективность сжатия формата</a:t>
+            </a:r>
+            <a:r>
+              <a:rPr lang="en"/>
+              <a:t> .txt</a:t>
             </a:r>
             <a:endParaRPr/>
           </a:p>
@@ -10430,7 +10499,7 @@
 </file>
 
 <file path=ppt/theme/theme1.xml><?xml version="1.0" encoding="utf-8"?>
-<a:theme xmlns:a="http://schemas.openxmlformats.org/drawingml/2006/main" name="Plum">
+<a:theme xmlns:a="http://schemas.openxmlformats.org/drawingml/2006/main" xmlns:r="http://schemas.openxmlformats.org/officeDocument/2006/relationships" name="Plum">
   <a:themeElements>
     <a:clrScheme name="Plum">
       <a:dk1>
@@ -10705,13 +10774,11 @@
       </a:bgFillStyleLst>
     </a:fmtScheme>
   </a:themeElements>
-  <a:objectDefaults/>
-  <a:extraClrSchemeLst/>
 </a:theme>
 </file>
 
 <file path=ppt/theme/theme2.xml><?xml version="1.0" encoding="utf-8"?>
-<a:theme xmlns:a="http://schemas.openxmlformats.org/drawingml/2006/main">
+<a:theme xmlns:a="http://schemas.openxmlformats.org/drawingml/2006/main" xmlns:r="http://schemas.openxmlformats.org/officeDocument/2006/relationships">
   <a:themeElements>
     <a:clrScheme name="Default">
       <a:dk1>
@@ -10986,7 +11053,5 @@
       </a:bgFillStyleLst>
     </a:fmtScheme>
   </a:themeElements>
-  <a:objectDefaults/>
-  <a:extraClrSchemeLst/>
 </a:theme>
 </file>